--- a/2017/assets/files/L08/L08-Javascript API based developments for improving your Alfresco experience [Lightning Talk (5 m)].pptx
+++ b/2017/assets/files/L08/L08-Javascript API based developments for improving your Alfresco experience [Lightning Talk (5 m)].pptx
@@ -5577,7 +5577,7 @@
         <p:spPr>
           <a:xfrm>
             <a:off x="311760" y="744480"/>
-            <a:ext cx="8517600" cy="2049840"/>
+            <a:ext cx="8517240" cy="2049480"/>
           </a:xfrm>
           <a:prstGeom prst="rect">
             <a:avLst/>
@@ -5652,7 +5652,7 @@
         <p:spPr>
           <a:xfrm>
             <a:off x="311760" y="2834280"/>
-            <a:ext cx="8517600" cy="1316160"/>
+            <a:ext cx="8517240" cy="1315800"/>
           </a:xfrm>
           <a:prstGeom prst="rect">
             <a:avLst/>
@@ -5766,14 +5766,14 @@
       </p:grpSpPr>
       <p:sp>
         <p:nvSpPr>
-          <p:cNvPr id="138" name="CustomShape 1"/>
+          <p:cNvPr id="136" name="CustomShape 1"/>
           <p:cNvSpPr/>
           <p:nvPr/>
         </p:nvSpPr>
         <p:spPr>
           <a:xfrm>
             <a:off x="311760" y="2186280"/>
-            <a:ext cx="8517600" cy="742320"/>
+            <a:ext cx="8517240" cy="741960"/>
           </a:xfrm>
           <a:prstGeom prst="rect">
             <a:avLst/>
@@ -5828,14 +5828,14 @@
       </p:sp>
       <p:sp>
         <p:nvSpPr>
-          <p:cNvPr id="139" name="CustomShape 2"/>
+          <p:cNvPr id="137" name="CustomShape 2"/>
           <p:cNvSpPr/>
           <p:nvPr/>
         </p:nvSpPr>
         <p:spPr>
           <a:xfrm>
             <a:off x="311760" y="3471120"/>
-            <a:ext cx="8517600" cy="1316160"/>
+            <a:ext cx="8517240" cy="1315800"/>
           </a:xfrm>
           <a:prstGeom prst="rect">
             <a:avLst/>
@@ -5888,39 +5888,16 @@
           </a:p>
         </p:txBody>
       </p:sp>
-      <p:pic>
-        <p:nvPicPr>
-          <p:cNvPr id="140" name="" descr=""/>
-          <p:cNvPicPr/>
-          <p:nvPr/>
-        </p:nvPicPr>
-        <p:blipFill>
-          <a:blip r:embed="rId2"/>
-          <a:stretch/>
-        </p:blipFill>
-        <p:spPr>
-          <a:xfrm>
-            <a:off x="5523120" y="1224000"/>
-            <a:ext cx="882360" cy="871200"/>
-          </a:xfrm>
-          <a:prstGeom prst="rect">
-            <a:avLst/>
-          </a:prstGeom>
-          <a:ln>
-            <a:noFill/>
-          </a:ln>
-        </p:spPr>
-      </p:pic>
-      <p:sp>
-        <p:nvSpPr>
-          <p:cNvPr id="141" name="CustomShape 3"/>
+      <p:sp>
+        <p:nvSpPr>
+          <p:cNvPr id="138" name="CustomShape 3"/>
           <p:cNvSpPr/>
           <p:nvPr/>
         </p:nvSpPr>
         <p:spPr>
           <a:xfrm>
             <a:off x="5472000" y="4744080"/>
-            <a:ext cx="3561480" cy="270720"/>
+            <a:ext cx="3561120" cy="270360"/>
           </a:xfrm>
           <a:prstGeom prst="rect">
             <a:avLst/>
@@ -6029,14 +6006,14 @@
       </p:grpSpPr>
       <p:sp>
         <p:nvSpPr>
-          <p:cNvPr id="142" name="CustomShape 1"/>
+          <p:cNvPr id="139" name="CustomShape 1"/>
           <p:cNvSpPr/>
           <p:nvPr/>
         </p:nvSpPr>
         <p:spPr>
           <a:xfrm>
             <a:off x="311760" y="444960"/>
-            <a:ext cx="8517600" cy="569880"/>
+            <a:ext cx="8517240" cy="569520"/>
           </a:xfrm>
           <a:prstGeom prst="rect">
             <a:avLst/>
@@ -6112,14 +6089,14 @@
       </p:sp>
       <p:sp>
         <p:nvSpPr>
-          <p:cNvPr id="143" name="CustomShape 2"/>
+          <p:cNvPr id="140" name="CustomShape 2"/>
           <p:cNvSpPr/>
           <p:nvPr/>
         </p:nvSpPr>
         <p:spPr>
           <a:xfrm>
             <a:off x="311760" y="720360"/>
-            <a:ext cx="8517600" cy="3413520"/>
+            <a:ext cx="8517240" cy="3413160"/>
           </a:xfrm>
           <a:prstGeom prst="rect">
             <a:avLst/>
@@ -6156,7 +6133,7 @@
             </a:endParaRPr>
           </a:p>
           <a:p>
-            <a:pPr marL="432000" indent="-321480">
+            <a:pPr marL="432000" indent="-321120">
               <a:lnSpc>
                 <a:spcPct val="100000"/>
               </a:lnSpc>
@@ -6195,7 +6172,7 @@
             </a:endParaRPr>
           </a:p>
           <a:p>
-            <a:pPr marL="432000" indent="-321480">
+            <a:pPr marL="432000" indent="-321120">
               <a:lnSpc>
                 <a:spcPct val="100000"/>
               </a:lnSpc>
@@ -6234,7 +6211,7 @@
             </a:endParaRPr>
           </a:p>
           <a:p>
-            <a:pPr marL="432000" indent="-321480">
+            <a:pPr marL="432000" indent="-321120">
               <a:lnSpc>
                 <a:spcPct val="100000"/>
               </a:lnSpc>
@@ -6273,7 +6250,7 @@
             </a:endParaRPr>
           </a:p>
           <a:p>
-            <a:pPr marL="432000" indent="-321480">
+            <a:pPr marL="432000" indent="-321120">
               <a:lnSpc>
                 <a:spcPct val="100000"/>
               </a:lnSpc>
@@ -6312,7 +6289,7 @@
             </a:endParaRPr>
           </a:p>
           <a:p>
-            <a:pPr marL="432000" indent="-321480">
+            <a:pPr marL="432000" indent="-321120">
               <a:lnSpc>
                 <a:spcPct val="100000"/>
               </a:lnSpc>
@@ -6351,7 +6328,7 @@
             </a:endParaRPr>
           </a:p>
           <a:p>
-            <a:pPr marL="457200" indent="-314640">
+            <a:pPr marL="457200" indent="-314280">
               <a:lnSpc>
                 <a:spcPct val="100000"/>
               </a:lnSpc>
@@ -6369,7 +6346,7 @@
             </a:endParaRPr>
           </a:p>
           <a:p>
-            <a:pPr marL="457200" indent="-314640">
+            <a:pPr marL="457200" indent="-314280">
               <a:lnSpc>
                 <a:spcPct val="100000"/>
               </a:lnSpc>
@@ -6390,7 +6367,7 @@
       </p:sp>
       <p:pic>
         <p:nvPicPr>
-          <p:cNvPr id="144" name="" descr=""/>
+          <p:cNvPr id="141" name="" descr=""/>
           <p:cNvPicPr/>
           <p:nvPr/>
         </p:nvPicPr>
@@ -6401,7 +6378,7 @@
         <p:spPr>
           <a:xfrm>
             <a:off x="5832000" y="1530720"/>
-            <a:ext cx="2949480" cy="3470760"/>
+            <a:ext cx="2949120" cy="3470400"/>
           </a:xfrm>
           <a:prstGeom prst="rect">
             <a:avLst/>
@@ -6472,14 +6449,14 @@
       </p:grpSpPr>
       <p:sp>
         <p:nvSpPr>
-          <p:cNvPr id="145" name="CustomShape 1"/>
+          <p:cNvPr id="142" name="CustomShape 1"/>
           <p:cNvSpPr/>
           <p:nvPr/>
         </p:nvSpPr>
         <p:spPr>
           <a:xfrm>
             <a:off x="311760" y="2186280"/>
-            <a:ext cx="8517600" cy="742320"/>
+            <a:ext cx="8517240" cy="741960"/>
           </a:xfrm>
           <a:prstGeom prst="rect">
             <a:avLst/>
@@ -6534,14 +6511,14 @@
       </p:sp>
       <p:sp>
         <p:nvSpPr>
-          <p:cNvPr id="146" name="CustomShape 2"/>
+          <p:cNvPr id="143" name="CustomShape 2"/>
           <p:cNvSpPr/>
           <p:nvPr/>
         </p:nvSpPr>
         <p:spPr>
           <a:xfrm>
             <a:off x="311760" y="3471120"/>
-            <a:ext cx="8517600" cy="1316160"/>
+            <a:ext cx="8517240" cy="1315800"/>
           </a:xfrm>
           <a:prstGeom prst="rect">
             <a:avLst/>
@@ -6594,39 +6571,16 @@
           </a:p>
         </p:txBody>
       </p:sp>
-      <p:pic>
-        <p:nvPicPr>
-          <p:cNvPr id="147" name="" descr=""/>
-          <p:cNvPicPr/>
-          <p:nvPr/>
-        </p:nvPicPr>
-        <p:blipFill>
-          <a:blip r:embed="rId2"/>
-          <a:stretch/>
-        </p:blipFill>
-        <p:spPr>
-          <a:xfrm>
-            <a:off x="5523120" y="1224000"/>
-            <a:ext cx="882360" cy="871200"/>
-          </a:xfrm>
-          <a:prstGeom prst="rect">
-            <a:avLst/>
-          </a:prstGeom>
-          <a:ln>
-            <a:noFill/>
-          </a:ln>
-        </p:spPr>
-      </p:pic>
-      <p:sp>
-        <p:nvSpPr>
-          <p:cNvPr id="148" name="CustomShape 3"/>
+      <p:sp>
+        <p:nvSpPr>
+          <p:cNvPr id="144" name="CustomShape 3"/>
           <p:cNvSpPr/>
           <p:nvPr/>
         </p:nvSpPr>
         <p:spPr>
           <a:xfrm>
             <a:off x="5089320" y="4744440"/>
-            <a:ext cx="3944160" cy="270720"/>
+            <a:ext cx="3943800" cy="270360"/>
           </a:xfrm>
           <a:prstGeom prst="rect">
             <a:avLst/>
@@ -6735,14 +6689,14 @@
       </p:grpSpPr>
       <p:sp>
         <p:nvSpPr>
-          <p:cNvPr id="149" name="CustomShape 1"/>
+          <p:cNvPr id="145" name="CustomShape 1"/>
           <p:cNvSpPr/>
           <p:nvPr/>
         </p:nvSpPr>
         <p:spPr>
           <a:xfrm>
             <a:off x="311760" y="444960"/>
-            <a:ext cx="8517600" cy="569880"/>
+            <a:ext cx="8517240" cy="569520"/>
           </a:xfrm>
           <a:prstGeom prst="rect">
             <a:avLst/>
@@ -6792,14 +6746,14 @@
       </p:sp>
       <p:sp>
         <p:nvSpPr>
-          <p:cNvPr id="150" name="CustomShape 2"/>
+          <p:cNvPr id="146" name="CustomShape 2"/>
           <p:cNvSpPr/>
           <p:nvPr/>
         </p:nvSpPr>
         <p:spPr>
           <a:xfrm>
             <a:off x="311760" y="720360"/>
-            <a:ext cx="5013720" cy="3413520"/>
+            <a:ext cx="5013360" cy="3413160"/>
           </a:xfrm>
           <a:prstGeom prst="rect">
             <a:avLst/>
@@ -6836,7 +6790,7 @@
             </a:endParaRPr>
           </a:p>
           <a:p>
-            <a:pPr marL="432000" indent="-321480">
+            <a:pPr marL="432000" indent="-321120">
               <a:lnSpc>
                 <a:spcPct val="100000"/>
               </a:lnSpc>
@@ -6875,7 +6829,7 @@
             </a:endParaRPr>
           </a:p>
           <a:p>
-            <a:pPr marL="432000" indent="-321480">
+            <a:pPr marL="432000" indent="-321120">
               <a:lnSpc>
                 <a:spcPct val="100000"/>
               </a:lnSpc>
@@ -6914,7 +6868,7 @@
             </a:endParaRPr>
           </a:p>
           <a:p>
-            <a:pPr marL="432000" indent="-321480">
+            <a:pPr marL="432000" indent="-321120">
               <a:lnSpc>
                 <a:spcPct val="100000"/>
               </a:lnSpc>
@@ -6953,7 +6907,7 @@
             </a:endParaRPr>
           </a:p>
           <a:p>
-            <a:pPr marL="457200" indent="-314640">
+            <a:pPr marL="457200" indent="-314280">
               <a:lnSpc>
                 <a:spcPct val="100000"/>
               </a:lnSpc>
@@ -6971,7 +6925,7 @@
             </a:endParaRPr>
           </a:p>
           <a:p>
-            <a:pPr marL="457200" indent="-314640">
+            <a:pPr marL="457200" indent="-314280">
               <a:lnSpc>
                 <a:spcPct val="100000"/>
               </a:lnSpc>
@@ -6992,7 +6946,7 @@
       </p:sp>
       <p:pic>
         <p:nvPicPr>
-          <p:cNvPr id="151" name="" descr=""/>
+          <p:cNvPr id="147" name="" descr=""/>
           <p:cNvPicPr/>
           <p:nvPr/>
         </p:nvPicPr>
@@ -7003,7 +6957,7 @@
         <p:spPr>
           <a:xfrm>
             <a:off x="792360" y="2232360"/>
-            <a:ext cx="4029480" cy="2448360"/>
+            <a:ext cx="4029120" cy="2448000"/>
           </a:xfrm>
           <a:prstGeom prst="rect">
             <a:avLst/>
@@ -7015,7 +6969,7 @@
       </p:pic>
       <p:pic>
         <p:nvPicPr>
-          <p:cNvPr id="152" name="" descr=""/>
+          <p:cNvPr id="148" name="" descr=""/>
           <p:cNvPicPr/>
           <p:nvPr/>
         </p:nvPicPr>
@@ -7026,7 +6980,7 @@
         <p:spPr>
           <a:xfrm>
             <a:off x="5256000" y="1154520"/>
-            <a:ext cx="3561480" cy="3487320"/>
+            <a:ext cx="3561120" cy="3486960"/>
           </a:xfrm>
           <a:prstGeom prst="rect">
             <a:avLst/>
@@ -7097,14 +7051,14 @@
       </p:grpSpPr>
       <p:sp>
         <p:nvSpPr>
-          <p:cNvPr id="153" name="CustomShape 1"/>
+          <p:cNvPr id="149" name="CustomShape 1"/>
           <p:cNvSpPr/>
           <p:nvPr/>
         </p:nvSpPr>
         <p:spPr>
           <a:xfrm>
             <a:off x="311760" y="2186280"/>
-            <a:ext cx="8517600" cy="742320"/>
+            <a:ext cx="8517240" cy="741960"/>
           </a:xfrm>
           <a:prstGeom prst="rect">
             <a:avLst/>
@@ -7159,14 +7113,14 @@
       </p:sp>
       <p:sp>
         <p:nvSpPr>
-          <p:cNvPr id="154" name="CustomShape 2"/>
+          <p:cNvPr id="150" name="CustomShape 2"/>
           <p:cNvSpPr/>
           <p:nvPr/>
         </p:nvSpPr>
         <p:spPr>
           <a:xfrm>
             <a:off x="311760" y="3471120"/>
-            <a:ext cx="8517600" cy="1316160"/>
+            <a:ext cx="8517240" cy="1315800"/>
           </a:xfrm>
           <a:prstGeom prst="rect">
             <a:avLst/>
@@ -7219,39 +7173,16 @@
           </a:p>
         </p:txBody>
       </p:sp>
-      <p:pic>
-        <p:nvPicPr>
-          <p:cNvPr id="155" name="" descr=""/>
-          <p:cNvPicPr/>
-          <p:nvPr/>
-        </p:nvPicPr>
-        <p:blipFill>
-          <a:blip r:embed="rId2"/>
-          <a:stretch/>
-        </p:blipFill>
-        <p:spPr>
-          <a:xfrm>
-            <a:off x="5523120" y="1224000"/>
-            <a:ext cx="882360" cy="871200"/>
-          </a:xfrm>
-          <a:prstGeom prst="rect">
-            <a:avLst/>
-          </a:prstGeom>
-          <a:ln>
-            <a:noFill/>
-          </a:ln>
-        </p:spPr>
-      </p:pic>
-      <p:sp>
-        <p:nvSpPr>
-          <p:cNvPr id="156" name="CustomShape 3"/>
+      <p:sp>
+        <p:nvSpPr>
+          <p:cNvPr id="151" name="CustomShape 3"/>
           <p:cNvSpPr/>
           <p:nvPr/>
         </p:nvSpPr>
         <p:spPr>
           <a:xfrm>
             <a:off x="5832000" y="4646160"/>
-            <a:ext cx="3165480" cy="319320"/>
+            <a:ext cx="3165120" cy="318960"/>
           </a:xfrm>
           <a:prstGeom prst="rect">
             <a:avLst/>
@@ -7360,14 +7291,14 @@
       </p:grpSpPr>
       <p:sp>
         <p:nvSpPr>
-          <p:cNvPr id="157" name="CustomShape 1"/>
+          <p:cNvPr id="152" name="CustomShape 1"/>
           <p:cNvSpPr/>
           <p:nvPr/>
         </p:nvSpPr>
         <p:spPr>
           <a:xfrm>
             <a:off x="311760" y="444960"/>
-            <a:ext cx="8517600" cy="569880"/>
+            <a:ext cx="8517240" cy="569520"/>
           </a:xfrm>
           <a:prstGeom prst="rect">
             <a:avLst/>
@@ -7417,14 +7348,14 @@
       </p:sp>
       <p:sp>
         <p:nvSpPr>
-          <p:cNvPr id="158" name="CustomShape 2"/>
+          <p:cNvPr id="153" name="CustomShape 2"/>
           <p:cNvSpPr/>
           <p:nvPr/>
         </p:nvSpPr>
         <p:spPr>
           <a:xfrm>
             <a:off x="311760" y="720360"/>
-            <a:ext cx="5013720" cy="3413520"/>
+            <a:ext cx="5013360" cy="3413160"/>
           </a:xfrm>
           <a:prstGeom prst="rect">
             <a:avLst/>
@@ -7461,7 +7392,7 @@
             </a:endParaRPr>
           </a:p>
           <a:p>
-            <a:pPr marL="432000" indent="-321480">
+            <a:pPr marL="432000" indent="-321120">
               <a:lnSpc>
                 <a:spcPct val="100000"/>
               </a:lnSpc>
@@ -7500,7 +7431,7 @@
             </a:endParaRPr>
           </a:p>
           <a:p>
-            <a:pPr marL="432000" indent="-321480">
+            <a:pPr marL="432000" indent="-321120">
               <a:lnSpc>
                 <a:spcPct val="100000"/>
               </a:lnSpc>
@@ -7539,7 +7470,7 @@
             </a:endParaRPr>
           </a:p>
           <a:p>
-            <a:pPr marL="432000" indent="-321480">
+            <a:pPr marL="432000" indent="-321120">
               <a:lnSpc>
                 <a:spcPct val="100000"/>
               </a:lnSpc>
@@ -7578,7 +7509,7 @@
             </a:endParaRPr>
           </a:p>
           <a:p>
-            <a:pPr marL="457200" indent="-314640">
+            <a:pPr marL="457200" indent="-314280">
               <a:lnSpc>
                 <a:spcPct val="100000"/>
               </a:lnSpc>
@@ -7596,7 +7527,7 @@
             </a:endParaRPr>
           </a:p>
           <a:p>
-            <a:pPr marL="457200" indent="-314640">
+            <a:pPr marL="457200" indent="-314280">
               <a:lnSpc>
                 <a:spcPct val="100000"/>
               </a:lnSpc>
@@ -7617,7 +7548,7 @@
       </p:sp>
       <p:pic>
         <p:nvPicPr>
-          <p:cNvPr id="159" name="" descr=""/>
+          <p:cNvPr id="154" name="" descr=""/>
           <p:cNvPicPr/>
           <p:nvPr/>
         </p:nvPicPr>
@@ -7628,7 +7559,7 @@
         <p:spPr>
           <a:xfrm>
             <a:off x="2160000" y="2132640"/>
-            <a:ext cx="5325480" cy="2112840"/>
+            <a:ext cx="5325120" cy="2112480"/>
           </a:xfrm>
           <a:prstGeom prst="rect">
             <a:avLst/>
@@ -7699,14 +7630,14 @@
       </p:grpSpPr>
       <p:sp>
         <p:nvSpPr>
-          <p:cNvPr id="160" name="CustomShape 1"/>
+          <p:cNvPr id="155" name="CustomShape 1"/>
           <p:cNvSpPr/>
           <p:nvPr/>
         </p:nvSpPr>
         <p:spPr>
           <a:xfrm>
             <a:off x="311760" y="444960"/>
-            <a:ext cx="8518680" cy="570960"/>
+            <a:ext cx="8518320" cy="570600"/>
           </a:xfrm>
           <a:prstGeom prst="rect">
             <a:avLst/>
@@ -7756,14 +7687,14 @@
       </p:sp>
       <p:sp>
         <p:nvSpPr>
-          <p:cNvPr id="161" name="CustomShape 2"/>
+          <p:cNvPr id="156" name="CustomShape 2"/>
           <p:cNvSpPr/>
           <p:nvPr/>
         </p:nvSpPr>
         <p:spPr>
           <a:xfrm>
             <a:off x="311760" y="1152360"/>
-            <a:ext cx="8518680" cy="3414600"/>
+            <a:ext cx="8518320" cy="3414240"/>
           </a:xfrm>
           <a:prstGeom prst="rect">
             <a:avLst/>
@@ -7800,7 +7731,7 @@
             </a:endParaRPr>
           </a:p>
           <a:p>
-            <a:pPr marL="432000" indent="-322560">
+            <a:pPr marL="432000" indent="-322200">
               <a:lnSpc>
                 <a:spcPct val="100000"/>
               </a:lnSpc>
@@ -7839,7 +7770,7 @@
             </a:endParaRPr>
           </a:p>
           <a:p>
-            <a:pPr marL="432000" indent="-322560">
+            <a:pPr marL="432000" indent="-322200">
               <a:lnSpc>
                 <a:spcPct val="100000"/>
               </a:lnSpc>
@@ -7878,7 +7809,7 @@
             </a:endParaRPr>
           </a:p>
           <a:p>
-            <a:pPr marL="432000" indent="-322560">
+            <a:pPr marL="432000" indent="-322200">
               <a:lnSpc>
                 <a:spcPct val="100000"/>
               </a:lnSpc>
@@ -7917,7 +7848,7 @@
             </a:endParaRPr>
           </a:p>
           <a:p>
-            <a:pPr marL="432000" indent="-322560">
+            <a:pPr marL="432000" indent="-322200">
               <a:lnSpc>
                 <a:spcPct val="100000"/>
               </a:lnSpc>
@@ -7956,7 +7887,7 @@
             </a:endParaRPr>
           </a:p>
           <a:p>
-            <a:pPr marL="457200" indent="-315720">
+            <a:pPr marL="457200" indent="-315360">
               <a:lnSpc>
                 <a:spcPct val="100000"/>
               </a:lnSpc>
@@ -7974,7 +7905,7 @@
             </a:endParaRPr>
           </a:p>
           <a:p>
-            <a:pPr marL="457200" indent="-315720">
+            <a:pPr marL="457200" indent="-315360">
               <a:lnSpc>
                 <a:spcPct val="100000"/>
               </a:lnSpc>
@@ -7995,14 +7926,14 @@
       </p:sp>
       <p:sp>
         <p:nvSpPr>
-          <p:cNvPr id="162" name="CustomShape 3"/>
+          <p:cNvPr id="157" name="CustomShape 3"/>
           <p:cNvSpPr/>
           <p:nvPr/>
         </p:nvSpPr>
         <p:spPr>
           <a:xfrm>
             <a:off x="2628000" y="3386160"/>
-            <a:ext cx="4354920" cy="319320"/>
+            <a:ext cx="4354560" cy="318960"/>
           </a:xfrm>
           <a:prstGeom prst="rect">
             <a:avLst/>
@@ -8111,14 +8042,14 @@
       </p:grpSpPr>
       <p:sp>
         <p:nvSpPr>
-          <p:cNvPr id="163" name="CustomShape 1"/>
+          <p:cNvPr id="158" name="CustomShape 1"/>
           <p:cNvSpPr/>
           <p:nvPr/>
         </p:nvSpPr>
         <p:spPr>
           <a:xfrm>
             <a:off x="311760" y="-155520"/>
-            <a:ext cx="8517600" cy="2049840"/>
+            <a:ext cx="8517240" cy="2049480"/>
           </a:xfrm>
           <a:prstGeom prst="rect">
             <a:avLst/>
@@ -8173,14 +8104,14 @@
       </p:sp>
       <p:sp>
         <p:nvSpPr>
-          <p:cNvPr id="164" name="CustomShape 2"/>
+          <p:cNvPr id="159" name="CustomShape 2"/>
           <p:cNvSpPr/>
           <p:nvPr/>
         </p:nvSpPr>
         <p:spPr>
           <a:xfrm>
             <a:off x="275760" y="2402280"/>
-            <a:ext cx="8517600" cy="1316160"/>
+            <a:ext cx="8517240" cy="1315800"/>
           </a:xfrm>
           <a:prstGeom prst="rect">
             <a:avLst/>
@@ -8304,14 +8235,14 @@
       </p:sp>
       <p:sp>
         <p:nvSpPr>
-          <p:cNvPr id="165" name="CustomShape 3"/>
+          <p:cNvPr id="160" name="CustomShape 3"/>
           <p:cNvSpPr/>
           <p:nvPr/>
         </p:nvSpPr>
         <p:spPr>
           <a:xfrm>
             <a:off x="2956320" y="4396680"/>
-            <a:ext cx="4349520" cy="618480"/>
+            <a:ext cx="4349160" cy="618120"/>
           </a:xfrm>
           <a:prstGeom prst="rect">
             <a:avLst/>
@@ -8427,7 +8358,7 @@
         <p:spPr>
           <a:xfrm>
             <a:off x="311760" y="444960"/>
-            <a:ext cx="8517600" cy="569880"/>
+            <a:ext cx="8517240" cy="569520"/>
           </a:xfrm>
           <a:prstGeom prst="rect">
             <a:avLst/>
@@ -8489,7 +8420,7 @@
         <p:spPr>
           <a:xfrm>
             <a:off x="311760" y="1152360"/>
-            <a:ext cx="8253720" cy="3413520"/>
+            <a:ext cx="8253360" cy="3413160"/>
           </a:xfrm>
           <a:prstGeom prst="rect">
             <a:avLst/>
@@ -8559,7 +8490,7 @@
             </a:endParaRPr>
           </a:p>
           <a:p>
-            <a:pPr marL="457200" indent="-314640">
+            <a:pPr marL="457200" indent="-314280">
               <a:lnSpc>
                 <a:spcPct val="100000"/>
               </a:lnSpc>
@@ -8577,7 +8508,7 @@
             </a:endParaRPr>
           </a:p>
           <a:p>
-            <a:pPr marL="457200" indent="-314640">
+            <a:pPr marL="457200" indent="-314280">
               <a:lnSpc>
                 <a:spcPct val="100000"/>
               </a:lnSpc>
@@ -8609,7 +8540,7 @@
         <p:spPr>
           <a:xfrm>
             <a:off x="620640" y="3132000"/>
-            <a:ext cx="3120480" cy="1113480"/>
+            <a:ext cx="3120120" cy="1113120"/>
           </a:xfrm>
           <a:prstGeom prst="rect">
             <a:avLst/>
@@ -8632,7 +8563,7 @@
         <p:spPr>
           <a:xfrm>
             <a:off x="8352000" y="4212000"/>
-            <a:ext cx="700200" cy="645480"/>
+            <a:ext cx="699840" cy="645120"/>
           </a:xfrm>
           <a:prstGeom prst="rect">
             <a:avLst/>
@@ -8651,7 +8582,7 @@
         <p:spPr>
           <a:xfrm>
             <a:off x="396000" y="4365720"/>
-            <a:ext cx="3597480" cy="599760"/>
+            <a:ext cx="3597120" cy="599400"/>
           </a:xfrm>
           <a:prstGeom prst="rect">
             <a:avLst/>
@@ -8708,7 +8639,7 @@
         <p:spPr>
           <a:xfrm>
             <a:off x="371880" y="2224080"/>
-            <a:ext cx="4773600" cy="599760"/>
+            <a:ext cx="4773240" cy="599400"/>
           </a:xfrm>
           <a:prstGeom prst="rect">
             <a:avLst/>
@@ -8824,7 +8755,7 @@
         <p:spPr>
           <a:xfrm>
             <a:off x="311760" y="2186280"/>
-            <a:ext cx="8517600" cy="742320"/>
+            <a:ext cx="8517240" cy="741960"/>
           </a:xfrm>
           <a:prstGeom prst="rect">
             <a:avLst/>
@@ -8886,7 +8817,7 @@
         <p:spPr>
           <a:xfrm>
             <a:off x="311760" y="3471120"/>
-            <a:ext cx="8517600" cy="1316160"/>
+            <a:ext cx="8517240" cy="1315800"/>
           </a:xfrm>
           <a:prstGeom prst="rect">
             <a:avLst/>
@@ -8923,7 +8854,7 @@
                 <a:latin typeface="Arial"/>
                 <a:ea typeface="Arial"/>
               </a:rPr>
-              <a:t>Javascript API based customization to improve your Alfresco experience</a:t>
+              <a:t>Javascript API based customizations to improve your Alfresco experience</a:t>
             </a:r>
             <a:endParaRPr b="0" lang="es-ES" sz="1800" spc="-1" strike="noStrike">
               <a:solidFill>
@@ -8948,7 +8879,7 @@
         <p:spPr>
           <a:xfrm>
             <a:off x="6950880" y="4785480"/>
-            <a:ext cx="2118600" cy="263160"/>
+            <a:ext cx="2118240" cy="262800"/>
           </a:xfrm>
           <a:prstGeom prst="rect">
             <a:avLst/>
@@ -9064,7 +8995,7 @@
         <p:spPr>
           <a:xfrm>
             <a:off x="311760" y="444960"/>
-            <a:ext cx="8517600" cy="569880"/>
+            <a:ext cx="8517240" cy="569520"/>
           </a:xfrm>
           <a:prstGeom prst="rect">
             <a:avLst/>
@@ -9121,7 +9052,7 @@
         <p:spPr>
           <a:xfrm>
             <a:off x="311760" y="1152360"/>
-            <a:ext cx="8517600" cy="3413520"/>
+            <a:ext cx="8517240" cy="3413160"/>
           </a:xfrm>
           <a:prstGeom prst="rect">
             <a:avLst/>
@@ -9158,7 +9089,7 @@
             </a:endParaRPr>
           </a:p>
           <a:p>
-            <a:pPr marL="432000" indent="-321480">
+            <a:pPr marL="432000" indent="-321120">
               <a:lnSpc>
                 <a:spcPct val="100000"/>
               </a:lnSpc>
@@ -9197,7 +9128,7 @@
             </a:endParaRPr>
           </a:p>
           <a:p>
-            <a:pPr marL="432000" indent="-321480">
+            <a:pPr marL="432000" indent="-321120">
               <a:lnSpc>
                 <a:spcPct val="100000"/>
               </a:lnSpc>
@@ -9221,7 +9152,7 @@
                 <a:latin typeface="Arial"/>
                 <a:ea typeface="Arial"/>
               </a:rPr>
-              <a:t>These extensions fill the gap of Alfresco OOTB customizing some default behaviour (i.e. Site Creators addon).</a:t>
+              <a:t>These extensions fill the gap of Alfresco by default, customizing some default behaviour (i.e. Site Creators addon).</a:t>
             </a:r>
             <a:endParaRPr b="0" lang="es-ES" sz="1800" spc="-1" strike="noStrike">
               <a:solidFill>
@@ -9236,7 +9167,7 @@
             </a:endParaRPr>
           </a:p>
           <a:p>
-            <a:pPr marL="432000" indent="-321480">
+            <a:pPr marL="432000" indent="-321120">
               <a:lnSpc>
                 <a:spcPct val="100000"/>
               </a:lnSpc>
@@ -9275,7 +9206,7 @@
             </a:endParaRPr>
           </a:p>
           <a:p>
-            <a:pPr marL="432000" indent="-321480">
+            <a:pPr marL="432000" indent="-321120">
               <a:lnSpc>
                 <a:spcPct val="100000"/>
               </a:lnSpc>
@@ -9299,7 +9230,7 @@
                 <a:latin typeface="Arial"/>
                 <a:ea typeface="Arial"/>
               </a:rPr>
-              <a:t>Then, clients want to customize a little bit more...</a:t>
+              <a:t>Then, customers want to customize a little bit more.</a:t>
             </a:r>
             <a:endParaRPr b="0" lang="es-ES" sz="1800" spc="-1" strike="noStrike">
               <a:solidFill>
@@ -9314,7 +9245,7 @@
             </a:endParaRPr>
           </a:p>
           <a:p>
-            <a:pPr marL="457200" indent="-314640">
+            <a:pPr marL="457200" indent="-314280">
               <a:lnSpc>
                 <a:spcPct val="100000"/>
               </a:lnSpc>
@@ -9332,7 +9263,7 @@
             </a:endParaRPr>
           </a:p>
           <a:p>
-            <a:pPr marL="457200" indent="-314640">
+            <a:pPr marL="457200" indent="-314280">
               <a:lnSpc>
                 <a:spcPct val="100000"/>
               </a:lnSpc>
@@ -9419,7 +9350,7 @@
         <p:spPr>
           <a:xfrm>
             <a:off x="311760" y="444960"/>
-            <a:ext cx="8517600" cy="569880"/>
+            <a:ext cx="8517240" cy="569520"/>
           </a:xfrm>
           <a:prstGeom prst="rect">
             <a:avLst/>
@@ -9476,7 +9407,7 @@
         <p:spPr>
           <a:xfrm>
             <a:off x="360000" y="1152360"/>
-            <a:ext cx="7343280" cy="3413520"/>
+            <a:ext cx="7342920" cy="3413160"/>
           </a:xfrm>
           <a:prstGeom prst="rect">
             <a:avLst/>
@@ -9564,7 +9495,7 @@
             </a:endParaRPr>
           </a:p>
           <a:p>
-            <a:pPr lvl="1" marL="432000" indent="-215280">
+            <a:pPr lvl="1" marL="432000" indent="-214920">
               <a:lnSpc>
                 <a:spcPct val="100000"/>
               </a:lnSpc>
@@ -9588,7 +9519,7 @@
                 <a:latin typeface="Arial"/>
                 <a:ea typeface="Arial"/>
               </a:rPr>
-              <a:t>Simple extensions for improving Alfresco default functionality, resulting from client conversations.</a:t>
+              <a:t>Simple extensions for improving Alfresco default functionality, resulting from conversations with customers.</a:t>
             </a:r>
             <a:endParaRPr b="0" lang="es-ES" sz="1800" spc="-1" strike="noStrike">
               <a:solidFill>
@@ -9603,7 +9534,7 @@
             </a:endParaRPr>
           </a:p>
           <a:p>
-            <a:pPr lvl="1" marL="432000" indent="-215280">
+            <a:pPr lvl="1" marL="432000" indent="-214920">
               <a:lnSpc>
                 <a:spcPct val="100000"/>
               </a:lnSpc>
@@ -9642,7 +9573,7 @@
             </a:endParaRPr>
           </a:p>
           <a:p>
-            <a:pPr marL="457200" indent="-314640">
+            <a:pPr marL="457200" indent="-314280">
               <a:lnSpc>
                 <a:spcPct val="100000"/>
               </a:lnSpc>
@@ -9660,7 +9591,7 @@
             </a:endParaRPr>
           </a:p>
           <a:p>
-            <a:pPr marL="457200" indent="-314640">
+            <a:pPr marL="457200" indent="-314280">
               <a:lnSpc>
                 <a:spcPct val="100000"/>
               </a:lnSpc>
@@ -9747,7 +9678,7 @@
         <p:spPr>
           <a:xfrm>
             <a:off x="311760" y="2186280"/>
-            <a:ext cx="8517600" cy="742320"/>
+            <a:ext cx="8517240" cy="741960"/>
           </a:xfrm>
           <a:prstGeom prst="rect">
             <a:avLst/>
@@ -9809,7 +9740,7 @@
         <p:spPr>
           <a:xfrm>
             <a:off x="311760" y="3471120"/>
-            <a:ext cx="8517600" cy="1316160"/>
+            <a:ext cx="8517240" cy="1315800"/>
           </a:xfrm>
           <a:prstGeom prst="rect">
             <a:avLst/>
@@ -9871,7 +9802,7 @@
         <p:spPr>
           <a:xfrm>
             <a:off x="4502880" y="4641480"/>
-            <a:ext cx="4530600" cy="438480"/>
+            <a:ext cx="4530240" cy="438120"/>
           </a:xfrm>
           <a:prstGeom prst="rect">
             <a:avLst/>
@@ -9919,29 +9850,6 @@
           </a:p>
         </p:txBody>
       </p:sp>
-      <p:pic>
-        <p:nvPicPr>
-          <p:cNvPr id="126" name="" descr=""/>
-          <p:cNvPicPr/>
-          <p:nvPr/>
-        </p:nvPicPr>
-        <p:blipFill>
-          <a:blip r:embed="rId2"/>
-          <a:stretch/>
-        </p:blipFill>
-        <p:spPr>
-          <a:xfrm>
-            <a:off x="5523120" y="1224000"/>
-            <a:ext cx="882360" cy="871200"/>
-          </a:xfrm>
-          <a:prstGeom prst="rect">
-            <a:avLst/>
-          </a:prstGeom>
-          <a:ln>
-            <a:noFill/>
-          </a:ln>
-        </p:spPr>
-      </p:pic>
     </p:spTree>
   </p:cSld>
   <p:timing>
@@ -10003,14 +9911,14 @@
       </p:grpSpPr>
       <p:sp>
         <p:nvSpPr>
-          <p:cNvPr id="127" name="CustomShape 1"/>
+          <p:cNvPr id="126" name="CustomShape 1"/>
           <p:cNvSpPr/>
           <p:nvPr/>
         </p:nvSpPr>
         <p:spPr>
           <a:xfrm>
             <a:off x="311760" y="444960"/>
-            <a:ext cx="8517600" cy="569880"/>
+            <a:ext cx="8517240" cy="569520"/>
           </a:xfrm>
           <a:prstGeom prst="rect">
             <a:avLst/>
@@ -10060,14 +9968,14 @@
       </p:sp>
       <p:sp>
         <p:nvSpPr>
-          <p:cNvPr id="128" name="CustomShape 2"/>
+          <p:cNvPr id="127" name="CustomShape 2"/>
           <p:cNvSpPr/>
           <p:nvPr/>
         </p:nvSpPr>
         <p:spPr>
           <a:xfrm>
             <a:off x="311760" y="1152360"/>
-            <a:ext cx="8517600" cy="3413520"/>
+            <a:ext cx="8517240" cy="3413160"/>
           </a:xfrm>
           <a:prstGeom prst="rect">
             <a:avLst/>
@@ -10137,7 +10045,7 @@
             </a:endParaRPr>
           </a:p>
           <a:p>
-            <a:pPr marL="432000" indent="-321480">
+            <a:pPr marL="432000" indent="-321120">
               <a:lnSpc>
                 <a:spcPct val="100000"/>
               </a:lnSpc>
@@ -10176,7 +10084,7 @@
             </a:endParaRPr>
           </a:p>
           <a:p>
-            <a:pPr marL="432000" indent="-321480">
+            <a:pPr marL="432000" indent="-321120">
               <a:lnSpc>
                 <a:spcPct val="100000"/>
               </a:lnSpc>
@@ -10215,7 +10123,7 @@
             </a:endParaRPr>
           </a:p>
           <a:p>
-            <a:pPr marL="432000" indent="-321480">
+            <a:pPr marL="432000" indent="-321120">
               <a:lnSpc>
                 <a:spcPct val="100000"/>
               </a:lnSpc>
@@ -10254,7 +10162,7 @@
             </a:endParaRPr>
           </a:p>
           <a:p>
-            <a:pPr marL="457200" indent="-314640">
+            <a:pPr marL="457200" indent="-314280">
               <a:lnSpc>
                 <a:spcPct val="100000"/>
               </a:lnSpc>
@@ -10272,7 +10180,7 @@
             </a:endParaRPr>
           </a:p>
           <a:p>
-            <a:pPr marL="457200" indent="-314640">
+            <a:pPr marL="457200" indent="-314280">
               <a:lnSpc>
                 <a:spcPct val="100000"/>
               </a:lnSpc>
@@ -10293,7 +10201,7 @@
       </p:sp>
       <p:pic>
         <p:nvPicPr>
-          <p:cNvPr id="129" name="" descr=""/>
+          <p:cNvPr id="128" name="" descr=""/>
           <p:cNvPicPr/>
           <p:nvPr/>
         </p:nvPicPr>
@@ -10304,7 +10212,7 @@
         <p:spPr>
           <a:xfrm>
             <a:off x="3847680" y="2232000"/>
-            <a:ext cx="5149800" cy="2688120"/>
+            <a:ext cx="5149440" cy="2687760"/>
           </a:xfrm>
           <a:prstGeom prst="rect">
             <a:avLst/>
@@ -10375,14 +10283,14 @@
       </p:grpSpPr>
       <p:sp>
         <p:nvSpPr>
-          <p:cNvPr id="130" name="CustomShape 1"/>
+          <p:cNvPr id="129" name="CustomShape 1"/>
           <p:cNvSpPr/>
           <p:nvPr/>
         </p:nvSpPr>
         <p:spPr>
           <a:xfrm>
             <a:off x="311760" y="2186280"/>
-            <a:ext cx="8517600" cy="742320"/>
+            <a:ext cx="8517240" cy="741960"/>
           </a:xfrm>
           <a:prstGeom prst="rect">
             <a:avLst/>
@@ -10437,14 +10345,14 @@
       </p:sp>
       <p:sp>
         <p:nvSpPr>
-          <p:cNvPr id="131" name="CustomShape 2"/>
+          <p:cNvPr id="130" name="CustomShape 2"/>
           <p:cNvSpPr/>
           <p:nvPr/>
         </p:nvSpPr>
         <p:spPr>
           <a:xfrm>
             <a:off x="311760" y="3471120"/>
-            <a:ext cx="8517600" cy="1316160"/>
+            <a:ext cx="8517240" cy="1315800"/>
           </a:xfrm>
           <a:prstGeom prst="rect">
             <a:avLst/>
@@ -10497,39 +10405,16 @@
           </a:p>
         </p:txBody>
       </p:sp>
-      <p:pic>
-        <p:nvPicPr>
-          <p:cNvPr id="132" name="" descr=""/>
-          <p:cNvPicPr/>
-          <p:nvPr/>
-        </p:nvPicPr>
-        <p:blipFill>
-          <a:blip r:embed="rId2"/>
-          <a:stretch/>
-        </p:blipFill>
-        <p:spPr>
-          <a:xfrm>
-            <a:off x="5523120" y="1224000"/>
-            <a:ext cx="882360" cy="871200"/>
-          </a:xfrm>
-          <a:prstGeom prst="rect">
-            <a:avLst/>
-          </a:prstGeom>
-          <a:ln>
-            <a:noFill/>
-          </a:ln>
-        </p:spPr>
-      </p:pic>
-      <p:sp>
-        <p:nvSpPr>
-          <p:cNvPr id="133" name="CustomShape 3"/>
+      <p:sp>
+        <p:nvSpPr>
+          <p:cNvPr id="131" name="CustomShape 3"/>
           <p:cNvSpPr/>
           <p:nvPr/>
         </p:nvSpPr>
         <p:spPr>
           <a:xfrm>
             <a:off x="5652000" y="4702320"/>
-            <a:ext cx="3345480" cy="263160"/>
+            <a:ext cx="3345120" cy="262800"/>
           </a:xfrm>
           <a:prstGeom prst="rect">
             <a:avLst/>
@@ -10638,14 +10523,14 @@
       </p:grpSpPr>
       <p:sp>
         <p:nvSpPr>
-          <p:cNvPr id="134" name="CustomShape 1"/>
+          <p:cNvPr id="132" name="CustomShape 1"/>
           <p:cNvSpPr/>
           <p:nvPr/>
         </p:nvSpPr>
         <p:spPr>
           <a:xfrm>
             <a:off x="311760" y="444960"/>
-            <a:ext cx="8517600" cy="569880"/>
+            <a:ext cx="8517240" cy="569520"/>
           </a:xfrm>
           <a:prstGeom prst="rect">
             <a:avLst/>
@@ -10721,14 +10606,14 @@
       </p:sp>
       <p:sp>
         <p:nvSpPr>
-          <p:cNvPr id="135" name="CustomShape 2"/>
+          <p:cNvPr id="133" name="CustomShape 2"/>
           <p:cNvSpPr/>
           <p:nvPr/>
         </p:nvSpPr>
         <p:spPr>
           <a:xfrm>
             <a:off x="311760" y="720360"/>
-            <a:ext cx="8517600" cy="3413520"/>
+            <a:ext cx="8517240" cy="3413160"/>
           </a:xfrm>
           <a:prstGeom prst="rect">
             <a:avLst/>
@@ -10765,7 +10650,7 @@
             </a:endParaRPr>
           </a:p>
           <a:p>
-            <a:pPr marL="432000" indent="-321480">
+            <a:pPr marL="432000" indent="-321120">
               <a:lnSpc>
                 <a:spcPct val="100000"/>
               </a:lnSpc>
@@ -10804,7 +10689,7 @@
             </a:endParaRPr>
           </a:p>
           <a:p>
-            <a:pPr marL="432000" indent="-321480">
+            <a:pPr marL="432000" indent="-321120">
               <a:lnSpc>
                 <a:spcPct val="100000"/>
               </a:lnSpc>
@@ -10843,7 +10728,7 @@
             </a:endParaRPr>
           </a:p>
           <a:p>
-            <a:pPr marL="432000" indent="-321480">
+            <a:pPr marL="432000" indent="-321120">
               <a:lnSpc>
                 <a:spcPct val="100000"/>
               </a:lnSpc>
@@ -10882,7 +10767,7 @@
             </a:endParaRPr>
           </a:p>
           <a:p>
-            <a:pPr marL="432000" indent="-321480">
+            <a:pPr marL="432000" indent="-321120">
               <a:lnSpc>
                 <a:spcPct val="100000"/>
               </a:lnSpc>
@@ -10921,7 +10806,7 @@
             </a:endParaRPr>
           </a:p>
           <a:p>
-            <a:pPr marL="457200" indent="-314640">
+            <a:pPr marL="457200" indent="-314280">
               <a:lnSpc>
                 <a:spcPct val="100000"/>
               </a:lnSpc>
@@ -10939,7 +10824,7 @@
             </a:endParaRPr>
           </a:p>
           <a:p>
-            <a:pPr marL="457200" indent="-314640">
+            <a:pPr marL="457200" indent="-314280">
               <a:lnSpc>
                 <a:spcPct val="100000"/>
               </a:lnSpc>
@@ -10960,7 +10845,7 @@
       </p:sp>
       <p:pic>
         <p:nvPicPr>
-          <p:cNvPr id="136" name="" descr=""/>
+          <p:cNvPr id="134" name="" descr=""/>
           <p:cNvPicPr/>
           <p:nvPr/>
         </p:nvPicPr>
@@ -10971,7 +10856,7 @@
         <p:spPr>
           <a:xfrm>
             <a:off x="278280" y="2664000"/>
-            <a:ext cx="4183560" cy="2229480"/>
+            <a:ext cx="4183200" cy="2229120"/>
           </a:xfrm>
           <a:prstGeom prst="rect">
             <a:avLst/>
@@ -10983,7 +10868,7 @@
       </p:pic>
       <p:pic>
         <p:nvPicPr>
-          <p:cNvPr id="137" name="" descr=""/>
+          <p:cNvPr id="135" name="" descr=""/>
           <p:cNvPicPr/>
           <p:nvPr/>
         </p:nvPicPr>
@@ -10994,7 +10879,7 @@
         <p:spPr>
           <a:xfrm>
             <a:off x="4318920" y="1891080"/>
-            <a:ext cx="4714920" cy="2714760"/>
+            <a:ext cx="4714560" cy="2714400"/>
           </a:xfrm>
           <a:prstGeom prst="rect">
             <a:avLst/>

--- a/2017/assets/files/L08/L08-Javascript API based developments for improving your Alfresco experience [Lightning Talk (5 m)].pptx
+++ b/2017/assets/files/L08/L08-Javascript API based developments for improving your Alfresco experience [Lightning Talk (5 m)].pptx
@@ -24,6 +24,11 @@
     <p:sldId id="270" r:id="rId19"/>
     <p:sldId id="271" r:id="rId20"/>
     <p:sldId id="272" r:id="rId21"/>
+    <p:sldId id="273" r:id="rId22"/>
+    <p:sldId id="274" r:id="rId23"/>
+    <p:sldId id="275" r:id="rId24"/>
+    <p:sldId id="276" r:id="rId25"/>
+    <p:sldId id="277" r:id="rId26"/>
   </p:sldIdLst>
   <p:sldSz cx="9144000" cy="5143500"/>
   <p:notesSz cx="7559675" cy="10691812"/>
@@ -5577,7 +5582,7 @@
         <p:spPr>
           <a:xfrm>
             <a:off x="311760" y="744480"/>
-            <a:ext cx="8517240" cy="2049480"/>
+            <a:ext cx="8516880" cy="2049120"/>
           </a:xfrm>
           <a:prstGeom prst="rect">
             <a:avLst/>
@@ -5652,7 +5657,7 @@
         <p:spPr>
           <a:xfrm>
             <a:off x="311760" y="2834280"/>
-            <a:ext cx="8517240" cy="1315800"/>
+            <a:ext cx="8516880" cy="1315440"/>
           </a:xfrm>
           <a:prstGeom prst="rect">
             <a:avLst/>
@@ -5766,14 +5771,14 @@
       </p:grpSpPr>
       <p:sp>
         <p:nvSpPr>
-          <p:cNvPr id="136" name="CustomShape 1"/>
+          <p:cNvPr id="135" name="CustomShape 1"/>
           <p:cNvSpPr/>
           <p:nvPr/>
         </p:nvSpPr>
         <p:spPr>
           <a:xfrm>
-            <a:off x="311760" y="2186280"/>
-            <a:ext cx="8517240" cy="741960"/>
+            <a:off x="311760" y="444960"/>
+            <a:ext cx="8516880" cy="569160"/>
           </a:xfrm>
           <a:prstGeom prst="rect">
             <a:avLst/>
@@ -5790,15 +5795,122 @@
           <a:fontRef idx="minor"/>
         </p:style>
         <p:txBody>
-          <a:bodyPr lIns="90000" rIns="90000" tIns="91440" bIns="91440" anchor="b"/>
-          <a:p>
-            <a:pPr algn="ctr">
+          <a:bodyPr lIns="90000" rIns="90000" tIns="91440" bIns="91440"/>
+          <a:p>
+            <a:r>
+              <a:rPr b="1" lang="es-ES" sz="2800" spc="-1" strike="noStrike">
+                <a:solidFill>
+                  <a:srgbClr val="000000"/>
+                </a:solidFill>
+                <a:uFill>
+                  <a:solidFill>
+                    <a:srgbClr val="ffffff"/>
+                  </a:solidFill>
+                </a:uFill>
+                <a:latin typeface="Arial"/>
+                <a:ea typeface="DejaVu Sans"/>
+              </a:rPr>
+              <a:t>Status-able indicators</a:t>
+            </a:r>
+            <a:endParaRPr b="0" lang="es-ES" sz="1800" spc="-1" strike="noStrike">
+              <a:solidFill>
+                <a:srgbClr val="000000"/>
+              </a:solidFill>
+              <a:uFill>
+                <a:solidFill>
+                  <a:srgbClr val="ffffff"/>
+                </a:solidFill>
+              </a:uFill>
+              <a:latin typeface="Arial"/>
+            </a:endParaRPr>
+          </a:p>
+          <a:p>
+            <a:endParaRPr b="0" lang="es-ES" sz="1800" spc="-1" strike="noStrike">
+              <a:solidFill>
+                <a:srgbClr val="000000"/>
+              </a:solidFill>
+              <a:uFill>
+                <a:solidFill>
+                  <a:srgbClr val="ffffff"/>
+                </a:solidFill>
+              </a:uFill>
+              <a:latin typeface="Arial"/>
+            </a:endParaRPr>
+          </a:p>
+          <a:p>
+            <a:endParaRPr b="0" lang="es-ES" sz="1800" spc="-1" strike="noStrike">
+              <a:solidFill>
+                <a:srgbClr val="000000"/>
+              </a:solidFill>
+              <a:uFill>
+                <a:solidFill>
+                  <a:srgbClr val="ffffff"/>
+                </a:solidFill>
+              </a:uFill>
+              <a:latin typeface="Arial"/>
+            </a:endParaRPr>
+          </a:p>
+        </p:txBody>
+      </p:sp>
+      <p:sp>
+        <p:nvSpPr>
+          <p:cNvPr id="136" name="CustomShape 2"/>
+          <p:cNvSpPr/>
+          <p:nvPr/>
+        </p:nvSpPr>
+        <p:spPr>
+          <a:xfrm>
+            <a:off x="311760" y="720360"/>
+            <a:ext cx="8516880" cy="3412800"/>
+          </a:xfrm>
+          <a:prstGeom prst="rect">
+            <a:avLst/>
+          </a:prstGeom>
+          <a:noFill/>
+          <a:ln>
+            <a:noFill/>
+          </a:ln>
+        </p:spPr>
+        <p:style>
+          <a:lnRef idx="0"/>
+          <a:fillRef idx="0"/>
+          <a:effectRef idx="0"/>
+          <a:fontRef idx="minor"/>
+        </p:style>
+        <p:txBody>
+          <a:bodyPr lIns="90000" rIns="90000" tIns="91440" bIns="91440"/>
+          <a:p>
+            <a:pPr>
               <a:lnSpc>
                 <a:spcPct val="100000"/>
               </a:lnSpc>
             </a:pPr>
+            <a:endParaRPr b="0" lang="es-ES" sz="1800" spc="-1" strike="noStrike">
+              <a:solidFill>
+                <a:srgbClr val="000000"/>
+              </a:solidFill>
+              <a:uFill>
+                <a:solidFill>
+                  <a:srgbClr val="ffffff"/>
+                </a:solidFill>
+              </a:uFill>
+              <a:latin typeface="Arial"/>
+            </a:endParaRPr>
+          </a:p>
+          <a:p>
+            <a:pPr marL="432000" indent="-320760">
+              <a:lnSpc>
+                <a:spcPct val="100000"/>
+              </a:lnSpc>
+              <a:buClr>
+                <a:srgbClr val="000000"/>
+              </a:buClr>
+              <a:buSzPct val="45000"/>
+              <a:buFont typeface="Wingdings" charset="2"/>
+              <a:buChar char=""/>
+            </a:pPr>
             <a:r>
-              <a:rPr b="0" lang="es-ES" sz="3600" spc="-1" strike="noStrike">
+              <a:rPr b="0" lang="es-ES" sz="1400" spc="-1" strike="noStrike">
                 <a:solidFill>
                   <a:srgbClr val="303030"/>
                 </a:solidFill>
@@ -5810,7 +5922,7 @@
                 <a:latin typeface="Arial"/>
                 <a:ea typeface="Arial"/>
               </a:rPr>
-              <a:t>Public URLs w/ expiration</a:t>
+              <a:t>Aspect for document status</a:t>
             </a:r>
             <a:endParaRPr b="0" lang="es-ES" sz="1800" spc="-1" strike="noStrike">
               <a:solidFill>
@@ -5824,45 +5936,22 @@
               <a:latin typeface="Arial"/>
             </a:endParaRPr>
           </a:p>
-        </p:txBody>
-      </p:sp>
-      <p:sp>
-        <p:nvSpPr>
-          <p:cNvPr id="137" name="CustomShape 2"/>
-          <p:cNvSpPr/>
-          <p:nvPr/>
-        </p:nvSpPr>
-        <p:spPr>
-          <a:xfrm>
-            <a:off x="311760" y="3471120"/>
-            <a:ext cx="8517240" cy="1315800"/>
-          </a:xfrm>
-          <a:prstGeom prst="rect">
-            <a:avLst/>
-          </a:prstGeom>
-          <a:noFill/>
-          <a:ln>
-            <a:noFill/>
-          </a:ln>
-        </p:spPr>
-        <p:style>
-          <a:lnRef idx="0"/>
-          <a:fillRef idx="0"/>
-          <a:effectRef idx="0"/>
-          <a:fontRef idx="minor"/>
-        </p:style>
-        <p:txBody>
-          <a:bodyPr lIns="90000" rIns="90000" tIns="91440" bIns="91440"/>
-          <a:p>
-            <a:pPr algn="ctr">
+          <a:p>
+            <a:pPr marL="432000" indent="-320760">
               <a:lnSpc>
                 <a:spcPct val="100000"/>
               </a:lnSpc>
+              <a:buClr>
+                <a:srgbClr val="000000"/>
+              </a:buClr>
+              <a:buSzPct val="45000"/>
+              <a:buFont typeface="Wingdings" charset="2"/>
+              <a:buChar char=""/>
             </a:pPr>
             <a:r>
-              <a:rPr b="0" lang="es-ES" sz="2800" spc="-1" strike="noStrike">
-                <a:solidFill>
-                  <a:srgbClr val="adadad"/>
+              <a:rPr b="0" lang="es-ES" sz="1400" spc="-1" strike="noStrike">
+                <a:solidFill>
+                  <a:srgbClr val="303030"/>
                 </a:solidFill>
                 <a:uFill>
                   <a:solidFill>
@@ -5872,7 +5961,7 @@
                 <a:latin typeface="Arial"/>
                 <a:ea typeface="Arial"/>
               </a:rPr>
-              <a:t>How can I manage and control the public shared documents ?</a:t>
+              <a:t>Custom indicators and metadata template for the statusable aspect</a:t>
             </a:r>
             <a:endParaRPr b="0" lang="es-ES" sz="1800" spc="-1" strike="noStrike">
               <a:solidFill>
@@ -5886,40 +5975,22 @@
               <a:latin typeface="Arial"/>
             </a:endParaRPr>
           </a:p>
-        </p:txBody>
-      </p:sp>
-      <p:sp>
-        <p:nvSpPr>
-          <p:cNvPr id="138" name="CustomShape 3"/>
-          <p:cNvSpPr/>
-          <p:nvPr/>
-        </p:nvSpPr>
-        <p:spPr>
-          <a:xfrm>
-            <a:off x="5472000" y="4744080"/>
-            <a:ext cx="3561120" cy="270360"/>
-          </a:xfrm>
-          <a:prstGeom prst="rect">
-            <a:avLst/>
-          </a:prstGeom>
-          <a:noFill/>
-          <a:ln>
-            <a:noFill/>
-          </a:ln>
-        </p:spPr>
-        <p:style>
-          <a:lnRef idx="0"/>
-          <a:fillRef idx="0"/>
-          <a:effectRef idx="0"/>
-          <a:fontRef idx="minor"/>
-        </p:style>
-        <p:txBody>
-          <a:bodyPr lIns="90000" rIns="90000" tIns="45000" bIns="45000"/>
-          <a:p>
+          <a:p>
+            <a:pPr marL="432000" indent="-320760">
+              <a:lnSpc>
+                <a:spcPct val="100000"/>
+              </a:lnSpc>
+              <a:buClr>
+                <a:srgbClr val="000000"/>
+              </a:buClr>
+              <a:buSzPct val="45000"/>
+              <a:buFont typeface="Wingdings" charset="2"/>
+              <a:buChar char=""/>
+            </a:pPr>
             <a:r>
-              <a:rPr b="0" lang="es-ES" sz="1200" spc="-1" strike="noStrike">
-                <a:solidFill>
-                  <a:srgbClr val="000000"/>
+              <a:rPr b="0" lang="es-ES" sz="1400" spc="-1" strike="noStrike">
+                <a:solidFill>
+                  <a:srgbClr val="303030"/>
                 </a:solidFill>
                 <a:uFill>
                   <a:solidFill>
@@ -5927,9 +5998,9 @@
                   </a:solidFill>
                 </a:uFill>
                 <a:latin typeface="Arial"/>
-                <a:ea typeface="DejaVu Sans"/>
+                <a:ea typeface="Arial"/>
               </a:rPr>
-              <a:t>https://github.com/zylklab/zk-qshared-effectivity</a:t>
+              <a:t>Document searches with facets</a:t>
             </a:r>
             <a:endParaRPr b="0" lang="es-ES" sz="1800" spc="-1" strike="noStrike">
               <a:solidFill>
@@ -5943,8 +6014,129 @@
               <a:latin typeface="Arial"/>
             </a:endParaRPr>
           </a:p>
-        </p:txBody>
-      </p:sp>
+          <a:p>
+            <a:pPr marL="432000" indent="-320760">
+              <a:lnSpc>
+                <a:spcPct val="100000"/>
+              </a:lnSpc>
+              <a:buClr>
+                <a:srgbClr val="000000"/>
+              </a:buClr>
+              <a:buSzPct val="45000"/>
+              <a:buFont typeface="Wingdings" charset="2"/>
+              <a:buChar char=""/>
+            </a:pPr>
+            <a:r>
+              <a:rPr b="0" lang="es-ES" sz="1400" spc="-1" strike="noStrike">
+                <a:solidFill>
+                  <a:srgbClr val="303030"/>
+                </a:solidFill>
+                <a:uFill>
+                  <a:solidFill>
+                    <a:srgbClr val="ffffff"/>
+                  </a:solidFill>
+                </a:uFill>
+                <a:latin typeface="Arial"/>
+                <a:ea typeface="Arial"/>
+              </a:rPr>
+              <a:t>Document views with smart folders </a:t>
+            </a:r>
+            <a:endParaRPr b="0" lang="es-ES" sz="1800" spc="-1" strike="noStrike">
+              <a:solidFill>
+                <a:srgbClr val="000000"/>
+              </a:solidFill>
+              <a:uFill>
+                <a:solidFill>
+                  <a:srgbClr val="ffffff"/>
+                </a:solidFill>
+              </a:uFill>
+              <a:latin typeface="Arial"/>
+            </a:endParaRPr>
+          </a:p>
+          <a:p>
+            <a:pPr marL="457200" indent="-313920">
+              <a:lnSpc>
+                <a:spcPct val="100000"/>
+              </a:lnSpc>
+            </a:pPr>
+            <a:endParaRPr b="0" lang="es-ES" sz="1800" spc="-1" strike="noStrike">
+              <a:solidFill>
+                <a:srgbClr val="000000"/>
+              </a:solidFill>
+              <a:uFill>
+                <a:solidFill>
+                  <a:srgbClr val="ffffff"/>
+                </a:solidFill>
+              </a:uFill>
+              <a:latin typeface="Arial"/>
+            </a:endParaRPr>
+          </a:p>
+          <a:p>
+            <a:pPr marL="457200" indent="-313920">
+              <a:lnSpc>
+                <a:spcPct val="100000"/>
+              </a:lnSpc>
+            </a:pPr>
+            <a:endParaRPr b="0" lang="es-ES" sz="1800" spc="-1" strike="noStrike">
+              <a:solidFill>
+                <a:srgbClr val="000000"/>
+              </a:solidFill>
+              <a:uFill>
+                <a:solidFill>
+                  <a:srgbClr val="ffffff"/>
+                </a:solidFill>
+              </a:uFill>
+              <a:latin typeface="Arial"/>
+            </a:endParaRPr>
+          </a:p>
+        </p:txBody>
+      </p:sp>
+      <p:pic>
+        <p:nvPicPr>
+          <p:cNvPr id="137" name="" descr=""/>
+          <p:cNvPicPr/>
+          <p:nvPr/>
+        </p:nvPicPr>
+        <p:blipFill>
+          <a:blip r:embed="rId2"/>
+          <a:stretch/>
+        </p:blipFill>
+        <p:spPr>
+          <a:xfrm>
+            <a:off x="278280" y="2664000"/>
+            <a:ext cx="4182840" cy="2228760"/>
+          </a:xfrm>
+          <a:prstGeom prst="rect">
+            <a:avLst/>
+          </a:prstGeom>
+          <a:ln>
+            <a:noFill/>
+          </a:ln>
+        </p:spPr>
+      </p:pic>
+      <p:pic>
+        <p:nvPicPr>
+          <p:cNvPr id="138" name="" descr=""/>
+          <p:cNvPicPr/>
+          <p:nvPr/>
+        </p:nvPicPr>
+        <p:blipFill>
+          <a:blip r:embed="rId3"/>
+          <a:stretch/>
+        </p:blipFill>
+        <p:spPr>
+          <a:xfrm>
+            <a:off x="4318920" y="1891080"/>
+            <a:ext cx="4714200" cy="2714040"/>
+          </a:xfrm>
+          <a:prstGeom prst="rect">
+            <a:avLst/>
+          </a:prstGeom>
+          <a:ln>
+            <a:noFill/>
+          </a:ln>
+        </p:spPr>
+      </p:pic>
     </p:spTree>
   </p:cSld>
   <p:timing>
@@ -6013,7 +6205,7 @@
         <p:spPr>
           <a:xfrm>
             <a:off x="311760" y="444960"/>
-            <a:ext cx="8517240" cy="569520"/>
+            <a:ext cx="8516880" cy="569160"/>
           </a:xfrm>
           <a:prstGeom prst="rect">
             <a:avLst/>
@@ -6045,7 +6237,7 @@
                 <a:latin typeface="Arial"/>
                 <a:ea typeface="DejaVu Sans"/>
               </a:rPr>
-              <a:t>Public URLs with expiration</a:t>
+              <a:t>Status-able indicators</a:t>
             </a:r>
             <a:endParaRPr b="0" lang="es-ES" sz="1800" spc="-1" strike="noStrike">
               <a:solidFill>
@@ -6096,7 +6288,7 @@
         <p:spPr>
           <a:xfrm>
             <a:off x="311760" y="720360"/>
-            <a:ext cx="8517240" cy="3413160"/>
+            <a:ext cx="8516880" cy="3412800"/>
           </a:xfrm>
           <a:prstGeom prst="rect">
             <a:avLst/>
@@ -6133,7 +6325,7 @@
             </a:endParaRPr>
           </a:p>
           <a:p>
-            <a:pPr marL="432000" indent="-321120">
+            <a:pPr marL="432000" indent="-320760">
               <a:lnSpc>
                 <a:spcPct val="100000"/>
               </a:lnSpc>
@@ -6157,7 +6349,7 @@
                 <a:latin typeface="Arial"/>
                 <a:ea typeface="Arial"/>
               </a:rPr>
-              <a:t>Using cm:effectivity aspect for defining a date expiration for this content</a:t>
+              <a:t>Aspect for document status</a:t>
             </a:r>
             <a:endParaRPr b="0" lang="es-ES" sz="1800" spc="-1" strike="noStrike">
               <a:solidFill>
@@ -6172,7 +6364,7 @@
             </a:endParaRPr>
           </a:p>
           <a:p>
-            <a:pPr marL="432000" indent="-321120">
+            <a:pPr marL="432000" indent="-320760">
               <a:lnSpc>
                 <a:spcPct val="100000"/>
               </a:lnSpc>
@@ -6196,7 +6388,7 @@
                 <a:latin typeface="Arial"/>
                 <a:ea typeface="Arial"/>
               </a:rPr>
-              <a:t>A content behaviour for setting automatically a month</a:t>
+              <a:t>Custom indicators and metadata template for the statusable aspect</a:t>
             </a:r>
             <a:endParaRPr b="0" lang="es-ES" sz="1800" spc="-1" strike="noStrike">
               <a:solidFill>
@@ -6211,7 +6403,7 @@
             </a:endParaRPr>
           </a:p>
           <a:p>
-            <a:pPr marL="432000" indent="-321120">
+            <a:pPr marL="432000" indent="-320760">
               <a:lnSpc>
                 <a:spcPct val="100000"/>
               </a:lnSpc>
@@ -6235,7 +6427,7 @@
                 <a:latin typeface="Arial"/>
                 <a:ea typeface="Arial"/>
               </a:rPr>
-              <a:t>A daily quartz job for removing qshare:qshared aspect</a:t>
+              <a:t>Document searches with facets</a:t>
             </a:r>
             <a:endParaRPr b="0" lang="es-ES" sz="1800" spc="-1" strike="noStrike">
               <a:solidFill>
@@ -6250,7 +6442,7 @@
             </a:endParaRPr>
           </a:p>
           <a:p>
-            <a:pPr marL="432000" indent="-321120">
+            <a:pPr marL="432000" indent="-320760">
               <a:lnSpc>
                 <a:spcPct val="100000"/>
               </a:lnSpc>
@@ -6274,7 +6466,7 @@
                 <a:latin typeface="Arial"/>
                 <a:ea typeface="Arial"/>
               </a:rPr>
-              <a:t>Custom indicators and metadata templates</a:t>
+              <a:t>Document views with smart folders </a:t>
             </a:r>
             <a:endParaRPr b="0" lang="es-ES" sz="1800" spc="-1" strike="noStrike">
               <a:solidFill>
@@ -6289,46 +6481,7 @@
             </a:endParaRPr>
           </a:p>
           <a:p>
-            <a:pPr marL="432000" indent="-321120">
-              <a:lnSpc>
-                <a:spcPct val="100000"/>
-              </a:lnSpc>
-              <a:buClr>
-                <a:srgbClr val="000000"/>
-              </a:buClr>
-              <a:buSzPct val="45000"/>
-              <a:buFont typeface="Wingdings" charset="2"/>
-              <a:buChar char=""/>
-            </a:pPr>
-            <a:r>
-              <a:rPr b="0" lang="es-ES" sz="1400" spc="-1" strike="noStrike">
-                <a:solidFill>
-                  <a:srgbClr val="303030"/>
-                </a:solidFill>
-                <a:uFill>
-                  <a:solidFill>
-                    <a:srgbClr val="ffffff"/>
-                  </a:solidFill>
-                </a:uFill>
-                <a:latin typeface="Arial"/>
-                <a:ea typeface="Arial"/>
-              </a:rPr>
-              <a:t>Smart template </a:t>
-            </a:r>
-            <a:endParaRPr b="0" lang="es-ES" sz="1800" spc="-1" strike="noStrike">
-              <a:solidFill>
-                <a:srgbClr val="000000"/>
-              </a:solidFill>
-              <a:uFill>
-                <a:solidFill>
-                  <a:srgbClr val="ffffff"/>
-                </a:solidFill>
-              </a:uFill>
-              <a:latin typeface="Arial"/>
-            </a:endParaRPr>
-          </a:p>
-          <a:p>
-            <a:pPr marL="457200" indent="-314280">
+            <a:pPr marL="457200" indent="-313920">
               <a:lnSpc>
                 <a:spcPct val="100000"/>
               </a:lnSpc>
@@ -6346,7 +6499,7 @@
             </a:endParaRPr>
           </a:p>
           <a:p>
-            <a:pPr marL="457200" indent="-314280">
+            <a:pPr marL="457200" indent="-313920">
               <a:lnSpc>
                 <a:spcPct val="100000"/>
               </a:lnSpc>
@@ -6377,8 +6530,31 @@
         </p:blipFill>
         <p:spPr>
           <a:xfrm>
-            <a:off x="5832000" y="1530720"/>
-            <a:ext cx="2949120" cy="3470400"/>
+            <a:off x="278280" y="2664000"/>
+            <a:ext cx="4182840" cy="2228760"/>
+          </a:xfrm>
+          <a:prstGeom prst="rect">
+            <a:avLst/>
+          </a:prstGeom>
+          <a:ln>
+            <a:noFill/>
+          </a:ln>
+        </p:spPr>
+      </p:pic>
+      <p:pic>
+        <p:nvPicPr>
+          <p:cNvPr id="142" name="" descr=""/>
+          <p:cNvPicPr/>
+          <p:nvPr/>
+        </p:nvPicPr>
+        <p:blipFill>
+          <a:blip r:embed="rId3"/>
+          <a:stretch/>
+        </p:blipFill>
+        <p:spPr>
+          <a:xfrm>
+            <a:off x="4318920" y="1891080"/>
+            <a:ext cx="4714200" cy="2714040"/>
           </a:xfrm>
           <a:prstGeom prst="rect">
             <a:avLst/>
@@ -6449,14 +6625,14 @@
       </p:grpSpPr>
       <p:sp>
         <p:nvSpPr>
-          <p:cNvPr id="142" name="CustomShape 1"/>
+          <p:cNvPr id="143" name="CustomShape 1"/>
           <p:cNvSpPr/>
           <p:nvPr/>
         </p:nvSpPr>
         <p:spPr>
           <a:xfrm>
             <a:off x="311760" y="2186280"/>
-            <a:ext cx="8517240" cy="741960"/>
+            <a:ext cx="8516880" cy="741600"/>
           </a:xfrm>
           <a:prstGeom prst="rect">
             <a:avLst/>
@@ -6493,7 +6669,7 @@
                 <a:latin typeface="Arial"/>
                 <a:ea typeface="Arial"/>
               </a:rPr>
-              <a:t>Custom Search Dashlet</a:t>
+              <a:t>Public URLs w/ expiration</a:t>
             </a:r>
             <a:endParaRPr b="0" lang="es-ES" sz="1800" spc="-1" strike="noStrike">
               <a:solidFill>
@@ -6511,14 +6687,14 @@
       </p:sp>
       <p:sp>
         <p:nvSpPr>
-          <p:cNvPr id="143" name="CustomShape 2"/>
+          <p:cNvPr id="144" name="CustomShape 2"/>
           <p:cNvSpPr/>
           <p:nvPr/>
         </p:nvSpPr>
         <p:spPr>
           <a:xfrm>
             <a:off x="311760" y="3471120"/>
-            <a:ext cx="8517240" cy="1315800"/>
+            <a:ext cx="8516880" cy="1315440"/>
           </a:xfrm>
           <a:prstGeom prst="rect">
             <a:avLst/>
@@ -6555,7 +6731,7 @@
                 <a:latin typeface="Arial"/>
                 <a:ea typeface="Arial"/>
               </a:rPr>
-              <a:t>How can I add business views in user and site panels ?</a:t>
+              <a:t>How can I manage and control the public shared documents ?</a:t>
             </a:r>
             <a:endParaRPr b="0" lang="es-ES" sz="1800" spc="-1" strike="noStrike">
               <a:solidFill>
@@ -6573,14 +6749,14 @@
       </p:sp>
       <p:sp>
         <p:nvSpPr>
-          <p:cNvPr id="144" name="CustomShape 3"/>
+          <p:cNvPr id="145" name="CustomShape 3"/>
           <p:cNvSpPr/>
           <p:nvPr/>
         </p:nvSpPr>
         <p:spPr>
           <a:xfrm>
-            <a:off x="5089320" y="4744440"/>
-            <a:ext cx="3943800" cy="270360"/>
+            <a:off x="5472000" y="4744080"/>
+            <a:ext cx="3560760" cy="270000"/>
           </a:xfrm>
           <a:prstGeom prst="rect">
             <a:avLst/>
@@ -6612,7 +6788,7 @@
                 <a:latin typeface="Arial"/>
                 <a:ea typeface="DejaVu Sans"/>
               </a:rPr>
-              <a:t>https://github.com/zylklab/zk-dynamic-searches-dashlet</a:t>
+              <a:t>https://github.com/zylklab/zk-qshared-effectivity</a:t>
             </a:r>
             <a:endParaRPr b="0" lang="es-ES" sz="1800" spc="-1" strike="noStrike">
               <a:solidFill>
@@ -6689,14 +6865,14 @@
       </p:grpSpPr>
       <p:sp>
         <p:nvSpPr>
-          <p:cNvPr id="145" name="CustomShape 1"/>
+          <p:cNvPr id="146" name="CustomShape 1"/>
           <p:cNvSpPr/>
           <p:nvPr/>
         </p:nvSpPr>
         <p:spPr>
           <a:xfrm>
             <a:off x="311760" y="444960"/>
-            <a:ext cx="8517240" cy="569520"/>
+            <a:ext cx="8516880" cy="569160"/>
           </a:xfrm>
           <a:prstGeom prst="rect">
             <a:avLst/>
@@ -6728,7 +6904,7 @@
                 <a:latin typeface="Arial"/>
                 <a:ea typeface="DejaVu Sans"/>
               </a:rPr>
-              <a:t>Custom Search Dashlet</a:t>
+              <a:t>Public URLs with expiration</a:t>
             </a:r>
             <a:endParaRPr b="0" lang="es-ES" sz="1800" spc="-1" strike="noStrike">
               <a:solidFill>
@@ -6742,18 +6918,44 @@
               <a:latin typeface="Arial"/>
             </a:endParaRPr>
           </a:p>
-        </p:txBody>
-      </p:sp>
-      <p:sp>
-        <p:nvSpPr>
-          <p:cNvPr id="146" name="CustomShape 2"/>
+          <a:p>
+            <a:endParaRPr b="0" lang="es-ES" sz="1800" spc="-1" strike="noStrike">
+              <a:solidFill>
+                <a:srgbClr val="000000"/>
+              </a:solidFill>
+              <a:uFill>
+                <a:solidFill>
+                  <a:srgbClr val="ffffff"/>
+                </a:solidFill>
+              </a:uFill>
+              <a:latin typeface="Arial"/>
+            </a:endParaRPr>
+          </a:p>
+          <a:p>
+            <a:endParaRPr b="0" lang="es-ES" sz="1800" spc="-1" strike="noStrike">
+              <a:solidFill>
+                <a:srgbClr val="000000"/>
+              </a:solidFill>
+              <a:uFill>
+                <a:solidFill>
+                  <a:srgbClr val="ffffff"/>
+                </a:solidFill>
+              </a:uFill>
+              <a:latin typeface="Arial"/>
+            </a:endParaRPr>
+          </a:p>
+        </p:txBody>
+      </p:sp>
+      <p:sp>
+        <p:nvSpPr>
+          <p:cNvPr id="147" name="CustomShape 2"/>
           <p:cNvSpPr/>
           <p:nvPr/>
         </p:nvSpPr>
         <p:spPr>
           <a:xfrm>
             <a:off x="311760" y="720360"/>
-            <a:ext cx="5013360" cy="3413160"/>
+            <a:ext cx="8516880" cy="3412800"/>
           </a:xfrm>
           <a:prstGeom prst="rect">
             <a:avLst/>
@@ -6790,7 +6992,7 @@
             </a:endParaRPr>
           </a:p>
           <a:p>
-            <a:pPr marL="432000" indent="-321120">
+            <a:pPr marL="432000" indent="-320760">
               <a:lnSpc>
                 <a:spcPct val="100000"/>
               </a:lnSpc>
@@ -6814,7 +7016,7 @@
                 <a:latin typeface="Arial"/>
                 <a:ea typeface="Arial"/>
               </a:rPr>
-              <a:t>Search dashlet with many filters</a:t>
+              <a:t>Using cm:effectivity aspect for defining a date expiration for this content</a:t>
             </a:r>
             <a:endParaRPr b="0" lang="es-ES" sz="1800" spc="-1" strike="noStrike">
               <a:solidFill>
@@ -6829,7 +7031,7 @@
             </a:endParaRPr>
           </a:p>
           <a:p>
-            <a:pPr marL="432000" indent="-321120">
+            <a:pPr marL="432000" indent="-320760">
               <a:lnSpc>
                 <a:spcPct val="100000"/>
               </a:lnSpc>
@@ -6853,7 +7055,7 @@
                 <a:latin typeface="Arial"/>
                 <a:ea typeface="Arial"/>
               </a:rPr>
-              <a:t>Custom Types, multiple tags and categories…</a:t>
+              <a:t>A content behaviour for setting automatically a month</a:t>
             </a:r>
             <a:endParaRPr b="0" lang="es-ES" sz="1800" spc="-1" strike="noStrike">
               <a:solidFill>
@@ -6868,7 +7070,7 @@
             </a:endParaRPr>
           </a:p>
           <a:p>
-            <a:pPr marL="432000" indent="-321120">
+            <a:pPr marL="432000" indent="-320760">
               <a:lnSpc>
                 <a:spcPct val="100000"/>
               </a:lnSpc>
@@ -6892,7 +7094,7 @@
                 <a:latin typeface="Arial"/>
                 <a:ea typeface="Arial"/>
               </a:rPr>
-              <a:t>Use PATH queries in combination with smart folder templates for complex queries</a:t>
+              <a:t>A daily quartz job for removing qshare:qshared aspect</a:t>
             </a:r>
             <a:endParaRPr b="0" lang="es-ES" sz="1800" spc="-1" strike="noStrike">
               <a:solidFill>
@@ -6907,7 +7109,85 @@
             </a:endParaRPr>
           </a:p>
           <a:p>
-            <a:pPr marL="457200" indent="-314280">
+            <a:pPr marL="432000" indent="-320760">
+              <a:lnSpc>
+                <a:spcPct val="100000"/>
+              </a:lnSpc>
+              <a:buClr>
+                <a:srgbClr val="000000"/>
+              </a:buClr>
+              <a:buSzPct val="45000"/>
+              <a:buFont typeface="Wingdings" charset="2"/>
+              <a:buChar char=""/>
+            </a:pPr>
+            <a:r>
+              <a:rPr b="0" lang="es-ES" sz="1400" spc="-1" strike="noStrike">
+                <a:solidFill>
+                  <a:srgbClr val="303030"/>
+                </a:solidFill>
+                <a:uFill>
+                  <a:solidFill>
+                    <a:srgbClr val="ffffff"/>
+                  </a:solidFill>
+                </a:uFill>
+                <a:latin typeface="Arial"/>
+                <a:ea typeface="Arial"/>
+              </a:rPr>
+              <a:t>Custom indicators and metadata templates</a:t>
+            </a:r>
+            <a:endParaRPr b="0" lang="es-ES" sz="1800" spc="-1" strike="noStrike">
+              <a:solidFill>
+                <a:srgbClr val="000000"/>
+              </a:solidFill>
+              <a:uFill>
+                <a:solidFill>
+                  <a:srgbClr val="ffffff"/>
+                </a:solidFill>
+              </a:uFill>
+              <a:latin typeface="Arial"/>
+            </a:endParaRPr>
+          </a:p>
+          <a:p>
+            <a:pPr marL="432000" indent="-320760">
+              <a:lnSpc>
+                <a:spcPct val="100000"/>
+              </a:lnSpc>
+              <a:buClr>
+                <a:srgbClr val="000000"/>
+              </a:buClr>
+              <a:buSzPct val="45000"/>
+              <a:buFont typeface="Wingdings" charset="2"/>
+              <a:buChar char=""/>
+            </a:pPr>
+            <a:r>
+              <a:rPr b="0" lang="es-ES" sz="1400" spc="-1" strike="noStrike">
+                <a:solidFill>
+                  <a:srgbClr val="303030"/>
+                </a:solidFill>
+                <a:uFill>
+                  <a:solidFill>
+                    <a:srgbClr val="ffffff"/>
+                  </a:solidFill>
+                </a:uFill>
+                <a:latin typeface="Arial"/>
+                <a:ea typeface="Arial"/>
+              </a:rPr>
+              <a:t>Smart template </a:t>
+            </a:r>
+            <a:endParaRPr b="0" lang="es-ES" sz="1800" spc="-1" strike="noStrike">
+              <a:solidFill>
+                <a:srgbClr val="000000"/>
+              </a:solidFill>
+              <a:uFill>
+                <a:solidFill>
+                  <a:srgbClr val="ffffff"/>
+                </a:solidFill>
+              </a:uFill>
+              <a:latin typeface="Arial"/>
+            </a:endParaRPr>
+          </a:p>
+          <a:p>
+            <a:pPr marL="457200" indent="-313920">
               <a:lnSpc>
                 <a:spcPct val="100000"/>
               </a:lnSpc>
@@ -6925,7 +7205,7 @@
             </a:endParaRPr>
           </a:p>
           <a:p>
-            <a:pPr marL="457200" indent="-314280">
+            <a:pPr marL="457200" indent="-313920">
               <a:lnSpc>
                 <a:spcPct val="100000"/>
               </a:lnSpc>
@@ -6946,7 +7226,7 @@
       </p:sp>
       <p:pic>
         <p:nvPicPr>
-          <p:cNvPr id="147" name="" descr=""/>
+          <p:cNvPr id="148" name="" descr=""/>
           <p:cNvPicPr/>
           <p:nvPr/>
         </p:nvPicPr>
@@ -6956,31 +7236,8 @@
         </p:blipFill>
         <p:spPr>
           <a:xfrm>
-            <a:off x="792360" y="2232360"/>
-            <a:ext cx="4029120" cy="2448000"/>
-          </a:xfrm>
-          <a:prstGeom prst="rect">
-            <a:avLst/>
-          </a:prstGeom>
-          <a:ln>
-            <a:noFill/>
-          </a:ln>
-        </p:spPr>
-      </p:pic>
-      <p:pic>
-        <p:nvPicPr>
-          <p:cNvPr id="148" name="" descr=""/>
-          <p:cNvPicPr/>
-          <p:nvPr/>
-        </p:nvPicPr>
-        <p:blipFill>
-          <a:blip r:embed="rId3"/>
-          <a:stretch/>
-        </p:blipFill>
-        <p:spPr>
-          <a:xfrm>
-            <a:off x="5256000" y="1154520"/>
-            <a:ext cx="3561120" cy="3486960"/>
+            <a:off x="5832000" y="1530720"/>
+            <a:ext cx="2948760" cy="3470040"/>
           </a:xfrm>
           <a:prstGeom prst="rect">
             <a:avLst/>
@@ -7057,8 +7314,8 @@
         </p:nvSpPr>
         <p:spPr>
           <a:xfrm>
-            <a:off x="311760" y="2186280"/>
-            <a:ext cx="8517240" cy="741960"/>
+            <a:off x="311760" y="444960"/>
+            <a:ext cx="8516880" cy="569160"/>
           </a:xfrm>
           <a:prstGeom prst="rect">
             <a:avLst/>
@@ -7075,15 +7332,122 @@
           <a:fontRef idx="minor"/>
         </p:style>
         <p:txBody>
-          <a:bodyPr lIns="90000" rIns="90000" tIns="91440" bIns="91440" anchor="b"/>
-          <a:p>
-            <a:pPr algn="ctr">
+          <a:bodyPr lIns="90000" rIns="90000" tIns="91440" bIns="91440"/>
+          <a:p>
+            <a:r>
+              <a:rPr b="1" lang="es-ES" sz="2800" spc="-1" strike="noStrike">
+                <a:solidFill>
+                  <a:srgbClr val="000000"/>
+                </a:solidFill>
+                <a:uFill>
+                  <a:solidFill>
+                    <a:srgbClr val="ffffff"/>
+                  </a:solidFill>
+                </a:uFill>
+                <a:latin typeface="Arial"/>
+                <a:ea typeface="DejaVu Sans"/>
+              </a:rPr>
+              <a:t>Public URLs with expiration</a:t>
+            </a:r>
+            <a:endParaRPr b="0" lang="es-ES" sz="1800" spc="-1" strike="noStrike">
+              <a:solidFill>
+                <a:srgbClr val="000000"/>
+              </a:solidFill>
+              <a:uFill>
+                <a:solidFill>
+                  <a:srgbClr val="ffffff"/>
+                </a:solidFill>
+              </a:uFill>
+              <a:latin typeface="Arial"/>
+            </a:endParaRPr>
+          </a:p>
+          <a:p>
+            <a:endParaRPr b="0" lang="es-ES" sz="1800" spc="-1" strike="noStrike">
+              <a:solidFill>
+                <a:srgbClr val="000000"/>
+              </a:solidFill>
+              <a:uFill>
+                <a:solidFill>
+                  <a:srgbClr val="ffffff"/>
+                </a:solidFill>
+              </a:uFill>
+              <a:latin typeface="Arial"/>
+            </a:endParaRPr>
+          </a:p>
+          <a:p>
+            <a:endParaRPr b="0" lang="es-ES" sz="1800" spc="-1" strike="noStrike">
+              <a:solidFill>
+                <a:srgbClr val="000000"/>
+              </a:solidFill>
+              <a:uFill>
+                <a:solidFill>
+                  <a:srgbClr val="ffffff"/>
+                </a:solidFill>
+              </a:uFill>
+              <a:latin typeface="Arial"/>
+            </a:endParaRPr>
+          </a:p>
+        </p:txBody>
+      </p:sp>
+      <p:sp>
+        <p:nvSpPr>
+          <p:cNvPr id="150" name="CustomShape 2"/>
+          <p:cNvSpPr/>
+          <p:nvPr/>
+        </p:nvSpPr>
+        <p:spPr>
+          <a:xfrm>
+            <a:off x="311760" y="720360"/>
+            <a:ext cx="8516880" cy="3412800"/>
+          </a:xfrm>
+          <a:prstGeom prst="rect">
+            <a:avLst/>
+          </a:prstGeom>
+          <a:noFill/>
+          <a:ln>
+            <a:noFill/>
+          </a:ln>
+        </p:spPr>
+        <p:style>
+          <a:lnRef idx="0"/>
+          <a:fillRef idx="0"/>
+          <a:effectRef idx="0"/>
+          <a:fontRef idx="minor"/>
+        </p:style>
+        <p:txBody>
+          <a:bodyPr lIns="90000" rIns="90000" tIns="91440" bIns="91440"/>
+          <a:p>
+            <a:pPr>
               <a:lnSpc>
                 <a:spcPct val="100000"/>
               </a:lnSpc>
             </a:pPr>
+            <a:endParaRPr b="0" lang="es-ES" sz="1800" spc="-1" strike="noStrike">
+              <a:solidFill>
+                <a:srgbClr val="000000"/>
+              </a:solidFill>
+              <a:uFill>
+                <a:solidFill>
+                  <a:srgbClr val="ffffff"/>
+                </a:solidFill>
+              </a:uFill>
+              <a:latin typeface="Arial"/>
+            </a:endParaRPr>
+          </a:p>
+          <a:p>
+            <a:pPr marL="432000" indent="-320760">
+              <a:lnSpc>
+                <a:spcPct val="100000"/>
+              </a:lnSpc>
+              <a:buClr>
+                <a:srgbClr val="000000"/>
+              </a:buClr>
+              <a:buSzPct val="45000"/>
+              <a:buFont typeface="Wingdings" charset="2"/>
+              <a:buChar char=""/>
+            </a:pPr>
             <a:r>
-              <a:rPr b="0" lang="es-ES" sz="3600" spc="-1" strike="noStrike">
+              <a:rPr b="0" lang="es-ES" sz="1400" spc="-1" strike="noStrike">
                 <a:solidFill>
                   <a:srgbClr val="303030"/>
                 </a:solidFill>
@@ -7095,7 +7459,7 @@
                 <a:latin typeface="Arial"/>
                 <a:ea typeface="Arial"/>
               </a:rPr>
-              <a:t>Alfresco URL Shortener</a:t>
+              <a:t>Using cm:effectivity aspect for defining a date expiration for this content</a:t>
             </a:r>
             <a:endParaRPr b="0" lang="es-ES" sz="1800" spc="-1" strike="noStrike">
               <a:solidFill>
@@ -7109,45 +7473,22 @@
               <a:latin typeface="Arial"/>
             </a:endParaRPr>
           </a:p>
-        </p:txBody>
-      </p:sp>
-      <p:sp>
-        <p:nvSpPr>
-          <p:cNvPr id="150" name="CustomShape 2"/>
-          <p:cNvSpPr/>
-          <p:nvPr/>
-        </p:nvSpPr>
-        <p:spPr>
-          <a:xfrm>
-            <a:off x="311760" y="3471120"/>
-            <a:ext cx="8517240" cy="1315800"/>
-          </a:xfrm>
-          <a:prstGeom prst="rect">
-            <a:avLst/>
-          </a:prstGeom>
-          <a:noFill/>
-          <a:ln>
-            <a:noFill/>
-          </a:ln>
-        </p:spPr>
-        <p:style>
-          <a:lnRef idx="0"/>
-          <a:fillRef idx="0"/>
-          <a:effectRef idx="0"/>
-          <a:fontRef idx="minor"/>
-        </p:style>
-        <p:txBody>
-          <a:bodyPr lIns="90000" rIns="90000" tIns="91440" bIns="91440"/>
-          <a:p>
-            <a:pPr algn="ctr">
+          <a:p>
+            <a:pPr marL="432000" indent="-320760">
               <a:lnSpc>
                 <a:spcPct val="100000"/>
               </a:lnSpc>
+              <a:buClr>
+                <a:srgbClr val="000000"/>
+              </a:buClr>
+              <a:buSzPct val="45000"/>
+              <a:buFont typeface="Wingdings" charset="2"/>
+              <a:buChar char=""/>
             </a:pPr>
             <a:r>
-              <a:rPr b="0" lang="es-ES" sz="2800" spc="-1" strike="noStrike">
-                <a:solidFill>
-                  <a:srgbClr val="adadad"/>
+              <a:rPr b="0" lang="es-ES" sz="1400" spc="-1" strike="noStrike">
+                <a:solidFill>
+                  <a:srgbClr val="303030"/>
                 </a:solidFill>
                 <a:uFill>
                   <a:solidFill>
@@ -7157,7 +7498,7 @@
                 <a:latin typeface="Arial"/>
                 <a:ea typeface="Arial"/>
               </a:rPr>
-              <a:t>How to use short URLs in Alfresco Share ?</a:t>
+              <a:t>A content behaviour for setting automatically a month</a:t>
             </a:r>
             <a:endParaRPr b="0" lang="es-ES" sz="1800" spc="-1" strike="noStrike">
               <a:solidFill>
@@ -7171,40 +7512,22 @@
               <a:latin typeface="Arial"/>
             </a:endParaRPr>
           </a:p>
-        </p:txBody>
-      </p:sp>
-      <p:sp>
-        <p:nvSpPr>
-          <p:cNvPr id="151" name="CustomShape 3"/>
-          <p:cNvSpPr/>
-          <p:nvPr/>
-        </p:nvSpPr>
-        <p:spPr>
-          <a:xfrm>
-            <a:off x="5832000" y="4646160"/>
-            <a:ext cx="3165120" cy="318960"/>
-          </a:xfrm>
-          <a:prstGeom prst="rect">
-            <a:avLst/>
-          </a:prstGeom>
-          <a:noFill/>
-          <a:ln>
-            <a:noFill/>
-          </a:ln>
-        </p:spPr>
-        <p:style>
-          <a:lnRef idx="0"/>
-          <a:fillRef idx="0"/>
-          <a:effectRef idx="0"/>
-          <a:fontRef idx="minor"/>
-        </p:style>
-        <p:txBody>
-          <a:bodyPr lIns="90000" rIns="90000" tIns="45000" bIns="45000"/>
-          <a:p>
+          <a:p>
+            <a:pPr marL="432000" indent="-320760">
+              <a:lnSpc>
+                <a:spcPct val="100000"/>
+              </a:lnSpc>
+              <a:buClr>
+                <a:srgbClr val="000000"/>
+              </a:buClr>
+              <a:buSzPct val="45000"/>
+              <a:buFont typeface="Wingdings" charset="2"/>
+              <a:buChar char=""/>
+            </a:pPr>
             <a:r>
-              <a:rPr b="0" lang="es-ES" sz="1200" spc="-1" strike="noStrike">
-                <a:solidFill>
-                  <a:srgbClr val="000000"/>
+              <a:rPr b="0" lang="es-ES" sz="1400" spc="-1" strike="noStrike">
+                <a:solidFill>
+                  <a:srgbClr val="303030"/>
                 </a:solidFill>
                 <a:uFill>
                   <a:solidFill>
@@ -7212,9 +7535,9 @@
                   </a:solidFill>
                 </a:uFill>
                 <a:latin typeface="Arial"/>
-                <a:ea typeface="DejaVu Sans"/>
+                <a:ea typeface="Arial"/>
               </a:rPr>
-              <a:t>https://github.com/zylklab/zk-url-shortener</a:t>
+              <a:t>A daily quartz job for removing qshare:qshared aspect</a:t>
             </a:r>
             <a:endParaRPr b="0" lang="es-ES" sz="1800" spc="-1" strike="noStrike">
               <a:solidFill>
@@ -7228,8 +7551,145 @@
               <a:latin typeface="Arial"/>
             </a:endParaRPr>
           </a:p>
-        </p:txBody>
-      </p:sp>
+          <a:p>
+            <a:pPr marL="432000" indent="-320760">
+              <a:lnSpc>
+                <a:spcPct val="100000"/>
+              </a:lnSpc>
+              <a:buClr>
+                <a:srgbClr val="000000"/>
+              </a:buClr>
+              <a:buSzPct val="45000"/>
+              <a:buFont typeface="Wingdings" charset="2"/>
+              <a:buChar char=""/>
+            </a:pPr>
+            <a:r>
+              <a:rPr b="0" lang="es-ES" sz="1400" spc="-1" strike="noStrike">
+                <a:solidFill>
+                  <a:srgbClr val="303030"/>
+                </a:solidFill>
+                <a:uFill>
+                  <a:solidFill>
+                    <a:srgbClr val="ffffff"/>
+                  </a:solidFill>
+                </a:uFill>
+                <a:latin typeface="Arial"/>
+                <a:ea typeface="Arial"/>
+              </a:rPr>
+              <a:t>Custom indicators and metadata templates</a:t>
+            </a:r>
+            <a:endParaRPr b="0" lang="es-ES" sz="1800" spc="-1" strike="noStrike">
+              <a:solidFill>
+                <a:srgbClr val="000000"/>
+              </a:solidFill>
+              <a:uFill>
+                <a:solidFill>
+                  <a:srgbClr val="ffffff"/>
+                </a:solidFill>
+              </a:uFill>
+              <a:latin typeface="Arial"/>
+            </a:endParaRPr>
+          </a:p>
+          <a:p>
+            <a:pPr marL="432000" indent="-320760">
+              <a:lnSpc>
+                <a:spcPct val="100000"/>
+              </a:lnSpc>
+              <a:buClr>
+                <a:srgbClr val="000000"/>
+              </a:buClr>
+              <a:buSzPct val="45000"/>
+              <a:buFont typeface="Wingdings" charset="2"/>
+              <a:buChar char=""/>
+            </a:pPr>
+            <a:r>
+              <a:rPr b="0" lang="es-ES" sz="1400" spc="-1" strike="noStrike">
+                <a:solidFill>
+                  <a:srgbClr val="303030"/>
+                </a:solidFill>
+                <a:uFill>
+                  <a:solidFill>
+                    <a:srgbClr val="ffffff"/>
+                  </a:solidFill>
+                </a:uFill>
+                <a:latin typeface="Arial"/>
+                <a:ea typeface="Arial"/>
+              </a:rPr>
+              <a:t>Smart template </a:t>
+            </a:r>
+            <a:endParaRPr b="0" lang="es-ES" sz="1800" spc="-1" strike="noStrike">
+              <a:solidFill>
+                <a:srgbClr val="000000"/>
+              </a:solidFill>
+              <a:uFill>
+                <a:solidFill>
+                  <a:srgbClr val="ffffff"/>
+                </a:solidFill>
+              </a:uFill>
+              <a:latin typeface="Arial"/>
+            </a:endParaRPr>
+          </a:p>
+          <a:p>
+            <a:pPr marL="457200" indent="-313920">
+              <a:lnSpc>
+                <a:spcPct val="100000"/>
+              </a:lnSpc>
+            </a:pPr>
+            <a:endParaRPr b="0" lang="es-ES" sz="1800" spc="-1" strike="noStrike">
+              <a:solidFill>
+                <a:srgbClr val="000000"/>
+              </a:solidFill>
+              <a:uFill>
+                <a:solidFill>
+                  <a:srgbClr val="ffffff"/>
+                </a:solidFill>
+              </a:uFill>
+              <a:latin typeface="Arial"/>
+            </a:endParaRPr>
+          </a:p>
+          <a:p>
+            <a:pPr marL="457200" indent="-313920">
+              <a:lnSpc>
+                <a:spcPct val="100000"/>
+              </a:lnSpc>
+            </a:pPr>
+            <a:endParaRPr b="0" lang="es-ES" sz="1800" spc="-1" strike="noStrike">
+              <a:solidFill>
+                <a:srgbClr val="000000"/>
+              </a:solidFill>
+              <a:uFill>
+                <a:solidFill>
+                  <a:srgbClr val="ffffff"/>
+                </a:solidFill>
+              </a:uFill>
+              <a:latin typeface="Arial"/>
+            </a:endParaRPr>
+          </a:p>
+        </p:txBody>
+      </p:sp>
+      <p:pic>
+        <p:nvPicPr>
+          <p:cNvPr id="151" name="" descr=""/>
+          <p:cNvPicPr/>
+          <p:nvPr/>
+        </p:nvPicPr>
+        <p:blipFill>
+          <a:blip r:embed="rId2"/>
+          <a:stretch/>
+        </p:blipFill>
+        <p:spPr>
+          <a:xfrm>
+            <a:off x="5832000" y="1530720"/>
+            <a:ext cx="2948760" cy="3470040"/>
+          </a:xfrm>
+          <a:prstGeom prst="rect">
+            <a:avLst/>
+          </a:prstGeom>
+          <a:ln>
+            <a:noFill/>
+          </a:ln>
+        </p:spPr>
+      </p:pic>
     </p:spTree>
   </p:cSld>
   <p:timing>
@@ -7297,8 +7757,8 @@
         </p:nvSpPr>
         <p:spPr>
           <a:xfrm>
-            <a:off x="311760" y="444960"/>
-            <a:ext cx="8517240" cy="569520"/>
+            <a:off x="311760" y="2186280"/>
+            <a:ext cx="8516880" cy="741600"/>
           </a:xfrm>
           <a:prstGeom prst="rect">
             <a:avLst/>
@@ -7315,10 +7775,134 @@
           <a:fontRef idx="minor"/>
         </p:style>
         <p:txBody>
+          <a:bodyPr lIns="90000" rIns="90000" tIns="91440" bIns="91440" anchor="b"/>
+          <a:p>
+            <a:pPr algn="ctr">
+              <a:lnSpc>
+                <a:spcPct val="100000"/>
+              </a:lnSpc>
+            </a:pPr>
+            <a:r>
+              <a:rPr b="0" lang="es-ES" sz="3600" spc="-1" strike="noStrike">
+                <a:solidFill>
+                  <a:srgbClr val="303030"/>
+                </a:solidFill>
+                <a:uFill>
+                  <a:solidFill>
+                    <a:srgbClr val="ffffff"/>
+                  </a:solidFill>
+                </a:uFill>
+                <a:latin typeface="Arial"/>
+                <a:ea typeface="Arial"/>
+              </a:rPr>
+              <a:t>Custom Search Dashlet</a:t>
+            </a:r>
+            <a:endParaRPr b="0" lang="es-ES" sz="1800" spc="-1" strike="noStrike">
+              <a:solidFill>
+                <a:srgbClr val="000000"/>
+              </a:solidFill>
+              <a:uFill>
+                <a:solidFill>
+                  <a:srgbClr val="ffffff"/>
+                </a:solidFill>
+              </a:uFill>
+              <a:latin typeface="Arial"/>
+            </a:endParaRPr>
+          </a:p>
+        </p:txBody>
+      </p:sp>
+      <p:sp>
+        <p:nvSpPr>
+          <p:cNvPr id="153" name="CustomShape 2"/>
+          <p:cNvSpPr/>
+          <p:nvPr/>
+        </p:nvSpPr>
+        <p:spPr>
+          <a:xfrm>
+            <a:off x="311760" y="3471120"/>
+            <a:ext cx="8516880" cy="1315440"/>
+          </a:xfrm>
+          <a:prstGeom prst="rect">
+            <a:avLst/>
+          </a:prstGeom>
+          <a:noFill/>
+          <a:ln>
+            <a:noFill/>
+          </a:ln>
+        </p:spPr>
+        <p:style>
+          <a:lnRef idx="0"/>
+          <a:fillRef idx="0"/>
+          <a:effectRef idx="0"/>
+          <a:fontRef idx="minor"/>
+        </p:style>
+        <p:txBody>
           <a:bodyPr lIns="90000" rIns="90000" tIns="91440" bIns="91440"/>
           <a:p>
+            <a:pPr algn="ctr">
+              <a:lnSpc>
+                <a:spcPct val="100000"/>
+              </a:lnSpc>
+            </a:pPr>
             <a:r>
-              <a:rPr b="1" lang="es-ES" sz="2800" spc="-1" strike="noStrike">
+              <a:rPr b="0" lang="es-ES" sz="2800" spc="-1" strike="noStrike">
+                <a:solidFill>
+                  <a:srgbClr val="adadad"/>
+                </a:solidFill>
+                <a:uFill>
+                  <a:solidFill>
+                    <a:srgbClr val="ffffff"/>
+                  </a:solidFill>
+                </a:uFill>
+                <a:latin typeface="Arial"/>
+                <a:ea typeface="Arial"/>
+              </a:rPr>
+              <a:t>How can I add business views in user and site panels ?</a:t>
+            </a:r>
+            <a:endParaRPr b="0" lang="es-ES" sz="1800" spc="-1" strike="noStrike">
+              <a:solidFill>
+                <a:srgbClr val="000000"/>
+              </a:solidFill>
+              <a:uFill>
+                <a:solidFill>
+                  <a:srgbClr val="ffffff"/>
+                </a:solidFill>
+              </a:uFill>
+              <a:latin typeface="Arial"/>
+            </a:endParaRPr>
+          </a:p>
+        </p:txBody>
+      </p:sp>
+      <p:sp>
+        <p:nvSpPr>
+          <p:cNvPr id="154" name="CustomShape 3"/>
+          <p:cNvSpPr/>
+          <p:nvPr/>
+        </p:nvSpPr>
+        <p:spPr>
+          <a:xfrm>
+            <a:off x="5089320" y="4744440"/>
+            <a:ext cx="3943440" cy="270000"/>
+          </a:xfrm>
+          <a:prstGeom prst="rect">
+            <a:avLst/>
+          </a:prstGeom>
+          <a:noFill/>
+          <a:ln>
+            <a:noFill/>
+          </a:ln>
+        </p:spPr>
+        <p:style>
+          <a:lnRef idx="0"/>
+          <a:fillRef idx="0"/>
+          <a:effectRef idx="0"/>
+          <a:fontRef idx="minor"/>
+        </p:style>
+        <p:txBody>
+          <a:bodyPr lIns="90000" rIns="90000" tIns="45000" bIns="45000"/>
+          <a:p>
+            <a:r>
+              <a:rPr b="0" lang="es-ES" sz="1200" spc="-1" strike="noStrike">
                 <a:solidFill>
                   <a:srgbClr val="000000"/>
                 </a:solidFill>
@@ -7330,7 +7914,7 @@
                 <a:latin typeface="Arial"/>
                 <a:ea typeface="DejaVu Sans"/>
               </a:rPr>
-              <a:t>Alfresco URL Shortener</a:t>
+              <a:t>https://github.com/zylklab/zk-dynamic-searches-dashlet</a:t>
             </a:r>
             <a:endParaRPr b="0" lang="es-ES" sz="1800" spc="-1" strike="noStrike">
               <a:solidFill>
@@ -7346,229 +7930,6 @@
           </a:p>
         </p:txBody>
       </p:sp>
-      <p:sp>
-        <p:nvSpPr>
-          <p:cNvPr id="153" name="CustomShape 2"/>
-          <p:cNvSpPr/>
-          <p:nvPr/>
-        </p:nvSpPr>
-        <p:spPr>
-          <a:xfrm>
-            <a:off x="311760" y="720360"/>
-            <a:ext cx="5013360" cy="3413160"/>
-          </a:xfrm>
-          <a:prstGeom prst="rect">
-            <a:avLst/>
-          </a:prstGeom>
-          <a:noFill/>
-          <a:ln>
-            <a:noFill/>
-          </a:ln>
-        </p:spPr>
-        <p:style>
-          <a:lnRef idx="0"/>
-          <a:fillRef idx="0"/>
-          <a:effectRef idx="0"/>
-          <a:fontRef idx="minor"/>
-        </p:style>
-        <p:txBody>
-          <a:bodyPr lIns="90000" rIns="90000" tIns="91440" bIns="91440"/>
-          <a:p>
-            <a:pPr>
-              <a:lnSpc>
-                <a:spcPct val="100000"/>
-              </a:lnSpc>
-            </a:pPr>
-            <a:endParaRPr b="0" lang="es-ES" sz="1800" spc="-1" strike="noStrike">
-              <a:solidFill>
-                <a:srgbClr val="000000"/>
-              </a:solidFill>
-              <a:uFill>
-                <a:solidFill>
-                  <a:srgbClr val="ffffff"/>
-                </a:solidFill>
-              </a:uFill>
-              <a:latin typeface="Arial"/>
-            </a:endParaRPr>
-          </a:p>
-          <a:p>
-            <a:pPr marL="432000" indent="-321120">
-              <a:lnSpc>
-                <a:spcPct val="100000"/>
-              </a:lnSpc>
-              <a:buClr>
-                <a:srgbClr val="000000"/>
-              </a:buClr>
-              <a:buSzPct val="45000"/>
-              <a:buFont typeface="Wingdings" charset="2"/>
-              <a:buChar char=""/>
-            </a:pPr>
-            <a:r>
-              <a:rPr b="0" lang="es-ES" sz="1400" spc="-1" strike="noStrike">
-                <a:solidFill>
-                  <a:srgbClr val="303030"/>
-                </a:solidFill>
-                <a:uFill>
-                  <a:solidFill>
-                    <a:srgbClr val="ffffff"/>
-                  </a:solidFill>
-                </a:uFill>
-                <a:latin typeface="Arial"/>
-                <a:ea typeface="Arial"/>
-              </a:rPr>
-              <a:t>Simple to use and share, such as bit.ly...</a:t>
-            </a:r>
-            <a:endParaRPr b="0" lang="es-ES" sz="1800" spc="-1" strike="noStrike">
-              <a:solidFill>
-                <a:srgbClr val="000000"/>
-              </a:solidFill>
-              <a:uFill>
-                <a:solidFill>
-                  <a:srgbClr val="ffffff"/>
-                </a:solidFill>
-              </a:uFill>
-              <a:latin typeface="Arial"/>
-            </a:endParaRPr>
-          </a:p>
-          <a:p>
-            <a:pPr marL="432000" indent="-321120">
-              <a:lnSpc>
-                <a:spcPct val="100000"/>
-              </a:lnSpc>
-              <a:buClr>
-                <a:srgbClr val="000000"/>
-              </a:buClr>
-              <a:buSzPct val="45000"/>
-              <a:buFont typeface="Wingdings" charset="2"/>
-              <a:buChar char=""/>
-            </a:pPr>
-            <a:r>
-              <a:rPr b="0" lang="es-ES" sz="1400" spc="-1" strike="noStrike">
-                <a:solidFill>
-                  <a:srgbClr val="303030"/>
-                </a:solidFill>
-                <a:uFill>
-                  <a:solidFill>
-                    <a:srgbClr val="ffffff"/>
-                  </a:solidFill>
-                </a:uFill>
-                <a:latin typeface="Arial"/>
-                <a:ea typeface="Arial"/>
-              </a:rPr>
-              <a:t>Not dependant on the uuid</a:t>
-            </a:r>
-            <a:endParaRPr b="0" lang="es-ES" sz="1800" spc="-1" strike="noStrike">
-              <a:solidFill>
-                <a:srgbClr val="000000"/>
-              </a:solidFill>
-              <a:uFill>
-                <a:solidFill>
-                  <a:srgbClr val="ffffff"/>
-                </a:solidFill>
-              </a:uFill>
-              <a:latin typeface="Arial"/>
-            </a:endParaRPr>
-          </a:p>
-          <a:p>
-            <a:pPr marL="432000" indent="-321120">
-              <a:lnSpc>
-                <a:spcPct val="100000"/>
-              </a:lnSpc>
-              <a:buClr>
-                <a:srgbClr val="000000"/>
-              </a:buClr>
-              <a:buSzPct val="45000"/>
-              <a:buFont typeface="Wingdings" charset="2"/>
-              <a:buChar char=""/>
-            </a:pPr>
-            <a:r>
-              <a:rPr b="0" lang="es-ES" sz="1400" spc="-1" strike="noStrike">
-                <a:solidFill>
-                  <a:srgbClr val="303030"/>
-                </a:solidFill>
-                <a:uFill>
-                  <a:solidFill>
-                    <a:srgbClr val="ffffff"/>
-                  </a:solidFill>
-                </a:uFill>
-                <a:latin typeface="Arial"/>
-                <a:ea typeface="Arial"/>
-              </a:rPr>
-              <a:t>It needs a frontend (i.e. Apache) for rewriting URLs</a:t>
-            </a:r>
-            <a:endParaRPr b="0" lang="es-ES" sz="1800" spc="-1" strike="noStrike">
-              <a:solidFill>
-                <a:srgbClr val="000000"/>
-              </a:solidFill>
-              <a:uFill>
-                <a:solidFill>
-                  <a:srgbClr val="ffffff"/>
-                </a:solidFill>
-              </a:uFill>
-              <a:latin typeface="Arial"/>
-            </a:endParaRPr>
-          </a:p>
-          <a:p>
-            <a:pPr marL="457200" indent="-314280">
-              <a:lnSpc>
-                <a:spcPct val="100000"/>
-              </a:lnSpc>
-            </a:pPr>
-            <a:endParaRPr b="0" lang="es-ES" sz="1800" spc="-1" strike="noStrike">
-              <a:solidFill>
-                <a:srgbClr val="000000"/>
-              </a:solidFill>
-              <a:uFill>
-                <a:solidFill>
-                  <a:srgbClr val="ffffff"/>
-                </a:solidFill>
-              </a:uFill>
-              <a:latin typeface="Arial"/>
-            </a:endParaRPr>
-          </a:p>
-          <a:p>
-            <a:pPr marL="457200" indent="-314280">
-              <a:lnSpc>
-                <a:spcPct val="100000"/>
-              </a:lnSpc>
-            </a:pPr>
-            <a:endParaRPr b="0" lang="es-ES" sz="1800" spc="-1" strike="noStrike">
-              <a:solidFill>
-                <a:srgbClr val="000000"/>
-              </a:solidFill>
-              <a:uFill>
-                <a:solidFill>
-                  <a:srgbClr val="ffffff"/>
-                </a:solidFill>
-              </a:uFill>
-              <a:latin typeface="Arial"/>
-            </a:endParaRPr>
-          </a:p>
-        </p:txBody>
-      </p:sp>
-      <p:pic>
-        <p:nvPicPr>
-          <p:cNvPr id="154" name="" descr=""/>
-          <p:cNvPicPr/>
-          <p:nvPr/>
-        </p:nvPicPr>
-        <p:blipFill>
-          <a:blip r:embed="rId2"/>
-          <a:stretch/>
-        </p:blipFill>
-        <p:spPr>
-          <a:xfrm>
-            <a:off x="2160000" y="2132640"/>
-            <a:ext cx="5325120" cy="2112480"/>
-          </a:xfrm>
-          <a:prstGeom prst="rect">
-            <a:avLst/>
-          </a:prstGeom>
-          <a:ln>
-            <a:noFill/>
-          </a:ln>
-        </p:spPr>
-      </p:pic>
     </p:spTree>
   </p:cSld>
   <p:timing>
@@ -7637,7 +7998,7 @@
         <p:spPr>
           <a:xfrm>
             <a:off x="311760" y="444960"/>
-            <a:ext cx="8518320" cy="570600"/>
+            <a:ext cx="8516880" cy="569160"/>
           </a:xfrm>
           <a:prstGeom prst="rect">
             <a:avLst/>
@@ -7669,7 +8030,7 @@
                 <a:latin typeface="Arial"/>
                 <a:ea typeface="DejaVu Sans"/>
               </a:rPr>
-              <a:t>Conclusion</a:t>
+              <a:t>Custom Search Dashlet</a:t>
             </a:r>
             <a:endParaRPr b="0" lang="es-ES" sz="1800" spc="-1" strike="noStrike">
               <a:solidFill>
@@ -7693,8 +8054,8 @@
         </p:nvSpPr>
         <p:spPr>
           <a:xfrm>
-            <a:off x="311760" y="1152360"/>
-            <a:ext cx="8518320" cy="3414240"/>
+            <a:off x="311760" y="720360"/>
+            <a:ext cx="5013000" cy="3412800"/>
           </a:xfrm>
           <a:prstGeom prst="rect">
             <a:avLst/>
@@ -7731,7 +8092,7 @@
             </a:endParaRPr>
           </a:p>
           <a:p>
-            <a:pPr marL="432000" indent="-322200">
+            <a:pPr marL="432000" indent="-320760">
               <a:lnSpc>
                 <a:spcPct val="100000"/>
               </a:lnSpc>
@@ -7755,7 +8116,7 @@
                 <a:latin typeface="Arial"/>
                 <a:ea typeface="Arial"/>
               </a:rPr>
-              <a:t>Alfresco customizations are fun, even more fun if open-source</a:t>
+              <a:t>Search dashlet with many filters</a:t>
             </a:r>
             <a:endParaRPr b="0" lang="es-ES" sz="1800" spc="-1" strike="noStrike">
               <a:solidFill>
@@ -7770,7 +8131,7 @@
             </a:endParaRPr>
           </a:p>
           <a:p>
-            <a:pPr marL="432000" indent="-322200">
+            <a:pPr marL="432000" indent="-320760">
               <a:lnSpc>
                 <a:spcPct val="100000"/>
               </a:lnSpc>
@@ -7794,7 +8155,7 @@
                 <a:latin typeface="Arial"/>
                 <a:ea typeface="Arial"/>
               </a:rPr>
-              <a:t>You can improve and extend Alfresco capabilities with simple extensions</a:t>
+              <a:t>Custom Types, multiple tags and categories…</a:t>
             </a:r>
             <a:endParaRPr b="0" lang="es-ES" sz="1800" spc="-1" strike="noStrike">
               <a:solidFill>
@@ -7809,7 +8170,7 @@
             </a:endParaRPr>
           </a:p>
           <a:p>
-            <a:pPr marL="432000" indent="-322200">
+            <a:pPr marL="432000" indent="-320760">
               <a:lnSpc>
                 <a:spcPct val="100000"/>
               </a:lnSpc>
@@ -7833,7 +8194,7 @@
                 <a:latin typeface="Arial"/>
                 <a:ea typeface="Arial"/>
               </a:rPr>
-              <a:t>You can use them as Javascript API training pills </a:t>
+              <a:t>Use PATH queries in combination with smart folder templates for complex queries</a:t>
             </a:r>
             <a:endParaRPr b="0" lang="es-ES" sz="1800" spc="-1" strike="noStrike">
               <a:solidFill>
@@ -7848,46 +8209,7 @@
             </a:endParaRPr>
           </a:p>
           <a:p>
-            <a:pPr marL="432000" indent="-322200">
-              <a:lnSpc>
-                <a:spcPct val="100000"/>
-              </a:lnSpc>
-              <a:buClr>
-                <a:srgbClr val="000000"/>
-              </a:buClr>
-              <a:buSzPct val="45000"/>
-              <a:buFont typeface="Wingdings" charset="2"/>
-              <a:buChar char=""/>
-            </a:pPr>
-            <a:r>
-              <a:rPr b="0" lang="es-ES" sz="1400" spc="-1" strike="noStrike">
-                <a:solidFill>
-                  <a:srgbClr val="303030"/>
-                </a:solidFill>
-                <a:uFill>
-                  <a:solidFill>
-                    <a:srgbClr val="ffffff"/>
-                  </a:solidFill>
-                </a:uFill>
-                <a:latin typeface="Arial"/>
-                <a:ea typeface="Arial"/>
-              </a:rPr>
-              <a:t>Please fork, share and use them in your Alfresco installations </a:t>
-            </a:r>
-            <a:endParaRPr b="0" lang="es-ES" sz="1800" spc="-1" strike="noStrike">
-              <a:solidFill>
-                <a:srgbClr val="000000"/>
-              </a:solidFill>
-              <a:uFill>
-                <a:solidFill>
-                  <a:srgbClr val="ffffff"/>
-                </a:solidFill>
-              </a:uFill>
-              <a:latin typeface="Arial"/>
-            </a:endParaRPr>
-          </a:p>
-          <a:p>
-            <a:pPr marL="457200" indent="-315360">
+            <a:pPr marL="457200" indent="-313920">
               <a:lnSpc>
                 <a:spcPct val="100000"/>
               </a:lnSpc>
@@ -7905,7 +8227,7 @@
             </a:endParaRPr>
           </a:p>
           <a:p>
-            <a:pPr marL="457200" indent="-315360">
+            <a:pPr marL="457200" indent="-313920">
               <a:lnSpc>
                 <a:spcPct val="100000"/>
               </a:lnSpc>
@@ -7924,63 +8246,52 @@
           </a:p>
         </p:txBody>
       </p:sp>
-      <p:sp>
-        <p:nvSpPr>
-          <p:cNvPr id="157" name="CustomShape 3"/>
-          <p:cNvSpPr/>
+      <p:pic>
+        <p:nvPicPr>
+          <p:cNvPr id="157" name="" descr=""/>
+          <p:cNvPicPr/>
           <p:nvPr/>
-        </p:nvSpPr>
-        <p:spPr>
-          <a:xfrm>
-            <a:off x="2628000" y="3386160"/>
-            <a:ext cx="4354560" cy="318960"/>
-          </a:xfrm>
-          <a:prstGeom prst="rect">
-            <a:avLst/>
-          </a:prstGeom>
-          <a:noFill/>
+        </p:nvPicPr>
+        <p:blipFill>
+          <a:blip r:embed="rId2"/>
+          <a:stretch/>
+        </p:blipFill>
+        <p:spPr>
+          <a:xfrm>
+            <a:off x="792360" y="2232360"/>
+            <a:ext cx="4028760" cy="2447640"/>
+          </a:xfrm>
+          <a:prstGeom prst="rect">
+            <a:avLst/>
+          </a:prstGeom>
           <a:ln>
             <a:noFill/>
           </a:ln>
         </p:spPr>
-        <p:style>
-          <a:lnRef idx="0"/>
-          <a:fillRef idx="0"/>
-          <a:effectRef idx="0"/>
-          <a:fontRef idx="minor"/>
-        </p:style>
-        <p:txBody>
-          <a:bodyPr lIns="90000" rIns="90000" tIns="45000" bIns="45000"/>
-          <a:p>
-            <a:r>
-              <a:rPr b="0" lang="es-ES" sz="1600" spc="-1" strike="noStrike">
-                <a:solidFill>
-                  <a:srgbClr val="000000"/>
-                </a:solidFill>
-                <a:uFill>
-                  <a:solidFill>
-                    <a:srgbClr val="ffffff"/>
-                  </a:solidFill>
-                </a:uFill>
-                <a:latin typeface="Arial"/>
-                <a:ea typeface="DejaVu Sans"/>
-              </a:rPr>
-              <a:t>https://github.com/zylklab/beecon2017</a:t>
-            </a:r>
-            <a:endParaRPr b="0" lang="es-ES" sz="1800" spc="-1" strike="noStrike">
-              <a:solidFill>
-                <a:srgbClr val="000000"/>
-              </a:solidFill>
-              <a:uFill>
-                <a:solidFill>
-                  <a:srgbClr val="ffffff"/>
-                </a:solidFill>
-              </a:uFill>
-              <a:latin typeface="Arial"/>
-            </a:endParaRPr>
-          </a:p>
-        </p:txBody>
-      </p:sp>
+      </p:pic>
+      <p:pic>
+        <p:nvPicPr>
+          <p:cNvPr id="158" name="" descr=""/>
+          <p:cNvPicPr/>
+          <p:nvPr/>
+        </p:nvPicPr>
+        <p:blipFill>
+          <a:blip r:embed="rId3"/>
+          <a:stretch/>
+        </p:blipFill>
+        <p:spPr>
+          <a:xfrm>
+            <a:off x="5256000" y="1154520"/>
+            <a:ext cx="3560760" cy="3486600"/>
+          </a:xfrm>
+          <a:prstGeom prst="rect">
+            <a:avLst/>
+          </a:prstGeom>
+          <a:ln>
+            <a:noFill/>
+          </a:ln>
+        </p:spPr>
+      </p:pic>
     </p:spTree>
   </p:cSld>
   <p:timing>
@@ -8042,14 +8353,14 @@
       </p:grpSpPr>
       <p:sp>
         <p:nvSpPr>
-          <p:cNvPr id="158" name="CustomShape 1"/>
+          <p:cNvPr id="159" name="CustomShape 1"/>
           <p:cNvSpPr/>
           <p:nvPr/>
         </p:nvSpPr>
         <p:spPr>
           <a:xfrm>
-            <a:off x="311760" y="-155520"/>
-            <a:ext cx="8517240" cy="2049480"/>
+            <a:off x="311760" y="444960"/>
+            <a:ext cx="8516880" cy="569160"/>
           </a:xfrm>
           <a:prstGeom prst="rect">
             <a:avLst/>
@@ -8066,17 +8377,98 @@
           <a:fontRef idx="minor"/>
         </p:style>
         <p:txBody>
-          <a:bodyPr lIns="90000" rIns="90000" tIns="91440" bIns="91440" anchor="b"/>
-          <a:p>
-            <a:pPr algn="ctr">
+          <a:bodyPr lIns="90000" rIns="90000" tIns="91440" bIns="91440"/>
+          <a:p>
+            <a:r>
+              <a:rPr b="1" lang="es-ES" sz="2800" spc="-1" strike="noStrike">
+                <a:solidFill>
+                  <a:srgbClr val="000000"/>
+                </a:solidFill>
+                <a:uFill>
+                  <a:solidFill>
+                    <a:srgbClr val="ffffff"/>
+                  </a:solidFill>
+                </a:uFill>
+                <a:latin typeface="Arial"/>
+                <a:ea typeface="DejaVu Sans"/>
+              </a:rPr>
+              <a:t>Custom Search Dashlet</a:t>
+            </a:r>
+            <a:endParaRPr b="0" lang="es-ES" sz="1800" spc="-1" strike="noStrike">
+              <a:solidFill>
+                <a:srgbClr val="000000"/>
+              </a:solidFill>
+              <a:uFill>
+                <a:solidFill>
+                  <a:srgbClr val="ffffff"/>
+                </a:solidFill>
+              </a:uFill>
+              <a:latin typeface="Arial"/>
+            </a:endParaRPr>
+          </a:p>
+        </p:txBody>
+      </p:sp>
+      <p:sp>
+        <p:nvSpPr>
+          <p:cNvPr id="160" name="CustomShape 2"/>
+          <p:cNvSpPr/>
+          <p:nvPr/>
+        </p:nvSpPr>
+        <p:spPr>
+          <a:xfrm>
+            <a:off x="311760" y="720360"/>
+            <a:ext cx="5013000" cy="3412800"/>
+          </a:xfrm>
+          <a:prstGeom prst="rect">
+            <a:avLst/>
+          </a:prstGeom>
+          <a:noFill/>
+          <a:ln>
+            <a:noFill/>
+          </a:ln>
+        </p:spPr>
+        <p:style>
+          <a:lnRef idx="0"/>
+          <a:fillRef idx="0"/>
+          <a:effectRef idx="0"/>
+          <a:fontRef idx="minor"/>
+        </p:style>
+        <p:txBody>
+          <a:bodyPr lIns="90000" rIns="90000" tIns="91440" bIns="91440"/>
+          <a:p>
+            <a:pPr>
               <a:lnSpc>
                 <a:spcPct val="100000"/>
               </a:lnSpc>
             </a:pPr>
+            <a:endParaRPr b="0" lang="es-ES" sz="1800" spc="-1" strike="noStrike">
+              <a:solidFill>
+                <a:srgbClr val="000000"/>
+              </a:solidFill>
+              <a:uFill>
+                <a:solidFill>
+                  <a:srgbClr val="ffffff"/>
+                </a:solidFill>
+              </a:uFill>
+              <a:latin typeface="Arial"/>
+            </a:endParaRPr>
+          </a:p>
+          <a:p>
+            <a:pPr marL="432000" indent="-320760">
+              <a:lnSpc>
+                <a:spcPct val="100000"/>
+              </a:lnSpc>
+              <a:buClr>
+                <a:srgbClr val="000000"/>
+              </a:buClr>
+              <a:buSzPct val="45000"/>
+              <a:buFont typeface="Wingdings" charset="2"/>
+              <a:buChar char=""/>
+            </a:pPr>
             <a:r>
-              <a:rPr b="0" lang="es-ES" sz="3600" spc="-1" strike="noStrike">
-                <a:solidFill>
-                  <a:srgbClr val="ffffff"/>
+              <a:rPr b="0" lang="es-ES" sz="1400" spc="-1" strike="noStrike">
+                <a:solidFill>
+                  <a:srgbClr val="303030"/>
                 </a:solidFill>
                 <a:uFill>
                   <a:solidFill>
@@ -8086,59 +8478,36 @@
                 <a:latin typeface="Arial"/>
                 <a:ea typeface="Arial"/>
               </a:rPr>
-              <a:t>Thank you for your attention!</a:t>
+              <a:t>Search dashlet with many filters</a:t>
             </a:r>
             <a:endParaRPr b="0" lang="es-ES" sz="1800" spc="-1" strike="noStrike">
               <a:solidFill>
-                <a:srgbClr val="ffffff"/>
-              </a:solidFill>
-              <a:uFill>
-                <a:solidFill>
-                  <a:srgbClr val="ffffff"/>
-                </a:solidFill>
-              </a:uFill>
-              <a:latin typeface="Arial"/>
-            </a:endParaRPr>
-          </a:p>
-        </p:txBody>
-      </p:sp>
-      <p:sp>
-        <p:nvSpPr>
-          <p:cNvPr id="159" name="CustomShape 2"/>
-          <p:cNvSpPr/>
-          <p:nvPr/>
-        </p:nvSpPr>
-        <p:spPr>
-          <a:xfrm>
-            <a:off x="275760" y="2402280"/>
-            <a:ext cx="8517240" cy="1315800"/>
-          </a:xfrm>
-          <a:prstGeom prst="rect">
-            <a:avLst/>
-          </a:prstGeom>
-          <a:noFill/>
-          <a:ln>
-            <a:noFill/>
-          </a:ln>
-        </p:spPr>
-        <p:style>
-          <a:lnRef idx="0"/>
-          <a:fillRef idx="0"/>
-          <a:effectRef idx="0"/>
-          <a:fontRef idx="minor"/>
-        </p:style>
-        <p:txBody>
-          <a:bodyPr lIns="90000" rIns="90000" tIns="91440" bIns="91440"/>
-          <a:p>
-            <a:pPr algn="ctr">
+                <a:srgbClr val="000000"/>
+              </a:solidFill>
+              <a:uFill>
+                <a:solidFill>
+                  <a:srgbClr val="ffffff"/>
+                </a:solidFill>
+              </a:uFill>
+              <a:latin typeface="Arial"/>
+            </a:endParaRPr>
+          </a:p>
+          <a:p>
+            <a:pPr marL="432000" indent="-320760">
               <a:lnSpc>
                 <a:spcPct val="100000"/>
               </a:lnSpc>
+              <a:buClr>
+                <a:srgbClr val="000000"/>
+              </a:buClr>
+              <a:buSzPct val="45000"/>
+              <a:buFont typeface="Wingdings" charset="2"/>
+              <a:buChar char=""/>
             </a:pPr>
             <a:r>
-              <a:rPr b="1" lang="es-ES" sz="2400" spc="-1" strike="noStrike">
-                <a:solidFill>
-                  <a:srgbClr val="adadad"/>
+              <a:rPr b="0" lang="es-ES" sz="1400" spc="-1" strike="noStrike">
+                <a:solidFill>
+                  <a:srgbClr val="303030"/>
                 </a:solidFill>
                 <a:uFill>
                   <a:solidFill>
@@ -8148,48 +8517,36 @@
                 <a:latin typeface="Arial"/>
                 <a:ea typeface="Arial"/>
               </a:rPr>
-              <a:t>César Capillas  &lt;cesar at zylk.net&gt;</a:t>
+              <a:t>Custom Types, multiple tags and categories…</a:t>
             </a:r>
             <a:endParaRPr b="0" lang="es-ES" sz="1800" spc="-1" strike="noStrike">
               <a:solidFill>
-                <a:srgbClr val="ffffff"/>
-              </a:solidFill>
-              <a:uFill>
-                <a:solidFill>
-                  <a:srgbClr val="ffffff"/>
-                </a:solidFill>
-              </a:uFill>
-              <a:latin typeface="Arial"/>
-            </a:endParaRPr>
-          </a:p>
-          <a:p>
-            <a:pPr algn="ctr">
+                <a:srgbClr val="000000"/>
+              </a:solidFill>
+              <a:uFill>
+                <a:solidFill>
+                  <a:srgbClr val="ffffff"/>
+                </a:solidFill>
+              </a:uFill>
+              <a:latin typeface="Arial"/>
+            </a:endParaRPr>
+          </a:p>
+          <a:p>
+            <a:pPr marL="432000" indent="-320760">
               <a:lnSpc>
                 <a:spcPct val="100000"/>
               </a:lnSpc>
-            </a:pPr>
-            <a:endParaRPr b="0" lang="es-ES" sz="1800" spc="-1" strike="noStrike">
-              <a:solidFill>
-                <a:srgbClr val="ffffff"/>
-              </a:solidFill>
-              <a:uFill>
-                <a:solidFill>
-                  <a:srgbClr val="ffffff"/>
-                </a:solidFill>
-              </a:uFill>
-              <a:latin typeface="Arial"/>
-            </a:endParaRPr>
-          </a:p>
-          <a:p>
-            <a:pPr algn="ctr">
-              <a:lnSpc>
-                <a:spcPct val="100000"/>
-              </a:lnSpc>
+              <a:buClr>
+                <a:srgbClr val="000000"/>
+              </a:buClr>
+              <a:buSzPct val="45000"/>
+              <a:buFont typeface="Wingdings" charset="2"/>
+              <a:buChar char=""/>
             </a:pPr>
             <a:r>
-              <a:rPr b="1" lang="es-ES" sz="2400" spc="-1" strike="noStrike">
-                <a:solidFill>
-                  <a:srgbClr val="adadad"/>
+              <a:rPr b="0" lang="es-ES" sz="1400" spc="-1" strike="noStrike">
+                <a:solidFill>
+                  <a:srgbClr val="303030"/>
                 </a:solidFill>
                 <a:uFill>
                   <a:solidFill>
@@ -8199,97 +8556,104 @@
                 <a:latin typeface="Arial"/>
                 <a:ea typeface="Arial"/>
               </a:rPr>
-              <a:t>@zylknet  </a:t>
+              <a:t>Use PATH queries in combination with smart folder templates for complex queries</a:t>
             </a:r>
             <a:endParaRPr b="0" lang="es-ES" sz="1800" spc="-1" strike="noStrike">
               <a:solidFill>
-                <a:srgbClr val="ffffff"/>
-              </a:solidFill>
-              <a:uFill>
-                <a:solidFill>
-                  <a:srgbClr val="ffffff"/>
-                </a:solidFill>
-              </a:uFill>
-              <a:latin typeface="Arial"/>
-            </a:endParaRPr>
-          </a:p>
-          <a:p>
-            <a:pPr algn="ctr">
+                <a:srgbClr val="000000"/>
+              </a:solidFill>
+              <a:uFill>
+                <a:solidFill>
+                  <a:srgbClr val="ffffff"/>
+                </a:solidFill>
+              </a:uFill>
+              <a:latin typeface="Arial"/>
+            </a:endParaRPr>
+          </a:p>
+          <a:p>
+            <a:pPr marL="457200" indent="-313920">
               <a:lnSpc>
                 <a:spcPct val="100000"/>
               </a:lnSpc>
             </a:pPr>
             <a:endParaRPr b="0" lang="es-ES" sz="1800" spc="-1" strike="noStrike">
               <a:solidFill>
-                <a:srgbClr val="ffffff"/>
-              </a:solidFill>
-              <a:uFill>
-                <a:solidFill>
-                  <a:srgbClr val="ffffff"/>
-                </a:solidFill>
-              </a:uFill>
-              <a:latin typeface="Arial"/>
-            </a:endParaRPr>
-          </a:p>
-        </p:txBody>
-      </p:sp>
-      <p:sp>
-        <p:nvSpPr>
-          <p:cNvPr id="160" name="CustomShape 3"/>
-          <p:cNvSpPr/>
+                <a:srgbClr val="000000"/>
+              </a:solidFill>
+              <a:uFill>
+                <a:solidFill>
+                  <a:srgbClr val="ffffff"/>
+                </a:solidFill>
+              </a:uFill>
+              <a:latin typeface="Arial"/>
+            </a:endParaRPr>
+          </a:p>
+          <a:p>
+            <a:pPr marL="457200" indent="-313920">
+              <a:lnSpc>
+                <a:spcPct val="100000"/>
+              </a:lnSpc>
+            </a:pPr>
+            <a:endParaRPr b="0" lang="es-ES" sz="1800" spc="-1" strike="noStrike">
+              <a:solidFill>
+                <a:srgbClr val="000000"/>
+              </a:solidFill>
+              <a:uFill>
+                <a:solidFill>
+                  <a:srgbClr val="ffffff"/>
+                </a:solidFill>
+              </a:uFill>
+              <a:latin typeface="Arial"/>
+            </a:endParaRPr>
+          </a:p>
+        </p:txBody>
+      </p:sp>
+      <p:pic>
+        <p:nvPicPr>
+          <p:cNvPr id="161" name="" descr=""/>
+          <p:cNvPicPr/>
           <p:nvPr/>
-        </p:nvSpPr>
-        <p:spPr>
-          <a:xfrm>
-            <a:off x="2956320" y="4396680"/>
-            <a:ext cx="4349160" cy="618120"/>
-          </a:xfrm>
-          <a:prstGeom prst="rect">
-            <a:avLst/>
-          </a:prstGeom>
-          <a:noFill/>
+        </p:nvPicPr>
+        <p:blipFill>
+          <a:blip r:embed="rId2"/>
+          <a:stretch/>
+        </p:blipFill>
+        <p:spPr>
+          <a:xfrm>
+            <a:off x="792360" y="2232360"/>
+            <a:ext cx="4028760" cy="2447640"/>
+          </a:xfrm>
+          <a:prstGeom prst="rect">
+            <a:avLst/>
+          </a:prstGeom>
           <a:ln>
             <a:noFill/>
           </a:ln>
         </p:spPr>
-        <p:style>
-          <a:lnRef idx="0"/>
-          <a:fillRef idx="0"/>
-          <a:effectRef idx="0"/>
-          <a:fontRef idx="minor"/>
-        </p:style>
-        <p:txBody>
-          <a:bodyPr lIns="90000" rIns="90000" tIns="45000" bIns="45000"/>
-          <a:p>
-            <a:r>
-              <a:rPr b="0" lang="es-ES" sz="1800" spc="-1" strike="noStrike">
-                <a:solidFill>
-                  <a:srgbClr val="ffffff"/>
-                </a:solidFill>
-                <a:uFill>
-                  <a:solidFill>
-                    <a:srgbClr val="ffffff"/>
-                  </a:solidFill>
-                </a:uFill>
-                <a:latin typeface="Arial"/>
-                <a:ea typeface="DejaVu Sans"/>
-              </a:rPr>
-              <a:t>http://www.github.com/zylklab</a:t>
-            </a:r>
-            <a:endParaRPr b="0" lang="es-ES" sz="1800" spc="-1" strike="noStrike">
-              <a:solidFill>
-                <a:srgbClr val="ffffff"/>
-              </a:solidFill>
-              <a:uFill>
-                <a:solidFill>
-                  <a:srgbClr val="ffffff"/>
-                </a:solidFill>
-              </a:uFill>
-              <a:latin typeface="Arial"/>
-            </a:endParaRPr>
-          </a:p>
-        </p:txBody>
-      </p:sp>
+      </p:pic>
+      <p:pic>
+        <p:nvPicPr>
+          <p:cNvPr id="162" name="" descr=""/>
+          <p:cNvPicPr/>
+          <p:nvPr/>
+        </p:nvPicPr>
+        <p:blipFill>
+          <a:blip r:embed="rId3"/>
+          <a:stretch/>
+        </p:blipFill>
+        <p:spPr>
+          <a:xfrm>
+            <a:off x="5256000" y="1154520"/>
+            <a:ext cx="3560760" cy="3486600"/>
+          </a:xfrm>
+          <a:prstGeom prst="rect">
+            <a:avLst/>
+          </a:prstGeom>
+          <a:ln>
+            <a:noFill/>
+          </a:ln>
+        </p:spPr>
+      </p:pic>
     </p:spTree>
   </p:cSld>
   <p:timing>
@@ -8299,6 +8663,585 @@
           <p:childTnLst>
             <p:seq>
               <p:cTn id="34" nodeType="mainSeq"/>
+              <p:prevCondLst>
+                <p:cond delay="0" evt="onPrev">
+                  <p:tgtEl>
+                    <p:sldTgt/>
+                  </p:tgtEl>
+                </p:cond>
+              </p:prevCondLst>
+              <p:nextCondLst>
+                <p:cond delay="0" evt="onNext">
+                  <p:tgtEl>
+                    <p:sldTgt/>
+                  </p:tgtEl>
+                </p:cond>
+              </p:nextCondLst>
+            </p:seq>
+          </p:childTnLst>
+        </p:cTn>
+      </p:par>
+    </p:tnLst>
+  </p:timing>
+</p:sld>
+</file>
+
+<file path=ppt/slides/slide18.xml><?xml version="1.0" encoding="utf-8"?>
+<p:sld xmlns:a="http://schemas.openxmlformats.org/drawingml/2006/main" xmlns:p="http://schemas.openxmlformats.org/presentationml/2006/main" xmlns:r="http://schemas.openxmlformats.org/officeDocument/2006/relationships" xmlns:p14="http://schemas.microsoft.com/office/powerpoint/2010/main" xmlns:p15="http://schemas.microsoft.com/office/powerpoint/2012/main" xmlns:mc="http://schemas.openxmlformats.org/markup-compatibility/2006">
+  <p:cSld>
+    <p:bg>
+      <p:bgPr>
+        <a:blipFill>
+          <a:blip r:embed="rId1"/>
+          <a:stretch>
+            <a:fillRect/>
+          </a:stretch>
+        </a:blipFill>
+      </p:bgPr>
+    </p:bg>
+    <p:spTree>
+      <p:nvGrpSpPr>
+        <p:cNvPr id="1" name=""/>
+        <p:cNvGrpSpPr/>
+        <p:nvPr/>
+      </p:nvGrpSpPr>
+      <p:grpSpPr>
+        <a:xfrm>
+          <a:off x="0" y="0"/>
+          <a:ext cx="0" cy="0"/>
+          <a:chOff x="0" y="0"/>
+          <a:chExt cx="0" cy="0"/>
+        </a:xfrm>
+      </p:grpSpPr>
+      <p:sp>
+        <p:nvSpPr>
+          <p:cNvPr id="163" name="CustomShape 1"/>
+          <p:cNvSpPr/>
+          <p:nvPr/>
+        </p:nvSpPr>
+        <p:spPr>
+          <a:xfrm>
+            <a:off x="311760" y="2186280"/>
+            <a:ext cx="8516880" cy="741600"/>
+          </a:xfrm>
+          <a:prstGeom prst="rect">
+            <a:avLst/>
+          </a:prstGeom>
+          <a:noFill/>
+          <a:ln>
+            <a:noFill/>
+          </a:ln>
+        </p:spPr>
+        <p:style>
+          <a:lnRef idx="0"/>
+          <a:fillRef idx="0"/>
+          <a:effectRef idx="0"/>
+          <a:fontRef idx="minor"/>
+        </p:style>
+        <p:txBody>
+          <a:bodyPr lIns="90000" rIns="90000" tIns="91440" bIns="91440" anchor="b"/>
+          <a:p>
+            <a:pPr algn="ctr">
+              <a:lnSpc>
+                <a:spcPct val="100000"/>
+              </a:lnSpc>
+            </a:pPr>
+            <a:r>
+              <a:rPr b="0" lang="es-ES" sz="3600" spc="-1" strike="noStrike">
+                <a:solidFill>
+                  <a:srgbClr val="303030"/>
+                </a:solidFill>
+                <a:uFill>
+                  <a:solidFill>
+                    <a:srgbClr val="ffffff"/>
+                  </a:solidFill>
+                </a:uFill>
+                <a:latin typeface="Arial"/>
+                <a:ea typeface="Arial"/>
+              </a:rPr>
+              <a:t>Alfresco URL Shortener</a:t>
+            </a:r>
+            <a:endParaRPr b="0" lang="es-ES" sz="1800" spc="-1" strike="noStrike">
+              <a:solidFill>
+                <a:srgbClr val="000000"/>
+              </a:solidFill>
+              <a:uFill>
+                <a:solidFill>
+                  <a:srgbClr val="ffffff"/>
+                </a:solidFill>
+              </a:uFill>
+              <a:latin typeface="Arial"/>
+            </a:endParaRPr>
+          </a:p>
+        </p:txBody>
+      </p:sp>
+      <p:sp>
+        <p:nvSpPr>
+          <p:cNvPr id="164" name="CustomShape 2"/>
+          <p:cNvSpPr/>
+          <p:nvPr/>
+        </p:nvSpPr>
+        <p:spPr>
+          <a:xfrm>
+            <a:off x="311760" y="3471120"/>
+            <a:ext cx="8516880" cy="1315440"/>
+          </a:xfrm>
+          <a:prstGeom prst="rect">
+            <a:avLst/>
+          </a:prstGeom>
+          <a:noFill/>
+          <a:ln>
+            <a:noFill/>
+          </a:ln>
+        </p:spPr>
+        <p:style>
+          <a:lnRef idx="0"/>
+          <a:fillRef idx="0"/>
+          <a:effectRef idx="0"/>
+          <a:fontRef idx="minor"/>
+        </p:style>
+        <p:txBody>
+          <a:bodyPr lIns="90000" rIns="90000" tIns="91440" bIns="91440"/>
+          <a:p>
+            <a:pPr algn="ctr">
+              <a:lnSpc>
+                <a:spcPct val="100000"/>
+              </a:lnSpc>
+            </a:pPr>
+            <a:r>
+              <a:rPr b="0" lang="es-ES" sz="2800" spc="-1" strike="noStrike">
+                <a:solidFill>
+                  <a:srgbClr val="adadad"/>
+                </a:solidFill>
+                <a:uFill>
+                  <a:solidFill>
+                    <a:srgbClr val="ffffff"/>
+                  </a:solidFill>
+                </a:uFill>
+                <a:latin typeface="Arial"/>
+                <a:ea typeface="Arial"/>
+              </a:rPr>
+              <a:t>How to use short URLs in Alfresco Share ?</a:t>
+            </a:r>
+            <a:endParaRPr b="0" lang="es-ES" sz="1800" spc="-1" strike="noStrike">
+              <a:solidFill>
+                <a:srgbClr val="000000"/>
+              </a:solidFill>
+              <a:uFill>
+                <a:solidFill>
+                  <a:srgbClr val="ffffff"/>
+                </a:solidFill>
+              </a:uFill>
+              <a:latin typeface="Arial"/>
+            </a:endParaRPr>
+          </a:p>
+        </p:txBody>
+      </p:sp>
+      <p:sp>
+        <p:nvSpPr>
+          <p:cNvPr id="165" name="CustomShape 3"/>
+          <p:cNvSpPr/>
+          <p:nvPr/>
+        </p:nvSpPr>
+        <p:spPr>
+          <a:xfrm>
+            <a:off x="5832000" y="4646160"/>
+            <a:ext cx="3164760" cy="318600"/>
+          </a:xfrm>
+          <a:prstGeom prst="rect">
+            <a:avLst/>
+          </a:prstGeom>
+          <a:noFill/>
+          <a:ln>
+            <a:noFill/>
+          </a:ln>
+        </p:spPr>
+        <p:style>
+          <a:lnRef idx="0"/>
+          <a:fillRef idx="0"/>
+          <a:effectRef idx="0"/>
+          <a:fontRef idx="minor"/>
+        </p:style>
+        <p:txBody>
+          <a:bodyPr lIns="90000" rIns="90000" tIns="45000" bIns="45000"/>
+          <a:p>
+            <a:r>
+              <a:rPr b="0" lang="es-ES" sz="1200" spc="-1" strike="noStrike">
+                <a:solidFill>
+                  <a:srgbClr val="000000"/>
+                </a:solidFill>
+                <a:uFill>
+                  <a:solidFill>
+                    <a:srgbClr val="ffffff"/>
+                  </a:solidFill>
+                </a:uFill>
+                <a:latin typeface="Arial"/>
+                <a:ea typeface="DejaVu Sans"/>
+              </a:rPr>
+              <a:t>https://github.com/zylklab/zk-url-shortener</a:t>
+            </a:r>
+            <a:endParaRPr b="0" lang="es-ES" sz="1800" spc="-1" strike="noStrike">
+              <a:solidFill>
+                <a:srgbClr val="000000"/>
+              </a:solidFill>
+              <a:uFill>
+                <a:solidFill>
+                  <a:srgbClr val="ffffff"/>
+                </a:solidFill>
+              </a:uFill>
+              <a:latin typeface="Arial"/>
+            </a:endParaRPr>
+          </a:p>
+        </p:txBody>
+      </p:sp>
+    </p:spTree>
+  </p:cSld>
+  <p:timing>
+    <p:tnLst>
+      <p:par>
+        <p:cTn id="35" dur="indefinite" restart="never" nodeType="tmRoot">
+          <p:childTnLst>
+            <p:seq>
+              <p:cTn id="36" nodeType="mainSeq"/>
+              <p:prevCondLst>
+                <p:cond delay="0" evt="onPrev">
+                  <p:tgtEl>
+                    <p:sldTgt/>
+                  </p:tgtEl>
+                </p:cond>
+              </p:prevCondLst>
+              <p:nextCondLst>
+                <p:cond delay="0" evt="onNext">
+                  <p:tgtEl>
+                    <p:sldTgt/>
+                  </p:tgtEl>
+                </p:cond>
+              </p:nextCondLst>
+            </p:seq>
+          </p:childTnLst>
+        </p:cTn>
+      </p:par>
+    </p:tnLst>
+  </p:timing>
+</p:sld>
+</file>
+
+<file path=ppt/slides/slide19.xml><?xml version="1.0" encoding="utf-8"?>
+<p:sld xmlns:a="http://schemas.openxmlformats.org/drawingml/2006/main" xmlns:p="http://schemas.openxmlformats.org/presentationml/2006/main" xmlns:r="http://schemas.openxmlformats.org/officeDocument/2006/relationships" xmlns:p14="http://schemas.microsoft.com/office/powerpoint/2010/main" xmlns:p15="http://schemas.microsoft.com/office/powerpoint/2012/main" xmlns:mc="http://schemas.openxmlformats.org/markup-compatibility/2006">
+  <p:cSld>
+    <p:bg>
+      <p:bgPr>
+        <a:blipFill>
+          <a:blip r:embed="rId1"/>
+          <a:stretch>
+            <a:fillRect/>
+          </a:stretch>
+        </a:blipFill>
+      </p:bgPr>
+    </p:bg>
+    <p:spTree>
+      <p:nvGrpSpPr>
+        <p:cNvPr id="1" name=""/>
+        <p:cNvGrpSpPr/>
+        <p:nvPr/>
+      </p:nvGrpSpPr>
+      <p:grpSpPr>
+        <a:xfrm>
+          <a:off x="0" y="0"/>
+          <a:ext cx="0" cy="0"/>
+          <a:chOff x="0" y="0"/>
+          <a:chExt cx="0" cy="0"/>
+        </a:xfrm>
+      </p:grpSpPr>
+      <p:sp>
+        <p:nvSpPr>
+          <p:cNvPr id="166" name="CustomShape 1"/>
+          <p:cNvSpPr/>
+          <p:nvPr/>
+        </p:nvSpPr>
+        <p:spPr>
+          <a:xfrm>
+            <a:off x="311760" y="444960"/>
+            <a:ext cx="8516880" cy="569160"/>
+          </a:xfrm>
+          <a:prstGeom prst="rect">
+            <a:avLst/>
+          </a:prstGeom>
+          <a:noFill/>
+          <a:ln>
+            <a:noFill/>
+          </a:ln>
+        </p:spPr>
+        <p:style>
+          <a:lnRef idx="0"/>
+          <a:fillRef idx="0"/>
+          <a:effectRef idx="0"/>
+          <a:fontRef idx="minor"/>
+        </p:style>
+        <p:txBody>
+          <a:bodyPr lIns="90000" rIns="90000" tIns="91440" bIns="91440"/>
+          <a:p>
+            <a:r>
+              <a:rPr b="1" lang="es-ES" sz="2800" spc="-1" strike="noStrike">
+                <a:solidFill>
+                  <a:srgbClr val="000000"/>
+                </a:solidFill>
+                <a:uFill>
+                  <a:solidFill>
+                    <a:srgbClr val="ffffff"/>
+                  </a:solidFill>
+                </a:uFill>
+                <a:latin typeface="Arial"/>
+                <a:ea typeface="DejaVu Sans"/>
+              </a:rPr>
+              <a:t>Alfresco URL Shortener</a:t>
+            </a:r>
+            <a:endParaRPr b="0" lang="es-ES" sz="1800" spc="-1" strike="noStrike">
+              <a:solidFill>
+                <a:srgbClr val="000000"/>
+              </a:solidFill>
+              <a:uFill>
+                <a:solidFill>
+                  <a:srgbClr val="ffffff"/>
+                </a:solidFill>
+              </a:uFill>
+              <a:latin typeface="Arial"/>
+            </a:endParaRPr>
+          </a:p>
+        </p:txBody>
+      </p:sp>
+      <p:sp>
+        <p:nvSpPr>
+          <p:cNvPr id="167" name="CustomShape 2"/>
+          <p:cNvSpPr/>
+          <p:nvPr/>
+        </p:nvSpPr>
+        <p:spPr>
+          <a:xfrm>
+            <a:off x="311760" y="720360"/>
+            <a:ext cx="5013000" cy="3412800"/>
+          </a:xfrm>
+          <a:prstGeom prst="rect">
+            <a:avLst/>
+          </a:prstGeom>
+          <a:noFill/>
+          <a:ln>
+            <a:noFill/>
+          </a:ln>
+        </p:spPr>
+        <p:style>
+          <a:lnRef idx="0"/>
+          <a:fillRef idx="0"/>
+          <a:effectRef idx="0"/>
+          <a:fontRef idx="minor"/>
+        </p:style>
+        <p:txBody>
+          <a:bodyPr lIns="90000" rIns="90000" tIns="91440" bIns="91440"/>
+          <a:p>
+            <a:pPr>
+              <a:lnSpc>
+                <a:spcPct val="100000"/>
+              </a:lnSpc>
+            </a:pPr>
+            <a:endParaRPr b="0" lang="es-ES" sz="1800" spc="-1" strike="noStrike">
+              <a:solidFill>
+                <a:srgbClr val="000000"/>
+              </a:solidFill>
+              <a:uFill>
+                <a:solidFill>
+                  <a:srgbClr val="ffffff"/>
+                </a:solidFill>
+              </a:uFill>
+              <a:latin typeface="Arial"/>
+            </a:endParaRPr>
+          </a:p>
+          <a:p>
+            <a:pPr marL="432000" indent="-320760">
+              <a:lnSpc>
+                <a:spcPct val="100000"/>
+              </a:lnSpc>
+              <a:buClr>
+                <a:srgbClr val="000000"/>
+              </a:buClr>
+              <a:buSzPct val="45000"/>
+              <a:buFont typeface="Wingdings" charset="2"/>
+              <a:buChar char=""/>
+            </a:pPr>
+            <a:r>
+              <a:rPr b="0" lang="es-ES" sz="1400" spc="-1" strike="noStrike">
+                <a:solidFill>
+                  <a:srgbClr val="303030"/>
+                </a:solidFill>
+                <a:uFill>
+                  <a:solidFill>
+                    <a:srgbClr val="ffffff"/>
+                  </a:solidFill>
+                </a:uFill>
+                <a:latin typeface="Arial"/>
+                <a:ea typeface="Arial"/>
+              </a:rPr>
+              <a:t>Simple to use and share, such as bit.ly...</a:t>
+            </a:r>
+            <a:endParaRPr b="0" lang="es-ES" sz="1800" spc="-1" strike="noStrike">
+              <a:solidFill>
+                <a:srgbClr val="000000"/>
+              </a:solidFill>
+              <a:uFill>
+                <a:solidFill>
+                  <a:srgbClr val="ffffff"/>
+                </a:solidFill>
+              </a:uFill>
+              <a:latin typeface="Arial"/>
+            </a:endParaRPr>
+          </a:p>
+          <a:p>
+            <a:pPr marL="432000" indent="-320760">
+              <a:lnSpc>
+                <a:spcPct val="100000"/>
+              </a:lnSpc>
+              <a:buClr>
+                <a:srgbClr val="000000"/>
+              </a:buClr>
+              <a:buSzPct val="45000"/>
+              <a:buFont typeface="Wingdings" charset="2"/>
+              <a:buChar char=""/>
+            </a:pPr>
+            <a:r>
+              <a:rPr b="0" lang="es-ES" sz="1400" spc="-1" strike="noStrike">
+                <a:solidFill>
+                  <a:srgbClr val="303030"/>
+                </a:solidFill>
+                <a:uFill>
+                  <a:solidFill>
+                    <a:srgbClr val="ffffff"/>
+                  </a:solidFill>
+                </a:uFill>
+                <a:latin typeface="Arial"/>
+                <a:ea typeface="Arial"/>
+              </a:rPr>
+              <a:t>Not dependant on the uuid</a:t>
+            </a:r>
+            <a:endParaRPr b="0" lang="es-ES" sz="1800" spc="-1" strike="noStrike">
+              <a:solidFill>
+                <a:srgbClr val="000000"/>
+              </a:solidFill>
+              <a:uFill>
+                <a:solidFill>
+                  <a:srgbClr val="ffffff"/>
+                </a:solidFill>
+              </a:uFill>
+              <a:latin typeface="Arial"/>
+            </a:endParaRPr>
+          </a:p>
+          <a:p>
+            <a:pPr marL="432000" indent="-320760">
+              <a:lnSpc>
+                <a:spcPct val="100000"/>
+              </a:lnSpc>
+              <a:buClr>
+                <a:srgbClr val="000000"/>
+              </a:buClr>
+              <a:buSzPct val="45000"/>
+              <a:buFont typeface="Wingdings" charset="2"/>
+              <a:buChar char=""/>
+            </a:pPr>
+            <a:r>
+              <a:rPr b="0" lang="es-ES" sz="1400" spc="-1" strike="noStrike">
+                <a:solidFill>
+                  <a:srgbClr val="303030"/>
+                </a:solidFill>
+                <a:uFill>
+                  <a:solidFill>
+                    <a:srgbClr val="ffffff"/>
+                  </a:solidFill>
+                </a:uFill>
+                <a:latin typeface="Arial"/>
+                <a:ea typeface="Arial"/>
+              </a:rPr>
+              <a:t>It needs a frontend (i.e. Apache) for rewriting URLs</a:t>
+            </a:r>
+            <a:endParaRPr b="0" lang="es-ES" sz="1800" spc="-1" strike="noStrike">
+              <a:solidFill>
+                <a:srgbClr val="000000"/>
+              </a:solidFill>
+              <a:uFill>
+                <a:solidFill>
+                  <a:srgbClr val="ffffff"/>
+                </a:solidFill>
+              </a:uFill>
+              <a:latin typeface="Arial"/>
+            </a:endParaRPr>
+          </a:p>
+          <a:p>
+            <a:pPr marL="457200" indent="-313920">
+              <a:lnSpc>
+                <a:spcPct val="100000"/>
+              </a:lnSpc>
+            </a:pPr>
+            <a:endParaRPr b="0" lang="es-ES" sz="1800" spc="-1" strike="noStrike">
+              <a:solidFill>
+                <a:srgbClr val="000000"/>
+              </a:solidFill>
+              <a:uFill>
+                <a:solidFill>
+                  <a:srgbClr val="ffffff"/>
+                </a:solidFill>
+              </a:uFill>
+              <a:latin typeface="Arial"/>
+            </a:endParaRPr>
+          </a:p>
+          <a:p>
+            <a:pPr marL="457200" indent="-313920">
+              <a:lnSpc>
+                <a:spcPct val="100000"/>
+              </a:lnSpc>
+            </a:pPr>
+            <a:endParaRPr b="0" lang="es-ES" sz="1800" spc="-1" strike="noStrike">
+              <a:solidFill>
+                <a:srgbClr val="000000"/>
+              </a:solidFill>
+              <a:uFill>
+                <a:solidFill>
+                  <a:srgbClr val="ffffff"/>
+                </a:solidFill>
+              </a:uFill>
+              <a:latin typeface="Arial"/>
+            </a:endParaRPr>
+          </a:p>
+        </p:txBody>
+      </p:sp>
+      <p:pic>
+        <p:nvPicPr>
+          <p:cNvPr id="168" name="" descr=""/>
+          <p:cNvPicPr/>
+          <p:nvPr/>
+        </p:nvPicPr>
+        <p:blipFill>
+          <a:blip r:embed="rId2"/>
+          <a:stretch/>
+        </p:blipFill>
+        <p:spPr>
+          <a:xfrm>
+            <a:off x="2160000" y="2132640"/>
+            <a:ext cx="5324760" cy="2112120"/>
+          </a:xfrm>
+          <a:prstGeom prst="rect">
+            <a:avLst/>
+          </a:prstGeom>
+          <a:ln>
+            <a:noFill/>
+          </a:ln>
+        </p:spPr>
+      </p:pic>
+    </p:spTree>
+  </p:cSld>
+  <p:timing>
+    <p:tnLst>
+      <p:par>
+        <p:cTn id="37" dur="indefinite" restart="never" nodeType="tmRoot">
+          <p:childTnLst>
+            <p:seq>
+              <p:cTn id="38" nodeType="mainSeq"/>
               <p:prevCondLst>
                 <p:cond delay="0" evt="onPrev">
                   <p:tgtEl>
@@ -8358,7 +9301,7 @@
         <p:spPr>
           <a:xfrm>
             <a:off x="311760" y="444960"/>
-            <a:ext cx="8517240" cy="569520"/>
+            <a:ext cx="8516880" cy="569160"/>
           </a:xfrm>
           <a:prstGeom prst="rect">
             <a:avLst/>
@@ -8420,7 +9363,7 @@
         <p:spPr>
           <a:xfrm>
             <a:off x="311760" y="1152360"/>
-            <a:ext cx="8253360" cy="3413160"/>
+            <a:ext cx="8253000" cy="3412800"/>
           </a:xfrm>
           <a:prstGeom prst="rect">
             <a:avLst/>
@@ -8490,7 +9433,7 @@
             </a:endParaRPr>
           </a:p>
           <a:p>
-            <a:pPr marL="457200" indent="-314280">
+            <a:pPr marL="457200" indent="-313920">
               <a:lnSpc>
                 <a:spcPct val="100000"/>
               </a:lnSpc>
@@ -8508,7 +9451,7 @@
             </a:endParaRPr>
           </a:p>
           <a:p>
-            <a:pPr marL="457200" indent="-314280">
+            <a:pPr marL="457200" indent="-313920">
               <a:lnSpc>
                 <a:spcPct val="100000"/>
               </a:lnSpc>
@@ -8540,7 +9483,7 @@
         <p:spPr>
           <a:xfrm>
             <a:off x="620640" y="3132000"/>
-            <a:ext cx="3120120" cy="1113120"/>
+            <a:ext cx="3119760" cy="1112760"/>
           </a:xfrm>
           <a:prstGeom prst="rect">
             <a:avLst/>
@@ -8563,7 +9506,7 @@
         <p:spPr>
           <a:xfrm>
             <a:off x="8352000" y="4212000"/>
-            <a:ext cx="699840" cy="645120"/>
+            <a:ext cx="699480" cy="644760"/>
           </a:xfrm>
           <a:prstGeom prst="rect">
             <a:avLst/>
@@ -8582,7 +9525,7 @@
         <p:spPr>
           <a:xfrm>
             <a:off x="396000" y="4365720"/>
-            <a:ext cx="3597120" cy="599400"/>
+            <a:ext cx="3596760" cy="599040"/>
           </a:xfrm>
           <a:prstGeom prst="rect">
             <a:avLst/>
@@ -8639,7 +9582,7 @@
         <p:spPr>
           <a:xfrm>
             <a:off x="371880" y="2224080"/>
-            <a:ext cx="4773240" cy="599400"/>
+            <a:ext cx="4772880" cy="599040"/>
           </a:xfrm>
           <a:prstGeom prst="rect">
             <a:avLst/>
@@ -8696,6 +9639,1066 @@
           <p:childTnLst>
             <p:seq>
               <p:cTn id="4" nodeType="mainSeq"/>
+              <p:prevCondLst>
+                <p:cond delay="0" evt="onPrev">
+                  <p:tgtEl>
+                    <p:sldTgt/>
+                  </p:tgtEl>
+                </p:cond>
+              </p:prevCondLst>
+              <p:nextCondLst>
+                <p:cond delay="0" evt="onNext">
+                  <p:tgtEl>
+                    <p:sldTgt/>
+                  </p:tgtEl>
+                </p:cond>
+              </p:nextCondLst>
+            </p:seq>
+          </p:childTnLst>
+        </p:cTn>
+      </p:par>
+    </p:tnLst>
+  </p:timing>
+</p:sld>
+</file>
+
+<file path=ppt/slides/slide20.xml><?xml version="1.0" encoding="utf-8"?>
+<p:sld xmlns:a="http://schemas.openxmlformats.org/drawingml/2006/main" xmlns:p="http://schemas.openxmlformats.org/presentationml/2006/main" xmlns:r="http://schemas.openxmlformats.org/officeDocument/2006/relationships" xmlns:p14="http://schemas.microsoft.com/office/powerpoint/2010/main" xmlns:p15="http://schemas.microsoft.com/office/powerpoint/2012/main" xmlns:mc="http://schemas.openxmlformats.org/markup-compatibility/2006">
+  <p:cSld>
+    <p:bg>
+      <p:bgPr>
+        <a:blipFill>
+          <a:blip r:embed="rId1"/>
+          <a:stretch>
+            <a:fillRect/>
+          </a:stretch>
+        </a:blipFill>
+      </p:bgPr>
+    </p:bg>
+    <p:spTree>
+      <p:nvGrpSpPr>
+        <p:cNvPr id="1" name=""/>
+        <p:cNvGrpSpPr/>
+        <p:nvPr/>
+      </p:nvGrpSpPr>
+      <p:grpSpPr>
+        <a:xfrm>
+          <a:off x="0" y="0"/>
+          <a:ext cx="0" cy="0"/>
+          <a:chOff x="0" y="0"/>
+          <a:chExt cx="0" cy="0"/>
+        </a:xfrm>
+      </p:grpSpPr>
+      <p:sp>
+        <p:nvSpPr>
+          <p:cNvPr id="169" name="CustomShape 1"/>
+          <p:cNvSpPr/>
+          <p:nvPr/>
+        </p:nvSpPr>
+        <p:spPr>
+          <a:xfrm>
+            <a:off x="311760" y="444960"/>
+            <a:ext cx="8516880" cy="569160"/>
+          </a:xfrm>
+          <a:prstGeom prst="rect">
+            <a:avLst/>
+          </a:prstGeom>
+          <a:noFill/>
+          <a:ln>
+            <a:noFill/>
+          </a:ln>
+        </p:spPr>
+        <p:style>
+          <a:lnRef idx="0"/>
+          <a:fillRef idx="0"/>
+          <a:effectRef idx="0"/>
+          <a:fontRef idx="minor"/>
+        </p:style>
+        <p:txBody>
+          <a:bodyPr lIns="90000" rIns="90000" tIns="91440" bIns="91440"/>
+          <a:p>
+            <a:r>
+              <a:rPr b="1" lang="es-ES" sz="2800" spc="-1" strike="noStrike">
+                <a:solidFill>
+                  <a:srgbClr val="000000"/>
+                </a:solidFill>
+                <a:uFill>
+                  <a:solidFill>
+                    <a:srgbClr val="ffffff"/>
+                  </a:solidFill>
+                </a:uFill>
+                <a:latin typeface="Arial"/>
+                <a:ea typeface="DejaVu Sans"/>
+              </a:rPr>
+              <a:t>Alfresco URL Shortener</a:t>
+            </a:r>
+            <a:endParaRPr b="0" lang="es-ES" sz="1800" spc="-1" strike="noStrike">
+              <a:solidFill>
+                <a:srgbClr val="000000"/>
+              </a:solidFill>
+              <a:uFill>
+                <a:solidFill>
+                  <a:srgbClr val="ffffff"/>
+                </a:solidFill>
+              </a:uFill>
+              <a:latin typeface="Arial"/>
+            </a:endParaRPr>
+          </a:p>
+        </p:txBody>
+      </p:sp>
+      <p:sp>
+        <p:nvSpPr>
+          <p:cNvPr id="170" name="CustomShape 2"/>
+          <p:cNvSpPr/>
+          <p:nvPr/>
+        </p:nvSpPr>
+        <p:spPr>
+          <a:xfrm>
+            <a:off x="311760" y="720360"/>
+            <a:ext cx="5013000" cy="3412800"/>
+          </a:xfrm>
+          <a:prstGeom prst="rect">
+            <a:avLst/>
+          </a:prstGeom>
+          <a:noFill/>
+          <a:ln>
+            <a:noFill/>
+          </a:ln>
+        </p:spPr>
+        <p:style>
+          <a:lnRef idx="0"/>
+          <a:fillRef idx="0"/>
+          <a:effectRef idx="0"/>
+          <a:fontRef idx="minor"/>
+        </p:style>
+        <p:txBody>
+          <a:bodyPr lIns="90000" rIns="90000" tIns="91440" bIns="91440"/>
+          <a:p>
+            <a:pPr>
+              <a:lnSpc>
+                <a:spcPct val="100000"/>
+              </a:lnSpc>
+            </a:pPr>
+            <a:endParaRPr b="0" lang="es-ES" sz="1800" spc="-1" strike="noStrike">
+              <a:solidFill>
+                <a:srgbClr val="000000"/>
+              </a:solidFill>
+              <a:uFill>
+                <a:solidFill>
+                  <a:srgbClr val="ffffff"/>
+                </a:solidFill>
+              </a:uFill>
+              <a:latin typeface="Arial"/>
+            </a:endParaRPr>
+          </a:p>
+          <a:p>
+            <a:pPr marL="432000" indent="-320760">
+              <a:lnSpc>
+                <a:spcPct val="100000"/>
+              </a:lnSpc>
+              <a:buClr>
+                <a:srgbClr val="000000"/>
+              </a:buClr>
+              <a:buSzPct val="45000"/>
+              <a:buFont typeface="Wingdings" charset="2"/>
+              <a:buChar char=""/>
+            </a:pPr>
+            <a:r>
+              <a:rPr b="0" lang="es-ES" sz="1400" spc="-1" strike="noStrike">
+                <a:solidFill>
+                  <a:srgbClr val="303030"/>
+                </a:solidFill>
+                <a:uFill>
+                  <a:solidFill>
+                    <a:srgbClr val="ffffff"/>
+                  </a:solidFill>
+                </a:uFill>
+                <a:latin typeface="Arial"/>
+                <a:ea typeface="Arial"/>
+              </a:rPr>
+              <a:t>Simple to use and share, such as bit.ly...</a:t>
+            </a:r>
+            <a:endParaRPr b="0" lang="es-ES" sz="1800" spc="-1" strike="noStrike">
+              <a:solidFill>
+                <a:srgbClr val="000000"/>
+              </a:solidFill>
+              <a:uFill>
+                <a:solidFill>
+                  <a:srgbClr val="ffffff"/>
+                </a:solidFill>
+              </a:uFill>
+              <a:latin typeface="Arial"/>
+            </a:endParaRPr>
+          </a:p>
+          <a:p>
+            <a:pPr marL="432000" indent="-320760">
+              <a:lnSpc>
+                <a:spcPct val="100000"/>
+              </a:lnSpc>
+              <a:buClr>
+                <a:srgbClr val="000000"/>
+              </a:buClr>
+              <a:buSzPct val="45000"/>
+              <a:buFont typeface="Wingdings" charset="2"/>
+              <a:buChar char=""/>
+            </a:pPr>
+            <a:r>
+              <a:rPr b="0" lang="es-ES" sz="1400" spc="-1" strike="noStrike">
+                <a:solidFill>
+                  <a:srgbClr val="303030"/>
+                </a:solidFill>
+                <a:uFill>
+                  <a:solidFill>
+                    <a:srgbClr val="ffffff"/>
+                  </a:solidFill>
+                </a:uFill>
+                <a:latin typeface="Arial"/>
+                <a:ea typeface="Arial"/>
+              </a:rPr>
+              <a:t>Not dependant on the uuid</a:t>
+            </a:r>
+            <a:endParaRPr b="0" lang="es-ES" sz="1800" spc="-1" strike="noStrike">
+              <a:solidFill>
+                <a:srgbClr val="000000"/>
+              </a:solidFill>
+              <a:uFill>
+                <a:solidFill>
+                  <a:srgbClr val="ffffff"/>
+                </a:solidFill>
+              </a:uFill>
+              <a:latin typeface="Arial"/>
+            </a:endParaRPr>
+          </a:p>
+          <a:p>
+            <a:pPr marL="432000" indent="-320760">
+              <a:lnSpc>
+                <a:spcPct val="100000"/>
+              </a:lnSpc>
+              <a:buClr>
+                <a:srgbClr val="000000"/>
+              </a:buClr>
+              <a:buSzPct val="45000"/>
+              <a:buFont typeface="Wingdings" charset="2"/>
+              <a:buChar char=""/>
+            </a:pPr>
+            <a:r>
+              <a:rPr b="0" lang="es-ES" sz="1400" spc="-1" strike="noStrike">
+                <a:solidFill>
+                  <a:srgbClr val="303030"/>
+                </a:solidFill>
+                <a:uFill>
+                  <a:solidFill>
+                    <a:srgbClr val="ffffff"/>
+                  </a:solidFill>
+                </a:uFill>
+                <a:latin typeface="Arial"/>
+                <a:ea typeface="Arial"/>
+              </a:rPr>
+              <a:t>It needs a frontend (i.e. Apache) for rewriting URLs</a:t>
+            </a:r>
+            <a:endParaRPr b="0" lang="es-ES" sz="1800" spc="-1" strike="noStrike">
+              <a:solidFill>
+                <a:srgbClr val="000000"/>
+              </a:solidFill>
+              <a:uFill>
+                <a:solidFill>
+                  <a:srgbClr val="ffffff"/>
+                </a:solidFill>
+              </a:uFill>
+              <a:latin typeface="Arial"/>
+            </a:endParaRPr>
+          </a:p>
+          <a:p>
+            <a:pPr marL="457200" indent="-313920">
+              <a:lnSpc>
+                <a:spcPct val="100000"/>
+              </a:lnSpc>
+            </a:pPr>
+            <a:endParaRPr b="0" lang="es-ES" sz="1800" spc="-1" strike="noStrike">
+              <a:solidFill>
+                <a:srgbClr val="000000"/>
+              </a:solidFill>
+              <a:uFill>
+                <a:solidFill>
+                  <a:srgbClr val="ffffff"/>
+                </a:solidFill>
+              </a:uFill>
+              <a:latin typeface="Arial"/>
+            </a:endParaRPr>
+          </a:p>
+          <a:p>
+            <a:pPr marL="457200" indent="-313920">
+              <a:lnSpc>
+                <a:spcPct val="100000"/>
+              </a:lnSpc>
+            </a:pPr>
+            <a:endParaRPr b="0" lang="es-ES" sz="1800" spc="-1" strike="noStrike">
+              <a:solidFill>
+                <a:srgbClr val="000000"/>
+              </a:solidFill>
+              <a:uFill>
+                <a:solidFill>
+                  <a:srgbClr val="ffffff"/>
+                </a:solidFill>
+              </a:uFill>
+              <a:latin typeface="Arial"/>
+            </a:endParaRPr>
+          </a:p>
+        </p:txBody>
+      </p:sp>
+      <p:pic>
+        <p:nvPicPr>
+          <p:cNvPr id="171" name="" descr=""/>
+          <p:cNvPicPr/>
+          <p:nvPr/>
+        </p:nvPicPr>
+        <p:blipFill>
+          <a:blip r:embed="rId2"/>
+          <a:stretch/>
+        </p:blipFill>
+        <p:spPr>
+          <a:xfrm>
+            <a:off x="2160000" y="2132640"/>
+            <a:ext cx="5324760" cy="2112120"/>
+          </a:xfrm>
+          <a:prstGeom prst="rect">
+            <a:avLst/>
+          </a:prstGeom>
+          <a:ln>
+            <a:noFill/>
+          </a:ln>
+        </p:spPr>
+      </p:pic>
+    </p:spTree>
+  </p:cSld>
+  <p:timing>
+    <p:tnLst>
+      <p:par>
+        <p:cTn id="39" dur="indefinite" restart="never" nodeType="tmRoot">
+          <p:childTnLst>
+            <p:seq>
+              <p:cTn id="40" nodeType="mainSeq"/>
+              <p:prevCondLst>
+                <p:cond delay="0" evt="onPrev">
+                  <p:tgtEl>
+                    <p:sldTgt/>
+                  </p:tgtEl>
+                </p:cond>
+              </p:prevCondLst>
+              <p:nextCondLst>
+                <p:cond delay="0" evt="onNext">
+                  <p:tgtEl>
+                    <p:sldTgt/>
+                  </p:tgtEl>
+                </p:cond>
+              </p:nextCondLst>
+            </p:seq>
+          </p:childTnLst>
+        </p:cTn>
+      </p:par>
+    </p:tnLst>
+  </p:timing>
+</p:sld>
+</file>
+
+<file path=ppt/slides/slide21.xml><?xml version="1.0" encoding="utf-8"?>
+<p:sld xmlns:a="http://schemas.openxmlformats.org/drawingml/2006/main" xmlns:p="http://schemas.openxmlformats.org/presentationml/2006/main" xmlns:r="http://schemas.openxmlformats.org/officeDocument/2006/relationships" xmlns:p14="http://schemas.microsoft.com/office/powerpoint/2010/main" xmlns:p15="http://schemas.microsoft.com/office/powerpoint/2012/main" xmlns:mc="http://schemas.openxmlformats.org/markup-compatibility/2006">
+  <p:cSld>
+    <p:bg>
+      <p:bgPr>
+        <a:blipFill>
+          <a:blip r:embed="rId1"/>
+          <a:stretch>
+            <a:fillRect/>
+          </a:stretch>
+        </a:blipFill>
+      </p:bgPr>
+    </p:bg>
+    <p:spTree>
+      <p:nvGrpSpPr>
+        <p:cNvPr id="1" name=""/>
+        <p:cNvGrpSpPr/>
+        <p:nvPr/>
+      </p:nvGrpSpPr>
+      <p:grpSpPr>
+        <a:xfrm>
+          <a:off x="0" y="0"/>
+          <a:ext cx="0" cy="0"/>
+          <a:chOff x="0" y="0"/>
+          <a:chExt cx="0" cy="0"/>
+        </a:xfrm>
+      </p:grpSpPr>
+      <p:sp>
+        <p:nvSpPr>
+          <p:cNvPr id="172" name="CustomShape 1"/>
+          <p:cNvSpPr/>
+          <p:nvPr/>
+        </p:nvSpPr>
+        <p:spPr>
+          <a:xfrm>
+            <a:off x="311760" y="444960"/>
+            <a:ext cx="8517960" cy="570240"/>
+          </a:xfrm>
+          <a:prstGeom prst="rect">
+            <a:avLst/>
+          </a:prstGeom>
+          <a:noFill/>
+          <a:ln>
+            <a:noFill/>
+          </a:ln>
+        </p:spPr>
+        <p:style>
+          <a:lnRef idx="0"/>
+          <a:fillRef idx="0"/>
+          <a:effectRef idx="0"/>
+          <a:fontRef idx="minor"/>
+        </p:style>
+        <p:txBody>
+          <a:bodyPr lIns="90000" rIns="90000" tIns="91440" bIns="91440"/>
+          <a:p>
+            <a:r>
+              <a:rPr b="1" lang="es-ES" sz="2800" spc="-1" strike="noStrike">
+                <a:solidFill>
+                  <a:srgbClr val="000000"/>
+                </a:solidFill>
+                <a:uFill>
+                  <a:solidFill>
+                    <a:srgbClr val="ffffff"/>
+                  </a:solidFill>
+                </a:uFill>
+                <a:latin typeface="Arial"/>
+                <a:ea typeface="DejaVu Sans"/>
+              </a:rPr>
+              <a:t>Conclusion</a:t>
+            </a:r>
+            <a:endParaRPr b="0" lang="es-ES" sz="1800" spc="-1" strike="noStrike">
+              <a:solidFill>
+                <a:srgbClr val="000000"/>
+              </a:solidFill>
+              <a:uFill>
+                <a:solidFill>
+                  <a:srgbClr val="ffffff"/>
+                </a:solidFill>
+              </a:uFill>
+              <a:latin typeface="Arial"/>
+            </a:endParaRPr>
+          </a:p>
+        </p:txBody>
+      </p:sp>
+      <p:sp>
+        <p:nvSpPr>
+          <p:cNvPr id="173" name="CustomShape 2"/>
+          <p:cNvSpPr/>
+          <p:nvPr/>
+        </p:nvSpPr>
+        <p:spPr>
+          <a:xfrm>
+            <a:off x="311760" y="1152360"/>
+            <a:ext cx="8517960" cy="3413880"/>
+          </a:xfrm>
+          <a:prstGeom prst="rect">
+            <a:avLst/>
+          </a:prstGeom>
+          <a:noFill/>
+          <a:ln>
+            <a:noFill/>
+          </a:ln>
+        </p:spPr>
+        <p:style>
+          <a:lnRef idx="0"/>
+          <a:fillRef idx="0"/>
+          <a:effectRef idx="0"/>
+          <a:fontRef idx="minor"/>
+        </p:style>
+        <p:txBody>
+          <a:bodyPr lIns="90000" rIns="90000" tIns="91440" bIns="91440"/>
+          <a:p>
+            <a:pPr>
+              <a:lnSpc>
+                <a:spcPct val="100000"/>
+              </a:lnSpc>
+            </a:pPr>
+            <a:endParaRPr b="0" lang="es-ES" sz="1800" spc="-1" strike="noStrike">
+              <a:solidFill>
+                <a:srgbClr val="000000"/>
+              </a:solidFill>
+              <a:uFill>
+                <a:solidFill>
+                  <a:srgbClr val="ffffff"/>
+                </a:solidFill>
+              </a:uFill>
+              <a:latin typeface="Arial"/>
+            </a:endParaRPr>
+          </a:p>
+          <a:p>
+            <a:pPr marL="432000" indent="-321840">
+              <a:lnSpc>
+                <a:spcPct val="100000"/>
+              </a:lnSpc>
+              <a:buClr>
+                <a:srgbClr val="000000"/>
+              </a:buClr>
+              <a:buSzPct val="45000"/>
+              <a:buFont typeface="Wingdings" charset="2"/>
+              <a:buChar char=""/>
+            </a:pPr>
+            <a:r>
+              <a:rPr b="0" lang="es-ES" sz="1400" spc="-1" strike="noStrike">
+                <a:solidFill>
+                  <a:srgbClr val="303030"/>
+                </a:solidFill>
+                <a:uFill>
+                  <a:solidFill>
+                    <a:srgbClr val="ffffff"/>
+                  </a:solidFill>
+                </a:uFill>
+                <a:latin typeface="Arial"/>
+                <a:ea typeface="Arial"/>
+              </a:rPr>
+              <a:t>Alfresco customizations are fun, even more fun if open-source</a:t>
+            </a:r>
+            <a:endParaRPr b="0" lang="es-ES" sz="1800" spc="-1" strike="noStrike">
+              <a:solidFill>
+                <a:srgbClr val="000000"/>
+              </a:solidFill>
+              <a:uFill>
+                <a:solidFill>
+                  <a:srgbClr val="ffffff"/>
+                </a:solidFill>
+              </a:uFill>
+              <a:latin typeface="Arial"/>
+            </a:endParaRPr>
+          </a:p>
+          <a:p>
+            <a:pPr marL="432000" indent="-321840">
+              <a:lnSpc>
+                <a:spcPct val="100000"/>
+              </a:lnSpc>
+              <a:buClr>
+                <a:srgbClr val="000000"/>
+              </a:buClr>
+              <a:buSzPct val="45000"/>
+              <a:buFont typeface="Wingdings" charset="2"/>
+              <a:buChar char=""/>
+            </a:pPr>
+            <a:r>
+              <a:rPr b="0" lang="es-ES" sz="1400" spc="-1" strike="noStrike">
+                <a:solidFill>
+                  <a:srgbClr val="303030"/>
+                </a:solidFill>
+                <a:uFill>
+                  <a:solidFill>
+                    <a:srgbClr val="ffffff"/>
+                  </a:solidFill>
+                </a:uFill>
+                <a:latin typeface="Arial"/>
+                <a:ea typeface="Arial"/>
+              </a:rPr>
+              <a:t>You can improve and extend Alfresco capabilities with simple extensions</a:t>
+            </a:r>
+            <a:endParaRPr b="0" lang="es-ES" sz="1800" spc="-1" strike="noStrike">
+              <a:solidFill>
+                <a:srgbClr val="000000"/>
+              </a:solidFill>
+              <a:uFill>
+                <a:solidFill>
+                  <a:srgbClr val="ffffff"/>
+                </a:solidFill>
+              </a:uFill>
+              <a:latin typeface="Arial"/>
+            </a:endParaRPr>
+          </a:p>
+          <a:p>
+            <a:pPr marL="432000" indent="-321840">
+              <a:lnSpc>
+                <a:spcPct val="100000"/>
+              </a:lnSpc>
+              <a:buClr>
+                <a:srgbClr val="000000"/>
+              </a:buClr>
+              <a:buSzPct val="45000"/>
+              <a:buFont typeface="Wingdings" charset="2"/>
+              <a:buChar char=""/>
+            </a:pPr>
+            <a:r>
+              <a:rPr b="0" lang="es-ES" sz="1400" spc="-1" strike="noStrike">
+                <a:solidFill>
+                  <a:srgbClr val="303030"/>
+                </a:solidFill>
+                <a:uFill>
+                  <a:solidFill>
+                    <a:srgbClr val="ffffff"/>
+                  </a:solidFill>
+                </a:uFill>
+                <a:latin typeface="Arial"/>
+                <a:ea typeface="Arial"/>
+              </a:rPr>
+              <a:t>You can use them as Javascript API training pills </a:t>
+            </a:r>
+            <a:endParaRPr b="0" lang="es-ES" sz="1800" spc="-1" strike="noStrike">
+              <a:solidFill>
+                <a:srgbClr val="000000"/>
+              </a:solidFill>
+              <a:uFill>
+                <a:solidFill>
+                  <a:srgbClr val="ffffff"/>
+                </a:solidFill>
+              </a:uFill>
+              <a:latin typeface="Arial"/>
+            </a:endParaRPr>
+          </a:p>
+          <a:p>
+            <a:pPr marL="432000" indent="-321840">
+              <a:lnSpc>
+                <a:spcPct val="100000"/>
+              </a:lnSpc>
+              <a:buClr>
+                <a:srgbClr val="000000"/>
+              </a:buClr>
+              <a:buSzPct val="45000"/>
+              <a:buFont typeface="Wingdings" charset="2"/>
+              <a:buChar char=""/>
+            </a:pPr>
+            <a:r>
+              <a:rPr b="0" lang="es-ES" sz="1400" spc="-1" strike="noStrike">
+                <a:solidFill>
+                  <a:srgbClr val="303030"/>
+                </a:solidFill>
+                <a:uFill>
+                  <a:solidFill>
+                    <a:srgbClr val="ffffff"/>
+                  </a:solidFill>
+                </a:uFill>
+                <a:latin typeface="Arial"/>
+                <a:ea typeface="Arial"/>
+              </a:rPr>
+              <a:t>Please fork, share and use them in your Alfresco installations </a:t>
+            </a:r>
+            <a:endParaRPr b="0" lang="es-ES" sz="1800" spc="-1" strike="noStrike">
+              <a:solidFill>
+                <a:srgbClr val="000000"/>
+              </a:solidFill>
+              <a:uFill>
+                <a:solidFill>
+                  <a:srgbClr val="ffffff"/>
+                </a:solidFill>
+              </a:uFill>
+              <a:latin typeface="Arial"/>
+            </a:endParaRPr>
+          </a:p>
+          <a:p>
+            <a:pPr marL="457200" indent="-315000">
+              <a:lnSpc>
+                <a:spcPct val="100000"/>
+              </a:lnSpc>
+            </a:pPr>
+            <a:endParaRPr b="0" lang="es-ES" sz="1800" spc="-1" strike="noStrike">
+              <a:solidFill>
+                <a:srgbClr val="000000"/>
+              </a:solidFill>
+              <a:uFill>
+                <a:solidFill>
+                  <a:srgbClr val="ffffff"/>
+                </a:solidFill>
+              </a:uFill>
+              <a:latin typeface="Arial"/>
+            </a:endParaRPr>
+          </a:p>
+          <a:p>
+            <a:pPr marL="457200" indent="-315000">
+              <a:lnSpc>
+                <a:spcPct val="100000"/>
+              </a:lnSpc>
+            </a:pPr>
+            <a:endParaRPr b="0" lang="es-ES" sz="1800" spc="-1" strike="noStrike">
+              <a:solidFill>
+                <a:srgbClr val="000000"/>
+              </a:solidFill>
+              <a:uFill>
+                <a:solidFill>
+                  <a:srgbClr val="ffffff"/>
+                </a:solidFill>
+              </a:uFill>
+              <a:latin typeface="Arial"/>
+            </a:endParaRPr>
+          </a:p>
+        </p:txBody>
+      </p:sp>
+      <p:sp>
+        <p:nvSpPr>
+          <p:cNvPr id="174" name="CustomShape 3"/>
+          <p:cNvSpPr/>
+          <p:nvPr/>
+        </p:nvSpPr>
+        <p:spPr>
+          <a:xfrm>
+            <a:off x="2628000" y="3386160"/>
+            <a:ext cx="4354200" cy="318600"/>
+          </a:xfrm>
+          <a:prstGeom prst="rect">
+            <a:avLst/>
+          </a:prstGeom>
+          <a:noFill/>
+          <a:ln>
+            <a:noFill/>
+          </a:ln>
+        </p:spPr>
+        <p:style>
+          <a:lnRef idx="0"/>
+          <a:fillRef idx="0"/>
+          <a:effectRef idx="0"/>
+          <a:fontRef idx="minor"/>
+        </p:style>
+        <p:txBody>
+          <a:bodyPr lIns="90000" rIns="90000" tIns="45000" bIns="45000"/>
+          <a:p>
+            <a:r>
+              <a:rPr b="0" lang="es-ES" sz="1600" spc="-1" strike="noStrike">
+                <a:solidFill>
+                  <a:srgbClr val="000000"/>
+                </a:solidFill>
+                <a:uFill>
+                  <a:solidFill>
+                    <a:srgbClr val="ffffff"/>
+                  </a:solidFill>
+                </a:uFill>
+                <a:latin typeface="Arial"/>
+                <a:ea typeface="DejaVu Sans"/>
+              </a:rPr>
+              <a:t>https://github.com/zylklab/beecon2017</a:t>
+            </a:r>
+            <a:endParaRPr b="0" lang="es-ES" sz="1800" spc="-1" strike="noStrike">
+              <a:solidFill>
+                <a:srgbClr val="000000"/>
+              </a:solidFill>
+              <a:uFill>
+                <a:solidFill>
+                  <a:srgbClr val="ffffff"/>
+                </a:solidFill>
+              </a:uFill>
+              <a:latin typeface="Arial"/>
+            </a:endParaRPr>
+          </a:p>
+        </p:txBody>
+      </p:sp>
+    </p:spTree>
+  </p:cSld>
+  <p:timing>
+    <p:tnLst>
+      <p:par>
+        <p:cTn id="41" dur="indefinite" restart="never" nodeType="tmRoot">
+          <p:childTnLst>
+            <p:seq>
+              <p:cTn id="42" nodeType="mainSeq"/>
+              <p:prevCondLst>
+                <p:cond delay="0" evt="onPrev">
+                  <p:tgtEl>
+                    <p:sldTgt/>
+                  </p:tgtEl>
+                </p:cond>
+              </p:prevCondLst>
+              <p:nextCondLst>
+                <p:cond delay="0" evt="onNext">
+                  <p:tgtEl>
+                    <p:sldTgt/>
+                  </p:tgtEl>
+                </p:cond>
+              </p:nextCondLst>
+            </p:seq>
+          </p:childTnLst>
+        </p:cTn>
+      </p:par>
+    </p:tnLst>
+  </p:timing>
+</p:sld>
+</file>
+
+<file path=ppt/slides/slide22.xml><?xml version="1.0" encoding="utf-8"?>
+<p:sld xmlns:a="http://schemas.openxmlformats.org/drawingml/2006/main" xmlns:p="http://schemas.openxmlformats.org/presentationml/2006/main" xmlns:r="http://schemas.openxmlformats.org/officeDocument/2006/relationships" xmlns:p14="http://schemas.microsoft.com/office/powerpoint/2010/main" xmlns:p15="http://schemas.microsoft.com/office/powerpoint/2012/main" xmlns:mc="http://schemas.openxmlformats.org/markup-compatibility/2006">
+  <p:cSld>
+    <p:bg>
+      <p:bgPr>
+        <a:blipFill>
+          <a:blip r:embed="rId1"/>
+          <a:stretch>
+            <a:fillRect/>
+          </a:stretch>
+        </a:blipFill>
+      </p:bgPr>
+    </p:bg>
+    <p:spTree>
+      <p:nvGrpSpPr>
+        <p:cNvPr id="1" name=""/>
+        <p:cNvGrpSpPr/>
+        <p:nvPr/>
+      </p:nvGrpSpPr>
+      <p:grpSpPr>
+        <a:xfrm>
+          <a:off x="0" y="0"/>
+          <a:ext cx="0" cy="0"/>
+          <a:chOff x="0" y="0"/>
+          <a:chExt cx="0" cy="0"/>
+        </a:xfrm>
+      </p:grpSpPr>
+      <p:sp>
+        <p:nvSpPr>
+          <p:cNvPr id="175" name="CustomShape 1"/>
+          <p:cNvSpPr/>
+          <p:nvPr/>
+        </p:nvSpPr>
+        <p:spPr>
+          <a:xfrm>
+            <a:off x="311760" y="-155520"/>
+            <a:ext cx="8516880" cy="2049120"/>
+          </a:xfrm>
+          <a:prstGeom prst="rect">
+            <a:avLst/>
+          </a:prstGeom>
+          <a:noFill/>
+          <a:ln>
+            <a:noFill/>
+          </a:ln>
+        </p:spPr>
+        <p:style>
+          <a:lnRef idx="0"/>
+          <a:fillRef idx="0"/>
+          <a:effectRef idx="0"/>
+          <a:fontRef idx="minor"/>
+        </p:style>
+        <p:txBody>
+          <a:bodyPr lIns="90000" rIns="90000" tIns="91440" bIns="91440" anchor="b"/>
+          <a:p>
+            <a:pPr algn="ctr">
+              <a:lnSpc>
+                <a:spcPct val="100000"/>
+              </a:lnSpc>
+            </a:pPr>
+            <a:r>
+              <a:rPr b="0" lang="es-ES" sz="3600" spc="-1" strike="noStrike">
+                <a:solidFill>
+                  <a:srgbClr val="ffffff"/>
+                </a:solidFill>
+                <a:uFill>
+                  <a:solidFill>
+                    <a:srgbClr val="ffffff"/>
+                  </a:solidFill>
+                </a:uFill>
+                <a:latin typeface="Arial"/>
+                <a:ea typeface="Arial"/>
+              </a:rPr>
+              <a:t>Thank you for your attention!</a:t>
+            </a:r>
+            <a:endParaRPr b="0" lang="es-ES" sz="1800" spc="-1" strike="noStrike">
+              <a:solidFill>
+                <a:srgbClr val="ffffff"/>
+              </a:solidFill>
+              <a:uFill>
+                <a:solidFill>
+                  <a:srgbClr val="ffffff"/>
+                </a:solidFill>
+              </a:uFill>
+              <a:latin typeface="Arial"/>
+            </a:endParaRPr>
+          </a:p>
+        </p:txBody>
+      </p:sp>
+      <p:sp>
+        <p:nvSpPr>
+          <p:cNvPr id="176" name="CustomShape 2"/>
+          <p:cNvSpPr/>
+          <p:nvPr/>
+        </p:nvSpPr>
+        <p:spPr>
+          <a:xfrm>
+            <a:off x="275760" y="2402280"/>
+            <a:ext cx="8516880" cy="1315440"/>
+          </a:xfrm>
+          <a:prstGeom prst="rect">
+            <a:avLst/>
+          </a:prstGeom>
+          <a:noFill/>
+          <a:ln>
+            <a:noFill/>
+          </a:ln>
+        </p:spPr>
+        <p:style>
+          <a:lnRef idx="0"/>
+          <a:fillRef idx="0"/>
+          <a:effectRef idx="0"/>
+          <a:fontRef idx="minor"/>
+        </p:style>
+        <p:txBody>
+          <a:bodyPr lIns="90000" rIns="90000" tIns="91440" bIns="91440"/>
+          <a:p>
+            <a:pPr algn="ctr">
+              <a:lnSpc>
+                <a:spcPct val="100000"/>
+              </a:lnSpc>
+            </a:pPr>
+            <a:r>
+              <a:rPr b="1" lang="es-ES" sz="2400" spc="-1" strike="noStrike">
+                <a:solidFill>
+                  <a:srgbClr val="adadad"/>
+                </a:solidFill>
+                <a:uFill>
+                  <a:solidFill>
+                    <a:srgbClr val="ffffff"/>
+                  </a:solidFill>
+                </a:uFill>
+                <a:latin typeface="Arial"/>
+                <a:ea typeface="Arial"/>
+              </a:rPr>
+              <a:t>César Capillas  &lt;cesar at zylk.net&gt;</a:t>
+            </a:r>
+            <a:endParaRPr b="0" lang="es-ES" sz="1800" spc="-1" strike="noStrike">
+              <a:solidFill>
+                <a:srgbClr val="ffffff"/>
+              </a:solidFill>
+              <a:uFill>
+                <a:solidFill>
+                  <a:srgbClr val="ffffff"/>
+                </a:solidFill>
+              </a:uFill>
+              <a:latin typeface="Arial"/>
+            </a:endParaRPr>
+          </a:p>
+          <a:p>
+            <a:pPr algn="ctr">
+              <a:lnSpc>
+                <a:spcPct val="100000"/>
+              </a:lnSpc>
+            </a:pPr>
+            <a:endParaRPr b="0" lang="es-ES" sz="1800" spc="-1" strike="noStrike">
+              <a:solidFill>
+                <a:srgbClr val="ffffff"/>
+              </a:solidFill>
+              <a:uFill>
+                <a:solidFill>
+                  <a:srgbClr val="ffffff"/>
+                </a:solidFill>
+              </a:uFill>
+              <a:latin typeface="Arial"/>
+            </a:endParaRPr>
+          </a:p>
+          <a:p>
+            <a:pPr algn="ctr">
+              <a:lnSpc>
+                <a:spcPct val="100000"/>
+              </a:lnSpc>
+            </a:pPr>
+            <a:r>
+              <a:rPr b="1" lang="es-ES" sz="2400" spc="-1" strike="noStrike">
+                <a:solidFill>
+                  <a:srgbClr val="adadad"/>
+                </a:solidFill>
+                <a:uFill>
+                  <a:solidFill>
+                    <a:srgbClr val="ffffff"/>
+                  </a:solidFill>
+                </a:uFill>
+                <a:latin typeface="Arial"/>
+                <a:ea typeface="Arial"/>
+              </a:rPr>
+              <a:t>@zylknet  </a:t>
+            </a:r>
+            <a:endParaRPr b="0" lang="es-ES" sz="1800" spc="-1" strike="noStrike">
+              <a:solidFill>
+                <a:srgbClr val="ffffff"/>
+              </a:solidFill>
+              <a:uFill>
+                <a:solidFill>
+                  <a:srgbClr val="ffffff"/>
+                </a:solidFill>
+              </a:uFill>
+              <a:latin typeface="Arial"/>
+            </a:endParaRPr>
+          </a:p>
+          <a:p>
+            <a:pPr algn="ctr">
+              <a:lnSpc>
+                <a:spcPct val="100000"/>
+              </a:lnSpc>
+            </a:pPr>
+            <a:endParaRPr b="0" lang="es-ES" sz="1800" spc="-1" strike="noStrike">
+              <a:solidFill>
+                <a:srgbClr val="ffffff"/>
+              </a:solidFill>
+              <a:uFill>
+                <a:solidFill>
+                  <a:srgbClr val="ffffff"/>
+                </a:solidFill>
+              </a:uFill>
+              <a:latin typeface="Arial"/>
+            </a:endParaRPr>
+          </a:p>
+        </p:txBody>
+      </p:sp>
+      <p:sp>
+        <p:nvSpPr>
+          <p:cNvPr id="177" name="CustomShape 3"/>
+          <p:cNvSpPr/>
+          <p:nvPr/>
+        </p:nvSpPr>
+        <p:spPr>
+          <a:xfrm>
+            <a:off x="2956320" y="4396680"/>
+            <a:ext cx="4348800" cy="617760"/>
+          </a:xfrm>
+          <a:prstGeom prst="rect">
+            <a:avLst/>
+          </a:prstGeom>
+          <a:noFill/>
+          <a:ln>
+            <a:noFill/>
+          </a:ln>
+        </p:spPr>
+        <p:style>
+          <a:lnRef idx="0"/>
+          <a:fillRef idx="0"/>
+          <a:effectRef idx="0"/>
+          <a:fontRef idx="minor"/>
+        </p:style>
+        <p:txBody>
+          <a:bodyPr lIns="90000" rIns="90000" tIns="45000" bIns="45000"/>
+          <a:p>
+            <a:r>
+              <a:rPr b="0" lang="es-ES" sz="1800" spc="-1" strike="noStrike">
+                <a:solidFill>
+                  <a:srgbClr val="ffffff"/>
+                </a:solidFill>
+                <a:uFill>
+                  <a:solidFill>
+                    <a:srgbClr val="ffffff"/>
+                  </a:solidFill>
+                </a:uFill>
+                <a:latin typeface="Arial"/>
+                <a:ea typeface="DejaVu Sans"/>
+              </a:rPr>
+              <a:t>http://www.github.com/zylklab</a:t>
+            </a:r>
+            <a:endParaRPr b="0" lang="es-ES" sz="1800" spc="-1" strike="noStrike">
+              <a:solidFill>
+                <a:srgbClr val="ffffff"/>
+              </a:solidFill>
+              <a:uFill>
+                <a:solidFill>
+                  <a:srgbClr val="ffffff"/>
+                </a:solidFill>
+              </a:uFill>
+              <a:latin typeface="Arial"/>
+            </a:endParaRPr>
+          </a:p>
+        </p:txBody>
+      </p:sp>
+    </p:spTree>
+  </p:cSld>
+  <p:timing>
+    <p:tnLst>
+      <p:par>
+        <p:cTn id="43" dur="indefinite" restart="never" nodeType="tmRoot">
+          <p:childTnLst>
+            <p:seq>
+              <p:cTn id="44" nodeType="mainSeq"/>
               <p:prevCondLst>
                 <p:cond delay="0" evt="onPrev">
                   <p:tgtEl>
@@ -8755,7 +10758,7 @@
         <p:spPr>
           <a:xfrm>
             <a:off x="311760" y="2186280"/>
-            <a:ext cx="8517240" cy="741960"/>
+            <a:ext cx="8516880" cy="741600"/>
           </a:xfrm>
           <a:prstGeom prst="rect">
             <a:avLst/>
@@ -8817,7 +10820,7 @@
         <p:spPr>
           <a:xfrm>
             <a:off x="311760" y="3471120"/>
-            <a:ext cx="8517240" cy="1315800"/>
+            <a:ext cx="8516880" cy="1315440"/>
           </a:xfrm>
           <a:prstGeom prst="rect">
             <a:avLst/>
@@ -8879,7 +10882,7 @@
         <p:spPr>
           <a:xfrm>
             <a:off x="6950880" y="4785480"/>
-            <a:ext cx="2118240" cy="262800"/>
+            <a:ext cx="2117880" cy="262440"/>
           </a:xfrm>
           <a:prstGeom prst="rect">
             <a:avLst/>
@@ -8995,7 +10998,7 @@
         <p:spPr>
           <a:xfrm>
             <a:off x="311760" y="444960"/>
-            <a:ext cx="8517240" cy="569520"/>
+            <a:ext cx="8516880" cy="569160"/>
           </a:xfrm>
           <a:prstGeom prst="rect">
             <a:avLst/>
@@ -9052,7 +11055,7 @@
         <p:spPr>
           <a:xfrm>
             <a:off x="311760" y="1152360"/>
-            <a:ext cx="8517240" cy="3413160"/>
+            <a:ext cx="8516880" cy="3412800"/>
           </a:xfrm>
           <a:prstGeom prst="rect">
             <a:avLst/>
@@ -9089,7 +11092,7 @@
             </a:endParaRPr>
           </a:p>
           <a:p>
-            <a:pPr marL="432000" indent="-321120">
+            <a:pPr marL="432000" indent="-320760">
               <a:lnSpc>
                 <a:spcPct val="100000"/>
               </a:lnSpc>
@@ -9128,7 +11131,7 @@
             </a:endParaRPr>
           </a:p>
           <a:p>
-            <a:pPr marL="432000" indent="-321120">
+            <a:pPr marL="432000" indent="-320760">
               <a:lnSpc>
                 <a:spcPct val="100000"/>
               </a:lnSpc>
@@ -9167,7 +11170,7 @@
             </a:endParaRPr>
           </a:p>
           <a:p>
-            <a:pPr marL="432000" indent="-321120">
+            <a:pPr marL="432000" indent="-320760">
               <a:lnSpc>
                 <a:spcPct val="100000"/>
               </a:lnSpc>
@@ -9206,7 +11209,7 @@
             </a:endParaRPr>
           </a:p>
           <a:p>
-            <a:pPr marL="432000" indent="-321120">
+            <a:pPr marL="432000" indent="-320760">
               <a:lnSpc>
                 <a:spcPct val="100000"/>
               </a:lnSpc>
@@ -9245,7 +11248,7 @@
             </a:endParaRPr>
           </a:p>
           <a:p>
-            <a:pPr marL="457200" indent="-314280">
+            <a:pPr marL="457200" indent="-313920">
               <a:lnSpc>
                 <a:spcPct val="100000"/>
               </a:lnSpc>
@@ -9263,7 +11266,7 @@
             </a:endParaRPr>
           </a:p>
           <a:p>
-            <a:pPr marL="457200" indent="-314280">
+            <a:pPr marL="457200" indent="-313920">
               <a:lnSpc>
                 <a:spcPct val="100000"/>
               </a:lnSpc>
@@ -9350,7 +11353,7 @@
         <p:spPr>
           <a:xfrm>
             <a:off x="311760" y="444960"/>
-            <a:ext cx="8517240" cy="569520"/>
+            <a:ext cx="8516880" cy="569160"/>
           </a:xfrm>
           <a:prstGeom prst="rect">
             <a:avLst/>
@@ -9407,7 +11410,7 @@
         <p:spPr>
           <a:xfrm>
             <a:off x="360000" y="1152360"/>
-            <a:ext cx="7342920" cy="3413160"/>
+            <a:ext cx="7342560" cy="3412800"/>
           </a:xfrm>
           <a:prstGeom prst="rect">
             <a:avLst/>
@@ -9495,7 +11498,7 @@
             </a:endParaRPr>
           </a:p>
           <a:p>
-            <a:pPr lvl="1" marL="432000" indent="-214920">
+            <a:pPr lvl="1" marL="432000" indent="-214560">
               <a:lnSpc>
                 <a:spcPct val="100000"/>
               </a:lnSpc>
@@ -9534,7 +11537,7 @@
             </a:endParaRPr>
           </a:p>
           <a:p>
-            <a:pPr lvl="1" marL="432000" indent="-214920">
+            <a:pPr lvl="1" marL="432000" indent="-214560">
               <a:lnSpc>
                 <a:spcPct val="100000"/>
               </a:lnSpc>
@@ -9573,7 +11576,7 @@
             </a:endParaRPr>
           </a:p>
           <a:p>
-            <a:pPr marL="457200" indent="-314280">
+            <a:pPr marL="457200" indent="-313920">
               <a:lnSpc>
                 <a:spcPct val="100000"/>
               </a:lnSpc>
@@ -9591,7 +11594,7 @@
             </a:endParaRPr>
           </a:p>
           <a:p>
-            <a:pPr marL="457200" indent="-314280">
+            <a:pPr marL="457200" indent="-313920">
               <a:lnSpc>
                 <a:spcPct val="100000"/>
               </a:lnSpc>
@@ -9678,7 +11681,7 @@
         <p:spPr>
           <a:xfrm>
             <a:off x="311760" y="2186280"/>
-            <a:ext cx="8517240" cy="741960"/>
+            <a:ext cx="8516880" cy="741600"/>
           </a:xfrm>
           <a:prstGeom prst="rect">
             <a:avLst/>
@@ -9740,7 +11743,7 @@
         <p:spPr>
           <a:xfrm>
             <a:off x="311760" y="3471120"/>
-            <a:ext cx="8517240" cy="1315800"/>
+            <a:ext cx="8516880" cy="1315440"/>
           </a:xfrm>
           <a:prstGeom prst="rect">
             <a:avLst/>
@@ -9802,7 +11805,7 @@
         <p:spPr>
           <a:xfrm>
             <a:off x="4502880" y="4641480"/>
-            <a:ext cx="4530240" cy="438120"/>
+            <a:ext cx="4529880" cy="437760"/>
           </a:xfrm>
           <a:prstGeom prst="rect">
             <a:avLst/>
@@ -9918,7 +11921,7 @@
         <p:spPr>
           <a:xfrm>
             <a:off x="311760" y="444960"/>
-            <a:ext cx="8517240" cy="569520"/>
+            <a:ext cx="8516880" cy="569160"/>
           </a:xfrm>
           <a:prstGeom prst="rect">
             <a:avLst/>
@@ -9975,7 +11978,7 @@
         <p:spPr>
           <a:xfrm>
             <a:off x="311760" y="1152360"/>
-            <a:ext cx="8517240" cy="3413160"/>
+            <a:ext cx="8516880" cy="3412800"/>
           </a:xfrm>
           <a:prstGeom prst="rect">
             <a:avLst/>
@@ -10045,7 +12048,7 @@
             </a:endParaRPr>
           </a:p>
           <a:p>
-            <a:pPr marL="432000" indent="-321120">
+            <a:pPr marL="432000" indent="-320760">
               <a:lnSpc>
                 <a:spcPct val="100000"/>
               </a:lnSpc>
@@ -10084,7 +12087,7 @@
             </a:endParaRPr>
           </a:p>
           <a:p>
-            <a:pPr marL="432000" indent="-321120">
+            <a:pPr marL="432000" indent="-320760">
               <a:lnSpc>
                 <a:spcPct val="100000"/>
               </a:lnSpc>
@@ -10123,7 +12126,7 @@
             </a:endParaRPr>
           </a:p>
           <a:p>
-            <a:pPr marL="432000" indent="-321120">
+            <a:pPr marL="432000" indent="-320760">
               <a:lnSpc>
                 <a:spcPct val="100000"/>
               </a:lnSpc>
@@ -10162,7 +12165,7 @@
             </a:endParaRPr>
           </a:p>
           <a:p>
-            <a:pPr marL="457200" indent="-314280">
+            <a:pPr marL="457200" indent="-313920">
               <a:lnSpc>
                 <a:spcPct val="100000"/>
               </a:lnSpc>
@@ -10180,7 +12183,7 @@
             </a:endParaRPr>
           </a:p>
           <a:p>
-            <a:pPr marL="457200" indent="-314280">
+            <a:pPr marL="457200" indent="-313920">
               <a:lnSpc>
                 <a:spcPct val="100000"/>
               </a:lnSpc>
@@ -10212,7 +12215,7 @@
         <p:spPr>
           <a:xfrm>
             <a:off x="3847680" y="2232000"/>
-            <a:ext cx="5149440" cy="2687760"/>
+            <a:ext cx="5149080" cy="2687400"/>
           </a:xfrm>
           <a:prstGeom prst="rect">
             <a:avLst/>
@@ -10289,8 +12292,8 @@
         </p:nvSpPr>
         <p:spPr>
           <a:xfrm>
-            <a:off x="311760" y="2186280"/>
-            <a:ext cx="8517240" cy="741960"/>
+            <a:off x="311760" y="444960"/>
+            <a:ext cx="8516880" cy="569160"/>
           </a:xfrm>
           <a:prstGeom prst="rect">
             <a:avLst/>
@@ -10307,15 +12310,72 @@
           <a:fontRef idx="minor"/>
         </p:style>
         <p:txBody>
-          <a:bodyPr lIns="90000" rIns="90000" tIns="91440" bIns="91440" anchor="b"/>
-          <a:p>
-            <a:pPr algn="ctr">
+          <a:bodyPr lIns="90000" rIns="90000" tIns="91440" bIns="91440"/>
+          <a:p>
+            <a:r>
+              <a:rPr b="1" lang="es-ES" sz="2800" spc="-1" strike="noStrike">
+                <a:solidFill>
+                  <a:srgbClr val="000000"/>
+                </a:solidFill>
+                <a:uFill>
+                  <a:solidFill>
+                    <a:srgbClr val="ffffff"/>
+                  </a:solidFill>
+                </a:uFill>
+                <a:latin typeface="Arial"/>
+                <a:ea typeface="DejaVu Sans"/>
+              </a:rPr>
+              <a:t>Edit online with Libreoffice action</a:t>
+            </a:r>
+            <a:endParaRPr b="0" lang="es-ES" sz="1800" spc="-1" strike="noStrike">
+              <a:solidFill>
+                <a:srgbClr val="000000"/>
+              </a:solidFill>
+              <a:uFill>
+                <a:solidFill>
+                  <a:srgbClr val="ffffff"/>
+                </a:solidFill>
+              </a:uFill>
+              <a:latin typeface="Arial"/>
+            </a:endParaRPr>
+          </a:p>
+        </p:txBody>
+      </p:sp>
+      <p:sp>
+        <p:nvSpPr>
+          <p:cNvPr id="130" name="CustomShape 2"/>
+          <p:cNvSpPr/>
+          <p:nvPr/>
+        </p:nvSpPr>
+        <p:spPr>
+          <a:xfrm>
+            <a:off x="311760" y="1152360"/>
+            <a:ext cx="8516880" cy="3412800"/>
+          </a:xfrm>
+          <a:prstGeom prst="rect">
+            <a:avLst/>
+          </a:prstGeom>
+          <a:noFill/>
+          <a:ln>
+            <a:noFill/>
+          </a:ln>
+        </p:spPr>
+        <p:style>
+          <a:lnRef idx="0"/>
+          <a:fillRef idx="0"/>
+          <a:effectRef idx="0"/>
+          <a:fontRef idx="minor"/>
+        </p:style>
+        <p:txBody>
+          <a:bodyPr lIns="90000" rIns="90000" tIns="91440" bIns="91440"/>
+          <a:p>
+            <a:pPr>
               <a:lnSpc>
                 <a:spcPct val="100000"/>
               </a:lnSpc>
             </a:pPr>
             <a:r>
-              <a:rPr b="0" lang="es-ES" sz="3600" spc="-1" strike="noStrike">
+              <a:rPr b="0" lang="es-ES" sz="1400" spc="-1" strike="noStrike">
                 <a:solidFill>
                   <a:srgbClr val="303030"/>
                 </a:solidFill>
@@ -10327,7 +12387,7 @@
                 <a:latin typeface="Arial"/>
                 <a:ea typeface="Arial"/>
               </a:rPr>
-              <a:t>Set status to documents</a:t>
+              <a:t>Protocol-based webdav online edition with Libreoffice 5</a:t>
             </a:r>
             <a:endParaRPr b="0" lang="es-ES" sz="1800" spc="-1" strike="noStrike">
               <a:solidFill>
@@ -10341,45 +12401,40 @@
               <a:latin typeface="Arial"/>
             </a:endParaRPr>
           </a:p>
-        </p:txBody>
-      </p:sp>
-      <p:sp>
-        <p:nvSpPr>
-          <p:cNvPr id="130" name="CustomShape 2"/>
-          <p:cNvSpPr/>
-          <p:nvPr/>
-        </p:nvSpPr>
-        <p:spPr>
-          <a:xfrm>
-            <a:off x="311760" y="3471120"/>
-            <a:ext cx="8517240" cy="1315800"/>
-          </a:xfrm>
-          <a:prstGeom prst="rect">
-            <a:avLst/>
-          </a:prstGeom>
-          <a:noFill/>
-          <a:ln>
-            <a:noFill/>
-          </a:ln>
-        </p:spPr>
-        <p:style>
-          <a:lnRef idx="0"/>
-          <a:fillRef idx="0"/>
-          <a:effectRef idx="0"/>
-          <a:fontRef idx="minor"/>
-        </p:style>
-        <p:txBody>
-          <a:bodyPr lIns="90000" rIns="90000" tIns="91440" bIns="91440"/>
-          <a:p>
-            <a:pPr algn="ctr">
+          <a:p>
+            <a:pPr>
               <a:lnSpc>
                 <a:spcPct val="100000"/>
               </a:lnSpc>
             </a:pPr>
+            <a:endParaRPr b="0" lang="es-ES" sz="1800" spc="-1" strike="noStrike">
+              <a:solidFill>
+                <a:srgbClr val="000000"/>
+              </a:solidFill>
+              <a:uFill>
+                <a:solidFill>
+                  <a:srgbClr val="ffffff"/>
+                </a:solidFill>
+              </a:uFill>
+              <a:latin typeface="Arial"/>
+            </a:endParaRPr>
+          </a:p>
+          <a:p>
+            <a:pPr marL="432000" indent="-320760">
+              <a:lnSpc>
+                <a:spcPct val="100000"/>
+              </a:lnSpc>
+              <a:buClr>
+                <a:srgbClr val="000000"/>
+              </a:buClr>
+              <a:buSzPct val="45000"/>
+              <a:buFont typeface="Wingdings" charset="2"/>
+              <a:buChar char=""/>
+            </a:pPr>
             <a:r>
-              <a:rPr b="0" lang="es-ES" sz="2800" spc="-1" strike="noStrike">
-                <a:solidFill>
-                  <a:srgbClr val="adadad"/>
+              <a:rPr b="0" lang="es-ES" sz="1400" spc="-1" strike="noStrike">
+                <a:solidFill>
+                  <a:srgbClr val="303030"/>
                 </a:solidFill>
                 <a:uFill>
                   <a:solidFill>
@@ -10389,7 +12444,7 @@
                 <a:latin typeface="Arial"/>
                 <a:ea typeface="Arial"/>
               </a:rPr>
-              <a:t>How can I manage document edition lifecycle in a simple way ?</a:t>
+              <a:t>It uses dav:// protocol URL-schemes (for Windows and Linux)</a:t>
             </a:r>
             <a:endParaRPr b="0" lang="es-ES" sz="1800" spc="-1" strike="noStrike">
               <a:solidFill>
@@ -10403,40 +12458,22 @@
               <a:latin typeface="Arial"/>
             </a:endParaRPr>
           </a:p>
-        </p:txBody>
-      </p:sp>
-      <p:sp>
-        <p:nvSpPr>
-          <p:cNvPr id="131" name="CustomShape 3"/>
-          <p:cNvSpPr/>
-          <p:nvPr/>
-        </p:nvSpPr>
-        <p:spPr>
-          <a:xfrm>
-            <a:off x="5652000" y="4702320"/>
-            <a:ext cx="3345120" cy="262800"/>
-          </a:xfrm>
-          <a:prstGeom prst="rect">
-            <a:avLst/>
-          </a:prstGeom>
-          <a:noFill/>
-          <a:ln>
-            <a:noFill/>
-          </a:ln>
-        </p:spPr>
-        <p:style>
-          <a:lnRef idx="0"/>
-          <a:fillRef idx="0"/>
-          <a:effectRef idx="0"/>
-          <a:fontRef idx="minor"/>
-        </p:style>
-        <p:txBody>
-          <a:bodyPr lIns="90000" rIns="90000" tIns="45000" bIns="45000"/>
-          <a:p>
+          <a:p>
+            <a:pPr marL="432000" indent="-320760">
+              <a:lnSpc>
+                <a:spcPct val="100000"/>
+              </a:lnSpc>
+              <a:buClr>
+                <a:srgbClr val="000000"/>
+              </a:buClr>
+              <a:buSzPct val="45000"/>
+              <a:buFont typeface="Wingdings" charset="2"/>
+              <a:buChar char=""/>
+            </a:pPr>
             <a:r>
-              <a:rPr b="0" lang="es-ES" sz="1230" spc="-1" strike="noStrike">
-                <a:solidFill>
-                  <a:srgbClr val="000000"/>
+              <a:rPr b="0" lang="es-ES" sz="1400" spc="-1" strike="noStrike">
+                <a:solidFill>
+                  <a:srgbClr val="303030"/>
                 </a:solidFill>
                 <a:uFill>
                   <a:solidFill>
@@ -10444,9 +12481,9 @@
                   </a:solidFill>
                 </a:uFill>
                 <a:latin typeface="Arial"/>
-                <a:ea typeface="DejaVu Sans"/>
+                <a:ea typeface="Arial"/>
               </a:rPr>
-              <a:t>https://github.com/zylklab/zk-zpm-statusable</a:t>
+              <a:t>Libreoffice mimetypes</a:t>
             </a:r>
             <a:endParaRPr b="0" lang="es-ES" sz="1800" spc="-1" strike="noStrike">
               <a:solidFill>
@@ -10460,8 +12497,106 @@
               <a:latin typeface="Arial"/>
             </a:endParaRPr>
           </a:p>
-        </p:txBody>
-      </p:sp>
+          <a:p>
+            <a:pPr marL="432000" indent="-320760">
+              <a:lnSpc>
+                <a:spcPct val="100000"/>
+              </a:lnSpc>
+              <a:buClr>
+                <a:srgbClr val="000000"/>
+              </a:buClr>
+              <a:buSzPct val="45000"/>
+              <a:buFont typeface="Wingdings" charset="2"/>
+              <a:buChar char=""/>
+            </a:pPr>
+            <a:r>
+              <a:rPr b="0" lang="es-ES" sz="1400" spc="-1" strike="noStrike">
+                <a:solidFill>
+                  <a:srgbClr val="303030"/>
+                </a:solidFill>
+                <a:uFill>
+                  <a:solidFill>
+                    <a:srgbClr val="ffffff"/>
+                  </a:solidFill>
+                </a:uFill>
+                <a:latin typeface="Arial"/>
+                <a:ea typeface="Arial"/>
+              </a:rPr>
+              <a:t>Non-SSL installations</a:t>
+            </a:r>
+            <a:endParaRPr b="0" lang="es-ES" sz="1800" spc="-1" strike="noStrike">
+              <a:solidFill>
+                <a:srgbClr val="000000"/>
+              </a:solidFill>
+              <a:uFill>
+                <a:solidFill>
+                  <a:srgbClr val="ffffff"/>
+                </a:solidFill>
+              </a:uFill>
+              <a:latin typeface="Arial"/>
+            </a:endParaRPr>
+          </a:p>
+          <a:p>
+            <a:pPr marL="457200" indent="-313920">
+              <a:lnSpc>
+                <a:spcPct val="100000"/>
+              </a:lnSpc>
+            </a:pPr>
+            <a:endParaRPr b="0" lang="es-ES" sz="1800" spc="-1" strike="noStrike">
+              <a:solidFill>
+                <a:srgbClr val="000000"/>
+              </a:solidFill>
+              <a:uFill>
+                <a:solidFill>
+                  <a:srgbClr val="ffffff"/>
+                </a:solidFill>
+              </a:uFill>
+              <a:latin typeface="Arial"/>
+            </a:endParaRPr>
+          </a:p>
+          <a:p>
+            <a:pPr marL="457200" indent="-313920">
+              <a:lnSpc>
+                <a:spcPct val="100000"/>
+              </a:lnSpc>
+            </a:pPr>
+            <a:endParaRPr b="0" lang="es-ES" sz="1800" spc="-1" strike="noStrike">
+              <a:solidFill>
+                <a:srgbClr val="000000"/>
+              </a:solidFill>
+              <a:uFill>
+                <a:solidFill>
+                  <a:srgbClr val="ffffff"/>
+                </a:solidFill>
+              </a:uFill>
+              <a:latin typeface="Arial"/>
+            </a:endParaRPr>
+          </a:p>
+        </p:txBody>
+      </p:sp>
+      <p:pic>
+        <p:nvPicPr>
+          <p:cNvPr id="131" name="" descr=""/>
+          <p:cNvPicPr/>
+          <p:nvPr/>
+        </p:nvPicPr>
+        <p:blipFill>
+          <a:blip r:embed="rId2"/>
+          <a:stretch/>
+        </p:blipFill>
+        <p:spPr>
+          <a:xfrm>
+            <a:off x="3847680" y="2232000"/>
+            <a:ext cx="5149080" cy="2687400"/>
+          </a:xfrm>
+          <a:prstGeom prst="rect">
+            <a:avLst/>
+          </a:prstGeom>
+          <a:ln>
+            <a:noFill/>
+          </a:ln>
+        </p:spPr>
+      </p:pic>
     </p:spTree>
   </p:cSld>
   <p:timing>
@@ -10529,8 +12664,8 @@
         </p:nvSpPr>
         <p:spPr>
           <a:xfrm>
-            <a:off x="311760" y="444960"/>
-            <a:ext cx="8517240" cy="569520"/>
+            <a:off x="311760" y="2186280"/>
+            <a:ext cx="8516880" cy="741600"/>
           </a:xfrm>
           <a:prstGeom prst="rect">
             <a:avLst/>
@@ -10547,10 +12682,134 @@
           <a:fontRef idx="minor"/>
         </p:style>
         <p:txBody>
+          <a:bodyPr lIns="90000" rIns="90000" tIns="91440" bIns="91440" anchor="b"/>
+          <a:p>
+            <a:pPr algn="ctr">
+              <a:lnSpc>
+                <a:spcPct val="100000"/>
+              </a:lnSpc>
+            </a:pPr>
+            <a:r>
+              <a:rPr b="0" lang="es-ES" sz="3600" spc="-1" strike="noStrike">
+                <a:solidFill>
+                  <a:srgbClr val="303030"/>
+                </a:solidFill>
+                <a:uFill>
+                  <a:solidFill>
+                    <a:srgbClr val="ffffff"/>
+                  </a:solidFill>
+                </a:uFill>
+                <a:latin typeface="Arial"/>
+                <a:ea typeface="Arial"/>
+              </a:rPr>
+              <a:t>Set status to documents</a:t>
+            </a:r>
+            <a:endParaRPr b="0" lang="es-ES" sz="1800" spc="-1" strike="noStrike">
+              <a:solidFill>
+                <a:srgbClr val="000000"/>
+              </a:solidFill>
+              <a:uFill>
+                <a:solidFill>
+                  <a:srgbClr val="ffffff"/>
+                </a:solidFill>
+              </a:uFill>
+              <a:latin typeface="Arial"/>
+            </a:endParaRPr>
+          </a:p>
+        </p:txBody>
+      </p:sp>
+      <p:sp>
+        <p:nvSpPr>
+          <p:cNvPr id="133" name="CustomShape 2"/>
+          <p:cNvSpPr/>
+          <p:nvPr/>
+        </p:nvSpPr>
+        <p:spPr>
+          <a:xfrm>
+            <a:off x="311760" y="3471120"/>
+            <a:ext cx="8516880" cy="1315440"/>
+          </a:xfrm>
+          <a:prstGeom prst="rect">
+            <a:avLst/>
+          </a:prstGeom>
+          <a:noFill/>
+          <a:ln>
+            <a:noFill/>
+          </a:ln>
+        </p:spPr>
+        <p:style>
+          <a:lnRef idx="0"/>
+          <a:fillRef idx="0"/>
+          <a:effectRef idx="0"/>
+          <a:fontRef idx="minor"/>
+        </p:style>
+        <p:txBody>
           <a:bodyPr lIns="90000" rIns="90000" tIns="91440" bIns="91440"/>
           <a:p>
+            <a:pPr algn="ctr">
+              <a:lnSpc>
+                <a:spcPct val="100000"/>
+              </a:lnSpc>
+            </a:pPr>
             <a:r>
-              <a:rPr b="1" lang="es-ES" sz="2800" spc="-1" strike="noStrike">
+              <a:rPr b="0" lang="es-ES" sz="2800" spc="-1" strike="noStrike">
+                <a:solidFill>
+                  <a:srgbClr val="adadad"/>
+                </a:solidFill>
+                <a:uFill>
+                  <a:solidFill>
+                    <a:srgbClr val="ffffff"/>
+                  </a:solidFill>
+                </a:uFill>
+                <a:latin typeface="Arial"/>
+                <a:ea typeface="Arial"/>
+              </a:rPr>
+              <a:t>How can I manage document edition lifecycle in a simple way ?</a:t>
+            </a:r>
+            <a:endParaRPr b="0" lang="es-ES" sz="1800" spc="-1" strike="noStrike">
+              <a:solidFill>
+                <a:srgbClr val="000000"/>
+              </a:solidFill>
+              <a:uFill>
+                <a:solidFill>
+                  <a:srgbClr val="ffffff"/>
+                </a:solidFill>
+              </a:uFill>
+              <a:latin typeface="Arial"/>
+            </a:endParaRPr>
+          </a:p>
+        </p:txBody>
+      </p:sp>
+      <p:sp>
+        <p:nvSpPr>
+          <p:cNvPr id="134" name="CustomShape 3"/>
+          <p:cNvSpPr/>
+          <p:nvPr/>
+        </p:nvSpPr>
+        <p:spPr>
+          <a:xfrm>
+            <a:off x="5652000" y="4702320"/>
+            <a:ext cx="3344760" cy="262440"/>
+          </a:xfrm>
+          <a:prstGeom prst="rect">
+            <a:avLst/>
+          </a:prstGeom>
+          <a:noFill/>
+          <a:ln>
+            <a:noFill/>
+          </a:ln>
+        </p:spPr>
+        <p:style>
+          <a:lnRef idx="0"/>
+          <a:fillRef idx="0"/>
+          <a:effectRef idx="0"/>
+          <a:fontRef idx="minor"/>
+        </p:style>
+        <p:txBody>
+          <a:bodyPr lIns="90000" rIns="90000" tIns="45000" bIns="45000"/>
+          <a:p>
+            <a:r>
+              <a:rPr b="0" lang="es-ES" sz="1230" spc="-1" strike="noStrike">
                 <a:solidFill>
                   <a:srgbClr val="000000"/>
                 </a:solidFill>
@@ -10562,7 +12821,7 @@
                 <a:latin typeface="Arial"/>
                 <a:ea typeface="DejaVu Sans"/>
               </a:rPr>
-              <a:t>Status-able indicators</a:t>
+              <a:t>https://github.com/zylklab/zk-zpm-statusable</a:t>
             </a:r>
             <a:endParaRPr b="0" lang="es-ES" sz="1800" spc="-1" strike="noStrike">
               <a:solidFill>
@@ -10576,319 +12835,8 @@
               <a:latin typeface="Arial"/>
             </a:endParaRPr>
           </a:p>
-          <a:p>
-            <a:endParaRPr b="0" lang="es-ES" sz="1800" spc="-1" strike="noStrike">
-              <a:solidFill>
-                <a:srgbClr val="000000"/>
-              </a:solidFill>
-              <a:uFill>
-                <a:solidFill>
-                  <a:srgbClr val="ffffff"/>
-                </a:solidFill>
-              </a:uFill>
-              <a:latin typeface="Arial"/>
-            </a:endParaRPr>
-          </a:p>
-          <a:p>
-            <a:endParaRPr b="0" lang="es-ES" sz="1800" spc="-1" strike="noStrike">
-              <a:solidFill>
-                <a:srgbClr val="000000"/>
-              </a:solidFill>
-              <a:uFill>
-                <a:solidFill>
-                  <a:srgbClr val="ffffff"/>
-                </a:solidFill>
-              </a:uFill>
-              <a:latin typeface="Arial"/>
-            </a:endParaRPr>
-          </a:p>
-        </p:txBody>
-      </p:sp>
-      <p:sp>
-        <p:nvSpPr>
-          <p:cNvPr id="133" name="CustomShape 2"/>
-          <p:cNvSpPr/>
-          <p:nvPr/>
-        </p:nvSpPr>
-        <p:spPr>
-          <a:xfrm>
-            <a:off x="311760" y="720360"/>
-            <a:ext cx="8517240" cy="3413160"/>
-          </a:xfrm>
-          <a:prstGeom prst="rect">
-            <a:avLst/>
-          </a:prstGeom>
-          <a:noFill/>
-          <a:ln>
-            <a:noFill/>
-          </a:ln>
-        </p:spPr>
-        <p:style>
-          <a:lnRef idx="0"/>
-          <a:fillRef idx="0"/>
-          <a:effectRef idx="0"/>
-          <a:fontRef idx="minor"/>
-        </p:style>
-        <p:txBody>
-          <a:bodyPr lIns="90000" rIns="90000" tIns="91440" bIns="91440"/>
-          <a:p>
-            <a:pPr>
-              <a:lnSpc>
-                <a:spcPct val="100000"/>
-              </a:lnSpc>
-            </a:pPr>
-            <a:endParaRPr b="0" lang="es-ES" sz="1800" spc="-1" strike="noStrike">
-              <a:solidFill>
-                <a:srgbClr val="000000"/>
-              </a:solidFill>
-              <a:uFill>
-                <a:solidFill>
-                  <a:srgbClr val="ffffff"/>
-                </a:solidFill>
-              </a:uFill>
-              <a:latin typeface="Arial"/>
-            </a:endParaRPr>
-          </a:p>
-          <a:p>
-            <a:pPr marL="432000" indent="-321120">
-              <a:lnSpc>
-                <a:spcPct val="100000"/>
-              </a:lnSpc>
-              <a:buClr>
-                <a:srgbClr val="000000"/>
-              </a:buClr>
-              <a:buSzPct val="45000"/>
-              <a:buFont typeface="Wingdings" charset="2"/>
-              <a:buChar char=""/>
-            </a:pPr>
-            <a:r>
-              <a:rPr b="0" lang="es-ES" sz="1400" spc="-1" strike="noStrike">
-                <a:solidFill>
-                  <a:srgbClr val="303030"/>
-                </a:solidFill>
-                <a:uFill>
-                  <a:solidFill>
-                    <a:srgbClr val="ffffff"/>
-                  </a:solidFill>
-                </a:uFill>
-                <a:latin typeface="Arial"/>
-                <a:ea typeface="Arial"/>
-              </a:rPr>
-              <a:t>Aspect for document status</a:t>
-            </a:r>
-            <a:endParaRPr b="0" lang="es-ES" sz="1800" spc="-1" strike="noStrike">
-              <a:solidFill>
-                <a:srgbClr val="000000"/>
-              </a:solidFill>
-              <a:uFill>
-                <a:solidFill>
-                  <a:srgbClr val="ffffff"/>
-                </a:solidFill>
-              </a:uFill>
-              <a:latin typeface="Arial"/>
-            </a:endParaRPr>
-          </a:p>
-          <a:p>
-            <a:pPr marL="432000" indent="-321120">
-              <a:lnSpc>
-                <a:spcPct val="100000"/>
-              </a:lnSpc>
-              <a:buClr>
-                <a:srgbClr val="000000"/>
-              </a:buClr>
-              <a:buSzPct val="45000"/>
-              <a:buFont typeface="Wingdings" charset="2"/>
-              <a:buChar char=""/>
-            </a:pPr>
-            <a:r>
-              <a:rPr b="0" lang="es-ES" sz="1400" spc="-1" strike="noStrike">
-                <a:solidFill>
-                  <a:srgbClr val="303030"/>
-                </a:solidFill>
-                <a:uFill>
-                  <a:solidFill>
-                    <a:srgbClr val="ffffff"/>
-                  </a:solidFill>
-                </a:uFill>
-                <a:latin typeface="Arial"/>
-                <a:ea typeface="Arial"/>
-              </a:rPr>
-              <a:t>Custom indicators and metadata template for the statusable aspect</a:t>
-            </a:r>
-            <a:endParaRPr b="0" lang="es-ES" sz="1800" spc="-1" strike="noStrike">
-              <a:solidFill>
-                <a:srgbClr val="000000"/>
-              </a:solidFill>
-              <a:uFill>
-                <a:solidFill>
-                  <a:srgbClr val="ffffff"/>
-                </a:solidFill>
-              </a:uFill>
-              <a:latin typeface="Arial"/>
-            </a:endParaRPr>
-          </a:p>
-          <a:p>
-            <a:pPr marL="432000" indent="-321120">
-              <a:lnSpc>
-                <a:spcPct val="100000"/>
-              </a:lnSpc>
-              <a:buClr>
-                <a:srgbClr val="000000"/>
-              </a:buClr>
-              <a:buSzPct val="45000"/>
-              <a:buFont typeface="Wingdings" charset="2"/>
-              <a:buChar char=""/>
-            </a:pPr>
-            <a:r>
-              <a:rPr b="0" lang="es-ES" sz="1400" spc="-1" strike="noStrike">
-                <a:solidFill>
-                  <a:srgbClr val="303030"/>
-                </a:solidFill>
-                <a:uFill>
-                  <a:solidFill>
-                    <a:srgbClr val="ffffff"/>
-                  </a:solidFill>
-                </a:uFill>
-                <a:latin typeface="Arial"/>
-                <a:ea typeface="Arial"/>
-              </a:rPr>
-              <a:t>Document searches with facets</a:t>
-            </a:r>
-            <a:endParaRPr b="0" lang="es-ES" sz="1800" spc="-1" strike="noStrike">
-              <a:solidFill>
-                <a:srgbClr val="000000"/>
-              </a:solidFill>
-              <a:uFill>
-                <a:solidFill>
-                  <a:srgbClr val="ffffff"/>
-                </a:solidFill>
-              </a:uFill>
-              <a:latin typeface="Arial"/>
-            </a:endParaRPr>
-          </a:p>
-          <a:p>
-            <a:pPr marL="432000" indent="-321120">
-              <a:lnSpc>
-                <a:spcPct val="100000"/>
-              </a:lnSpc>
-              <a:buClr>
-                <a:srgbClr val="000000"/>
-              </a:buClr>
-              <a:buSzPct val="45000"/>
-              <a:buFont typeface="Wingdings" charset="2"/>
-              <a:buChar char=""/>
-            </a:pPr>
-            <a:r>
-              <a:rPr b="0" lang="es-ES" sz="1400" spc="-1" strike="noStrike">
-                <a:solidFill>
-                  <a:srgbClr val="303030"/>
-                </a:solidFill>
-                <a:uFill>
-                  <a:solidFill>
-                    <a:srgbClr val="ffffff"/>
-                  </a:solidFill>
-                </a:uFill>
-                <a:latin typeface="Arial"/>
-                <a:ea typeface="Arial"/>
-              </a:rPr>
-              <a:t>Document views with smart folders </a:t>
-            </a:r>
-            <a:endParaRPr b="0" lang="es-ES" sz="1800" spc="-1" strike="noStrike">
-              <a:solidFill>
-                <a:srgbClr val="000000"/>
-              </a:solidFill>
-              <a:uFill>
-                <a:solidFill>
-                  <a:srgbClr val="ffffff"/>
-                </a:solidFill>
-              </a:uFill>
-              <a:latin typeface="Arial"/>
-            </a:endParaRPr>
-          </a:p>
-          <a:p>
-            <a:pPr marL="457200" indent="-314280">
-              <a:lnSpc>
-                <a:spcPct val="100000"/>
-              </a:lnSpc>
-            </a:pPr>
-            <a:endParaRPr b="0" lang="es-ES" sz="1800" spc="-1" strike="noStrike">
-              <a:solidFill>
-                <a:srgbClr val="000000"/>
-              </a:solidFill>
-              <a:uFill>
-                <a:solidFill>
-                  <a:srgbClr val="ffffff"/>
-                </a:solidFill>
-              </a:uFill>
-              <a:latin typeface="Arial"/>
-            </a:endParaRPr>
-          </a:p>
-          <a:p>
-            <a:pPr marL="457200" indent="-314280">
-              <a:lnSpc>
-                <a:spcPct val="100000"/>
-              </a:lnSpc>
-            </a:pPr>
-            <a:endParaRPr b="0" lang="es-ES" sz="1800" spc="-1" strike="noStrike">
-              <a:solidFill>
-                <a:srgbClr val="000000"/>
-              </a:solidFill>
-              <a:uFill>
-                <a:solidFill>
-                  <a:srgbClr val="ffffff"/>
-                </a:solidFill>
-              </a:uFill>
-              <a:latin typeface="Arial"/>
-            </a:endParaRPr>
-          </a:p>
-        </p:txBody>
-      </p:sp>
-      <p:pic>
-        <p:nvPicPr>
-          <p:cNvPr id="134" name="" descr=""/>
-          <p:cNvPicPr/>
-          <p:nvPr/>
-        </p:nvPicPr>
-        <p:blipFill>
-          <a:blip r:embed="rId2"/>
-          <a:stretch/>
-        </p:blipFill>
-        <p:spPr>
-          <a:xfrm>
-            <a:off x="278280" y="2664000"/>
-            <a:ext cx="4183200" cy="2229120"/>
-          </a:xfrm>
-          <a:prstGeom prst="rect">
-            <a:avLst/>
-          </a:prstGeom>
-          <a:ln>
-            <a:noFill/>
-          </a:ln>
-        </p:spPr>
-      </p:pic>
-      <p:pic>
-        <p:nvPicPr>
-          <p:cNvPr id="135" name="" descr=""/>
-          <p:cNvPicPr/>
-          <p:nvPr/>
-        </p:nvPicPr>
-        <p:blipFill>
-          <a:blip r:embed="rId3"/>
-          <a:stretch/>
-        </p:blipFill>
-        <p:spPr>
-          <a:xfrm>
-            <a:off x="4318920" y="1891080"/>
-            <a:ext cx="4714560" cy="2714400"/>
-          </a:xfrm>
-          <a:prstGeom prst="rect">
-            <a:avLst/>
-          </a:prstGeom>
-          <a:ln>
-            <a:noFill/>
-          </a:ln>
-        </p:spPr>
-      </p:pic>
+        </p:txBody>
+      </p:sp>
     </p:spTree>
   </p:cSld>
   <p:timing>
